--- a/docs/React_Node_Express_presentation_71818.pptx
+++ b/docs/React_Node_Express_presentation_71818.pptx
@@ -1,24 +1,24 @@
 
 <file path=ppt/presentation.xml><?xml version="1.0" encoding="utf-8"?>
-<p:presentation xmlns:a="http://schemas.openxmlformats.org/drawingml/2006/main" xmlns:r="http://schemas.openxmlformats.org/officeDocument/2006/relationships" xmlns:mc="http://schemas.openxmlformats.org/markup-compatibility/2006" xmlns:mv="urn:schemas-microsoft-com:mac:vml" xmlns:p="http://schemas.openxmlformats.org/presentationml/2006/main" xmlns:c="http://schemas.openxmlformats.org/drawingml/2006/chart" xmlns:dgm="http://schemas.openxmlformats.org/drawingml/2006/diagram" xmlns:o="urn:schemas-microsoft-com:office:office" xmlns:v="urn:schemas-microsoft-com:vml" xmlns:pvml="urn:schemas-microsoft-com:office:powerpoint" xmlns:com="http://schemas.openxmlformats.org/drawingml/2006/compatibility" xmlns:p14="http://schemas.microsoft.com/office/powerpoint/2010/main" xmlns:p15="http://schemas.microsoft.com/office/powerpoint/2012/main" xmlns:ahyp="http://schemas.microsoft.com/office/drawing/2018/hyperlinkcolor" autoCompressPictures="0" strictFirstAndLastChars="0" saveSubsetFonts="1">
+<p:presentation xmlns:a="http://schemas.openxmlformats.org/drawingml/2006/main" xmlns:r="http://schemas.openxmlformats.org/officeDocument/2006/relationships" xmlns:p="http://schemas.openxmlformats.org/presentationml/2006/main" strictFirstAndLastChars="0" saveSubsetFonts="1" autoCompressPictures="0">
   <p:sldMasterIdLst>
-    <p:sldMasterId id="2147483648" r:id="rId3"/>
+    <p:sldMasterId id="2147483648" r:id="rId1"/>
   </p:sldMasterIdLst>
   <p:notesMasterIdLst>
-    <p:notesMasterId r:id="rId4"/>
+    <p:notesMasterId r:id="rId8"/>
   </p:notesMasterIdLst>
   <p:sldIdLst>
-    <p:sldId id="256" r:id="rId5"/>
-    <p:sldId id="257" r:id="rId6"/>
-    <p:sldId id="258" r:id="rId7"/>
-    <p:sldId id="259" r:id="rId8"/>
-    <p:sldId id="260" r:id="rId9"/>
-    <p:sldId id="261" r:id="rId10"/>
+    <p:sldId id="256" r:id="rId2"/>
+    <p:sldId id="257" r:id="rId3"/>
+    <p:sldId id="258" r:id="rId4"/>
+    <p:sldId id="259" r:id="rId5"/>
+    <p:sldId id="260" r:id="rId6"/>
+    <p:sldId id="261" r:id="rId7"/>
   </p:sldIdLst>
-  <p:sldSz cy="6858000" cx="12192000"/>
+  <p:sldSz cx="12192000" cy="6858000"/>
   <p:notesSz cx="6858000" cy="9144000"/>
   <p:defaultTextStyle>
-    <a:defPPr lvl="0" marR="0" rtl="0" algn="l">
+    <a:defPPr marR="0" lvl="0" algn="l" rtl="0">
       <a:lnSpc>
         <a:spcPct val="100000"/>
       </a:lnSpc>
@@ -29,7 +29,7 @@
         <a:spcPts val="0"/>
       </a:spcAft>
     </a:defPPr>
-    <a:lvl1pPr lvl="0" marR="0" rtl="0" algn="l">
+    <a:lvl1pPr marR="0" lvl="0" algn="l" rtl="0">
       <a:lnSpc>
         <a:spcPct val="100000"/>
       </a:lnSpc>
@@ -43,7 +43,7 @@
         <a:srgbClr val="000000"/>
       </a:buClr>
       <a:buFont typeface="Arial"/>
-      <a:defRPr b="0" i="0" sz="1400" u="none" cap="none" strike="noStrike">
+      <a:defRPr sz="1400" b="0" i="0" u="none" strike="noStrike" cap="none">
         <a:solidFill>
           <a:srgbClr val="000000"/>
         </a:solidFill>
@@ -53,7 +53,7 @@
         <a:sym typeface="Arial"/>
       </a:defRPr>
     </a:lvl1pPr>
-    <a:lvl2pPr lvl="1" marR="0" rtl="0" algn="l">
+    <a:lvl2pPr marR="0" lvl="1" algn="l" rtl="0">
       <a:lnSpc>
         <a:spcPct val="100000"/>
       </a:lnSpc>
@@ -67,7 +67,7 @@
         <a:srgbClr val="000000"/>
       </a:buClr>
       <a:buFont typeface="Arial"/>
-      <a:defRPr b="0" i="0" sz="1400" u="none" cap="none" strike="noStrike">
+      <a:defRPr sz="1400" b="0" i="0" u="none" strike="noStrike" cap="none">
         <a:solidFill>
           <a:srgbClr val="000000"/>
         </a:solidFill>
@@ -77,7 +77,7 @@
         <a:sym typeface="Arial"/>
       </a:defRPr>
     </a:lvl2pPr>
-    <a:lvl3pPr lvl="2" marR="0" rtl="0" algn="l">
+    <a:lvl3pPr marR="0" lvl="2" algn="l" rtl="0">
       <a:lnSpc>
         <a:spcPct val="100000"/>
       </a:lnSpc>
@@ -91,7 +91,7 @@
         <a:srgbClr val="000000"/>
       </a:buClr>
       <a:buFont typeface="Arial"/>
-      <a:defRPr b="0" i="0" sz="1400" u="none" cap="none" strike="noStrike">
+      <a:defRPr sz="1400" b="0" i="0" u="none" strike="noStrike" cap="none">
         <a:solidFill>
           <a:srgbClr val="000000"/>
         </a:solidFill>
@@ -101,7 +101,7 @@
         <a:sym typeface="Arial"/>
       </a:defRPr>
     </a:lvl3pPr>
-    <a:lvl4pPr lvl="3" marR="0" rtl="0" algn="l">
+    <a:lvl4pPr marR="0" lvl="3" algn="l" rtl="0">
       <a:lnSpc>
         <a:spcPct val="100000"/>
       </a:lnSpc>
@@ -115,7 +115,7 @@
         <a:srgbClr val="000000"/>
       </a:buClr>
       <a:buFont typeface="Arial"/>
-      <a:defRPr b="0" i="0" sz="1400" u="none" cap="none" strike="noStrike">
+      <a:defRPr sz="1400" b="0" i="0" u="none" strike="noStrike" cap="none">
         <a:solidFill>
           <a:srgbClr val="000000"/>
         </a:solidFill>
@@ -125,7 +125,7 @@
         <a:sym typeface="Arial"/>
       </a:defRPr>
     </a:lvl4pPr>
-    <a:lvl5pPr lvl="4" marR="0" rtl="0" algn="l">
+    <a:lvl5pPr marR="0" lvl="4" algn="l" rtl="0">
       <a:lnSpc>
         <a:spcPct val="100000"/>
       </a:lnSpc>
@@ -139,7 +139,7 @@
         <a:srgbClr val="000000"/>
       </a:buClr>
       <a:buFont typeface="Arial"/>
-      <a:defRPr b="0" i="0" sz="1400" u="none" cap="none" strike="noStrike">
+      <a:defRPr sz="1400" b="0" i="0" u="none" strike="noStrike" cap="none">
         <a:solidFill>
           <a:srgbClr val="000000"/>
         </a:solidFill>
@@ -149,7 +149,7 @@
         <a:sym typeface="Arial"/>
       </a:defRPr>
     </a:lvl5pPr>
-    <a:lvl6pPr lvl="5" marR="0" rtl="0" algn="l">
+    <a:lvl6pPr marR="0" lvl="5" algn="l" rtl="0">
       <a:lnSpc>
         <a:spcPct val="100000"/>
       </a:lnSpc>
@@ -163,7 +163,7 @@
         <a:srgbClr val="000000"/>
       </a:buClr>
       <a:buFont typeface="Arial"/>
-      <a:defRPr b="0" i="0" sz="1400" u="none" cap="none" strike="noStrike">
+      <a:defRPr sz="1400" b="0" i="0" u="none" strike="noStrike" cap="none">
         <a:solidFill>
           <a:srgbClr val="000000"/>
         </a:solidFill>
@@ -173,7 +173,7 @@
         <a:sym typeface="Arial"/>
       </a:defRPr>
     </a:lvl6pPr>
-    <a:lvl7pPr lvl="6" marR="0" rtl="0" algn="l">
+    <a:lvl7pPr marR="0" lvl="6" algn="l" rtl="0">
       <a:lnSpc>
         <a:spcPct val="100000"/>
       </a:lnSpc>
@@ -187,7 +187,7 @@
         <a:srgbClr val="000000"/>
       </a:buClr>
       <a:buFont typeface="Arial"/>
-      <a:defRPr b="0" i="0" sz="1400" u="none" cap="none" strike="noStrike">
+      <a:defRPr sz="1400" b="0" i="0" u="none" strike="noStrike" cap="none">
         <a:solidFill>
           <a:srgbClr val="000000"/>
         </a:solidFill>
@@ -197,7 +197,7 @@
         <a:sym typeface="Arial"/>
       </a:defRPr>
     </a:lvl7pPr>
-    <a:lvl8pPr lvl="7" marR="0" rtl="0" algn="l">
+    <a:lvl8pPr marR="0" lvl="7" algn="l" rtl="0">
       <a:lnSpc>
         <a:spcPct val="100000"/>
       </a:lnSpc>
@@ -211,7 +211,7 @@
         <a:srgbClr val="000000"/>
       </a:buClr>
       <a:buFont typeface="Arial"/>
-      <a:defRPr b="0" i="0" sz="1400" u="none" cap="none" strike="noStrike">
+      <a:defRPr sz="1400" b="0" i="0" u="none" strike="noStrike" cap="none">
         <a:solidFill>
           <a:srgbClr val="000000"/>
         </a:solidFill>
@@ -221,7 +221,7 @@
         <a:sym typeface="Arial"/>
       </a:defRPr>
     </a:lvl8pPr>
-    <a:lvl9pPr lvl="8" marR="0" rtl="0" algn="l">
+    <a:lvl9pPr marR="0" lvl="8" algn="l" rtl="0">
       <a:lnSpc>
         <a:spcPct val="100000"/>
       </a:lnSpc>
@@ -235,7 +235,7 @@
         <a:srgbClr val="000000"/>
       </a:buClr>
       <a:buFont typeface="Arial"/>
-      <a:defRPr b="0" i="0" sz="1400" u="none" cap="none" strike="noStrike">
+      <a:defRPr sz="1400" b="0" i="0" u="none" strike="noStrike" cap="none">
         <a:solidFill>
           <a:srgbClr val="000000"/>
         </a:solidFill>
@@ -248,18 +248,23 @@
   </p:defaultTextStyle>
   <p:extLst>
     <p:ext uri="http://customooxmlschemas.google.com/">
-      <go:slidesCustomData xmlns:go="http://customooxmlschemas.google.com/" r:id="rId11" roundtripDataSignature="AMtx7mjDenwmhQt3dJKBhBww3NZKgdJ3Lw=="/>
+      <go:slidesCustomData xmlns:go="http://customooxmlschemas.google.com/" xmlns:ahyp="http://schemas.microsoft.com/office/drawing/2018/hyperlinkcolor" xmlns:p15="http://schemas.microsoft.com/office/powerpoint/2012/main" xmlns:p14="http://schemas.microsoft.com/office/powerpoint/2010/main" xmlns:com="http://schemas.openxmlformats.org/drawingml/2006/compatibility" xmlns:pvml="urn:schemas-microsoft-com:office:powerpoint" xmlns:v="urn:schemas-microsoft-com:vml" xmlns:o="urn:schemas-microsoft-com:office:office" xmlns:dgm="http://schemas.openxmlformats.org/drawingml/2006/diagram" xmlns:c="http://schemas.openxmlformats.org/drawingml/2006/chart" xmlns:mv="urn:schemas-microsoft-com:mac:vml" xmlns:mc="http://schemas.openxmlformats.org/markup-compatibility/2006" xmlns="" r:id="rId11" roundtripDataSignature="AMtx7mjDenwmhQt3dJKBhBww3NZKgdJ3Lw=="/>
     </p:ext>
   </p:extLst>
 </p:presentation>
 </file>
 
 <file path=ppt/notesMasters/notesMaster1.xml><?xml version="1.0" encoding="utf-8"?>
-<p:notesMaster xmlns:a="http://schemas.openxmlformats.org/drawingml/2006/main" xmlns:r="http://schemas.openxmlformats.org/officeDocument/2006/relationships" xmlns:mc="http://schemas.openxmlformats.org/markup-compatibility/2006" xmlns:mv="urn:schemas-microsoft-com:mac:vml" xmlns:p="http://schemas.openxmlformats.org/presentationml/2006/main" xmlns:c="http://schemas.openxmlformats.org/drawingml/2006/chart" xmlns:dgm="http://schemas.openxmlformats.org/drawingml/2006/diagram" xmlns:o="urn:schemas-microsoft-com:office:office" xmlns:v="urn:schemas-microsoft-com:vml" xmlns:pvml="urn:schemas-microsoft-com:office:powerpoint" xmlns:com="http://schemas.openxmlformats.org/drawingml/2006/compatibility" xmlns:p14="http://schemas.microsoft.com/office/powerpoint/2010/main" xmlns:p15="http://schemas.microsoft.com/office/powerpoint/2012/main" xmlns:ahyp="http://schemas.microsoft.com/office/drawing/2018/hyperlinkcolor">
+<p:notesMaster xmlns:a="http://schemas.openxmlformats.org/drawingml/2006/main" xmlns:r="http://schemas.openxmlformats.org/officeDocument/2006/relationships" xmlns:p="http://schemas.openxmlformats.org/presentationml/2006/main">
   <p:cSld>
+    <p:bg>
+      <p:bgRef idx="1001">
+        <a:schemeClr val="bg1"/>
+      </p:bgRef>
+    </p:bg>
     <p:spTree>
       <p:nvGrpSpPr>
-        <p:cNvPr id="2" name="Shape 2"/>
+        <p:cNvPr id="1" name="Shape 2"/>
         <p:cNvGrpSpPr/>
         <p:nvPr/>
       </p:nvGrpSpPr>
@@ -274,9 +279,11 @@
       <p:sp>
         <p:nvSpPr>
           <p:cNvPr id="3" name="Google Shape;3;n"/>
-          <p:cNvSpPr/>
+          <p:cNvSpPr>
+            <a:spLocks noGrp="1" noRot="1" noChangeAspect="1"/>
+          </p:cNvSpPr>
           <p:nvPr>
-            <p:ph idx="2" type="sldImg"/>
+            <p:ph type="sldImg" idx="2"/>
           </p:nvPr>
         </p:nvSpPr>
         <p:spPr>
@@ -285,9 +292,13 @@
             <a:ext cx="4572225" cy="3429000"/>
           </a:xfrm>
           <a:custGeom>
-            <a:rect b="b" l="l" r="r" t="t"/>
+            <a:avLst/>
+            <a:gdLst/>
+            <a:ahLst/>
+            <a:cxnLst/>
+            <a:rect l="l" t="t" r="r" b="b"/>
             <a:pathLst>
-              <a:path extrusionOk="0" h="120000" w="120000">
+              <a:path w="120000" h="120000" extrusionOk="0">
                 <a:moveTo>
                   <a:pt x="0" y="0"/>
                 </a:moveTo>
@@ -305,23 +316,25 @@
             </a:pathLst>
           </a:custGeom>
           <a:noFill/>
-          <a:ln cap="flat" cmpd="sng" w="9525">
+          <a:ln w="9525" cap="flat" cmpd="sng">
             <a:solidFill>
               <a:srgbClr val="000000"/>
             </a:solidFill>
             <a:prstDash val="solid"/>
             <a:round/>
-            <a:headEnd len="sm" w="sm" type="none"/>
-            <a:tailEnd len="sm" w="sm" type="none"/>
+            <a:headEnd type="none" w="sm" len="sm"/>
+            <a:tailEnd type="none" w="sm" len="sm"/>
           </a:ln>
         </p:spPr>
       </p:sp>
       <p:sp>
         <p:nvSpPr>
           <p:cNvPr id="4" name="Google Shape;4;n"/>
-          <p:cNvSpPr txBox="1"/>
+          <p:cNvSpPr txBox="1">
+            <a:spLocks noGrp="1"/>
+          </p:cNvSpPr>
           <p:nvPr>
-            <p:ph idx="1" type="body"/>
+            <p:ph type="body" idx="1"/>
           </p:nvPr>
         </p:nvSpPr>
         <p:spPr>
@@ -338,11 +351,11 @@
           </a:ln>
         </p:spPr>
         <p:txBody>
-          <a:bodyPr anchorCtr="0" anchor="t" bIns="91425" lIns="91425" spcFirstLastPara="1" rIns="91425" wrap="square" tIns="91425">
+          <a:bodyPr spcFirstLastPara="1" wrap="square" lIns="91425" tIns="91425" rIns="91425" bIns="91425" anchor="t" anchorCtr="0">
             <a:noAutofit/>
           </a:bodyPr>
           <a:lstStyle>
-            <a:lvl1pPr indent="-298450" lvl="0" marL="457200">
+            <a:lvl1pPr marL="457200" lvl="0" indent="-298450">
               <a:spcBef>
                 <a:spcPts val="0"/>
               </a:spcBef>
@@ -353,7 +366,7 @@
               <a:buChar char="●"/>
               <a:defRPr sz="1100"/>
             </a:lvl1pPr>
-            <a:lvl2pPr indent="-298450" lvl="1" marL="914400">
+            <a:lvl2pPr marL="914400" lvl="1" indent="-298450">
               <a:spcBef>
                 <a:spcPts val="0"/>
               </a:spcBef>
@@ -364,7 +377,7 @@
               <a:buChar char="○"/>
               <a:defRPr sz="1100"/>
             </a:lvl2pPr>
-            <a:lvl3pPr indent="-298450" lvl="2" marL="1371600">
+            <a:lvl3pPr marL="1371600" lvl="2" indent="-298450">
               <a:spcBef>
                 <a:spcPts val="0"/>
               </a:spcBef>
@@ -375,7 +388,7 @@
               <a:buChar char="■"/>
               <a:defRPr sz="1100"/>
             </a:lvl3pPr>
-            <a:lvl4pPr indent="-298450" lvl="3" marL="1828800">
+            <a:lvl4pPr marL="1828800" lvl="3" indent="-298450">
               <a:spcBef>
                 <a:spcPts val="0"/>
               </a:spcBef>
@@ -386,7 +399,7 @@
               <a:buChar char="●"/>
               <a:defRPr sz="1100"/>
             </a:lvl4pPr>
-            <a:lvl5pPr indent="-298450" lvl="4" marL="2286000">
+            <a:lvl5pPr marL="2286000" lvl="4" indent="-298450">
               <a:spcBef>
                 <a:spcPts val="0"/>
               </a:spcBef>
@@ -397,7 +410,7 @@
               <a:buChar char="○"/>
               <a:defRPr sz="1100"/>
             </a:lvl5pPr>
-            <a:lvl6pPr indent="-298450" lvl="5" marL="2743200">
+            <a:lvl6pPr marL="2743200" lvl="5" indent="-298450">
               <a:spcBef>
                 <a:spcPts val="0"/>
               </a:spcBef>
@@ -408,7 +421,7 @@
               <a:buChar char="■"/>
               <a:defRPr sz="1100"/>
             </a:lvl6pPr>
-            <a:lvl7pPr indent="-298450" lvl="6" marL="3200400">
+            <a:lvl7pPr marL="3200400" lvl="6" indent="-298450">
               <a:spcBef>
                 <a:spcPts val="0"/>
               </a:spcBef>
@@ -419,7 +432,7 @@
               <a:buChar char="●"/>
               <a:defRPr sz="1100"/>
             </a:lvl7pPr>
-            <a:lvl8pPr indent="-298450" lvl="7" marL="3657600">
+            <a:lvl8pPr marL="3657600" lvl="7" indent="-298450">
               <a:spcBef>
                 <a:spcPts val="0"/>
               </a:spcBef>
@@ -430,7 +443,7 @@
               <a:buChar char="○"/>
               <a:defRPr sz="1100"/>
             </a:lvl8pPr>
-            <a:lvl9pPr indent="-298450" lvl="8" marL="4114800">
+            <a:lvl9pPr marL="4114800" lvl="8" indent="-298450">
               <a:spcBef>
                 <a:spcPts val="0"/>
               </a:spcBef>
@@ -442,14 +455,16 @@
               <a:defRPr sz="1100"/>
             </a:lvl9pPr>
           </a:lstStyle>
-          <a:p/>
+          <a:p>
+            <a:endParaRPr/>
+          </a:p>
         </p:txBody>
       </p:sp>
     </p:spTree>
   </p:cSld>
-  <p:clrMap accent1="accent1" accent2="accent2" accent3="accent3" accent4="accent4" accent5="accent5" accent6="accent6" bg1="lt1" bg2="dk2" tx1="dk1" tx2="lt2" folHlink="folHlink" hlink="hlink"/>
+  <p:clrMap bg1="lt1" tx1="dk1" bg2="dk2" tx2="lt2" accent1="accent1" accent2="accent2" accent3="accent3" accent4="accent4" accent5="accent5" accent6="accent6" hlink="hlink" folHlink="folHlink"/>
   <p:notesStyle>
-    <a:defPPr lvl="0" marR="0" rtl="0" algn="l">
+    <a:defPPr marR="0" lvl="0" algn="l" rtl="0">
       <a:lnSpc>
         <a:spcPct val="100000"/>
       </a:lnSpc>
@@ -460,7 +475,7 @@
         <a:spcPts val="0"/>
       </a:spcAft>
     </a:defPPr>
-    <a:lvl1pPr lvl="0" marR="0" rtl="0" algn="l">
+    <a:lvl1pPr marR="0" lvl="0" algn="l" rtl="0">
       <a:lnSpc>
         <a:spcPct val="100000"/>
       </a:lnSpc>
@@ -474,7 +489,7 @@
         <a:srgbClr val="000000"/>
       </a:buClr>
       <a:buFont typeface="Arial"/>
-      <a:defRPr b="0" i="0" sz="1400" u="none" cap="none" strike="noStrike">
+      <a:defRPr sz="1400" b="0" i="0" u="none" strike="noStrike" cap="none">
         <a:solidFill>
           <a:srgbClr val="000000"/>
         </a:solidFill>
@@ -484,7 +499,7 @@
         <a:sym typeface="Arial"/>
       </a:defRPr>
     </a:lvl1pPr>
-    <a:lvl2pPr lvl="1" marR="0" rtl="0" algn="l">
+    <a:lvl2pPr marR="0" lvl="1" algn="l" rtl="0">
       <a:lnSpc>
         <a:spcPct val="100000"/>
       </a:lnSpc>
@@ -498,7 +513,7 @@
         <a:srgbClr val="000000"/>
       </a:buClr>
       <a:buFont typeface="Arial"/>
-      <a:defRPr b="0" i="0" sz="1400" u="none" cap="none" strike="noStrike">
+      <a:defRPr sz="1400" b="0" i="0" u="none" strike="noStrike" cap="none">
         <a:solidFill>
           <a:srgbClr val="000000"/>
         </a:solidFill>
@@ -508,7 +523,7 @@
         <a:sym typeface="Arial"/>
       </a:defRPr>
     </a:lvl2pPr>
-    <a:lvl3pPr lvl="2" marR="0" rtl="0" algn="l">
+    <a:lvl3pPr marR="0" lvl="2" algn="l" rtl="0">
       <a:lnSpc>
         <a:spcPct val="100000"/>
       </a:lnSpc>
@@ -522,7 +537,7 @@
         <a:srgbClr val="000000"/>
       </a:buClr>
       <a:buFont typeface="Arial"/>
-      <a:defRPr b="0" i="0" sz="1400" u="none" cap="none" strike="noStrike">
+      <a:defRPr sz="1400" b="0" i="0" u="none" strike="noStrike" cap="none">
         <a:solidFill>
           <a:srgbClr val="000000"/>
         </a:solidFill>
@@ -532,7 +547,7 @@
         <a:sym typeface="Arial"/>
       </a:defRPr>
     </a:lvl3pPr>
-    <a:lvl4pPr lvl="3" marR="0" rtl="0" algn="l">
+    <a:lvl4pPr marR="0" lvl="3" algn="l" rtl="0">
       <a:lnSpc>
         <a:spcPct val="100000"/>
       </a:lnSpc>
@@ -546,7 +561,7 @@
         <a:srgbClr val="000000"/>
       </a:buClr>
       <a:buFont typeface="Arial"/>
-      <a:defRPr b="0" i="0" sz="1400" u="none" cap="none" strike="noStrike">
+      <a:defRPr sz="1400" b="0" i="0" u="none" strike="noStrike" cap="none">
         <a:solidFill>
           <a:srgbClr val="000000"/>
         </a:solidFill>
@@ -556,7 +571,7 @@
         <a:sym typeface="Arial"/>
       </a:defRPr>
     </a:lvl4pPr>
-    <a:lvl5pPr lvl="4" marR="0" rtl="0" algn="l">
+    <a:lvl5pPr marR="0" lvl="4" algn="l" rtl="0">
       <a:lnSpc>
         <a:spcPct val="100000"/>
       </a:lnSpc>
@@ -570,7 +585,7 @@
         <a:srgbClr val="000000"/>
       </a:buClr>
       <a:buFont typeface="Arial"/>
-      <a:defRPr b="0" i="0" sz="1400" u="none" cap="none" strike="noStrike">
+      <a:defRPr sz="1400" b="0" i="0" u="none" strike="noStrike" cap="none">
         <a:solidFill>
           <a:srgbClr val="000000"/>
         </a:solidFill>
@@ -580,7 +595,7 @@
         <a:sym typeface="Arial"/>
       </a:defRPr>
     </a:lvl5pPr>
-    <a:lvl6pPr lvl="5" marR="0" rtl="0" algn="l">
+    <a:lvl6pPr marR="0" lvl="5" algn="l" rtl="0">
       <a:lnSpc>
         <a:spcPct val="100000"/>
       </a:lnSpc>
@@ -594,7 +609,7 @@
         <a:srgbClr val="000000"/>
       </a:buClr>
       <a:buFont typeface="Arial"/>
-      <a:defRPr b="0" i="0" sz="1400" u="none" cap="none" strike="noStrike">
+      <a:defRPr sz="1400" b="0" i="0" u="none" strike="noStrike" cap="none">
         <a:solidFill>
           <a:srgbClr val="000000"/>
         </a:solidFill>
@@ -604,7 +619,7 @@
         <a:sym typeface="Arial"/>
       </a:defRPr>
     </a:lvl6pPr>
-    <a:lvl7pPr lvl="6" marR="0" rtl="0" algn="l">
+    <a:lvl7pPr marR="0" lvl="6" algn="l" rtl="0">
       <a:lnSpc>
         <a:spcPct val="100000"/>
       </a:lnSpc>
@@ -618,7 +633,7 @@
         <a:srgbClr val="000000"/>
       </a:buClr>
       <a:buFont typeface="Arial"/>
-      <a:defRPr b="0" i="0" sz="1400" u="none" cap="none" strike="noStrike">
+      <a:defRPr sz="1400" b="0" i="0" u="none" strike="noStrike" cap="none">
         <a:solidFill>
           <a:srgbClr val="000000"/>
         </a:solidFill>
@@ -628,7 +643,7 @@
         <a:sym typeface="Arial"/>
       </a:defRPr>
     </a:lvl7pPr>
-    <a:lvl8pPr lvl="7" marR="0" rtl="0" algn="l">
+    <a:lvl8pPr marR="0" lvl="7" algn="l" rtl="0">
       <a:lnSpc>
         <a:spcPct val="100000"/>
       </a:lnSpc>
@@ -642,7 +657,7 @@
         <a:srgbClr val="000000"/>
       </a:buClr>
       <a:buFont typeface="Arial"/>
-      <a:defRPr b="0" i="0" sz="1400" u="none" cap="none" strike="noStrike">
+      <a:defRPr sz="1400" b="0" i="0" u="none" strike="noStrike" cap="none">
         <a:solidFill>
           <a:srgbClr val="000000"/>
         </a:solidFill>
@@ -652,7 +667,7 @@
         <a:sym typeface="Arial"/>
       </a:defRPr>
     </a:lvl8pPr>
-    <a:lvl9pPr lvl="8" marR="0" rtl="0" algn="l">
+    <a:lvl9pPr marR="0" lvl="8" algn="l" rtl="0">
       <a:lnSpc>
         <a:spcPct val="100000"/>
       </a:lnSpc>
@@ -666,7 +681,7 @@
         <a:srgbClr val="000000"/>
       </a:buClr>
       <a:buFont typeface="Arial"/>
-      <a:defRPr b="0" i="0" sz="1400" u="none" cap="none" strike="noStrike">
+      <a:defRPr sz="1400" b="0" i="0" u="none" strike="noStrike" cap="none">
         <a:solidFill>
           <a:srgbClr val="000000"/>
         </a:solidFill>
@@ -681,11 +696,11 @@
 </file>
 
 <file path=ppt/notesSlides/notesSlide1.xml><?xml version="1.0" encoding="utf-8"?>
-<p:notes xmlns:a="http://schemas.openxmlformats.org/drawingml/2006/main" xmlns:r="http://schemas.openxmlformats.org/officeDocument/2006/relationships" xmlns:mc="http://schemas.openxmlformats.org/markup-compatibility/2006" xmlns:mv="urn:schemas-microsoft-com:mac:vml" xmlns:p="http://schemas.openxmlformats.org/presentationml/2006/main" xmlns:c="http://schemas.openxmlformats.org/drawingml/2006/chart" xmlns:dgm="http://schemas.openxmlformats.org/drawingml/2006/diagram" xmlns:o="urn:schemas-microsoft-com:office:office" xmlns:v="urn:schemas-microsoft-com:vml" xmlns:pvml="urn:schemas-microsoft-com:office:powerpoint" xmlns:com="http://schemas.openxmlformats.org/drawingml/2006/compatibility" xmlns:p14="http://schemas.microsoft.com/office/powerpoint/2010/main" xmlns:p15="http://schemas.microsoft.com/office/powerpoint/2012/main" xmlns:ahyp="http://schemas.microsoft.com/office/drawing/2018/hyperlinkcolor" showMasterPhAnim="0" showMasterSp="0">
+<p:notes xmlns:a="http://schemas.openxmlformats.org/drawingml/2006/main" xmlns:r="http://schemas.openxmlformats.org/officeDocument/2006/relationships" xmlns:p="http://schemas.openxmlformats.org/presentationml/2006/main" showMasterSp="0" showMasterPhAnim="0">
   <p:cSld>
     <p:spTree>
       <p:nvGrpSpPr>
-        <p:cNvPr id="97" name="Shape 97"/>
+        <p:cNvPr id="1" name="Shape 97"/>
         <p:cNvGrpSpPr/>
         <p:nvPr/>
       </p:nvGrpSpPr>
@@ -700,9 +715,11 @@
       <p:sp>
         <p:nvSpPr>
           <p:cNvPr id="98" name="Google Shape;98;p1:notes"/>
-          <p:cNvSpPr txBox="1"/>
+          <p:cNvSpPr txBox="1">
+            <a:spLocks noGrp="1"/>
+          </p:cNvSpPr>
           <p:nvPr>
-            <p:ph idx="1" type="body"/>
+            <p:ph type="body" idx="1"/>
           </p:nvPr>
         </p:nvSpPr>
         <p:spPr>
@@ -715,12 +732,12 @@
           </a:prstGeom>
         </p:spPr>
         <p:txBody>
-          <a:bodyPr anchorCtr="0" anchor="t" bIns="91425" lIns="91425" spcFirstLastPara="1" rIns="91425" wrap="square" tIns="91425">
+          <a:bodyPr spcFirstLastPara="1" wrap="square" lIns="91425" tIns="91425" rIns="91425" bIns="91425" anchor="t" anchorCtr="0">
             <a:noAutofit/>
           </a:bodyPr>
           <a:lstStyle/>
           <a:p>
-            <a:pPr indent="0" lvl="0" marL="0" rtl="0" algn="l">
+            <a:pPr marL="0" lvl="0" indent="0" algn="l" rtl="0">
               <a:spcBef>
                 <a:spcPts val="0"/>
               </a:spcBef>
@@ -729,9 +746,6 @@
               </a:spcAft>
               <a:buNone/>
             </a:pPr>
-            <a:r>
-              <a:t/>
-            </a:r>
             <a:endParaRPr/>
           </a:p>
         </p:txBody>
@@ -739,9 +753,11 @@
       <p:sp>
         <p:nvSpPr>
           <p:cNvPr id="99" name="Google Shape;99;p1:notes"/>
-          <p:cNvSpPr/>
+          <p:cNvSpPr>
+            <a:spLocks noGrp="1" noRot="1" noChangeAspect="1"/>
+          </p:cNvSpPr>
           <p:nvPr>
-            <p:ph idx="2" type="sldImg"/>
+            <p:ph type="sldImg" idx="2"/>
           </p:nvPr>
         </p:nvSpPr>
         <p:spPr>
@@ -750,9 +766,13 @@
             <a:ext cx="4572225" cy="3429000"/>
           </a:xfrm>
           <a:custGeom>
-            <a:rect b="b" l="l" r="r" t="t"/>
+            <a:avLst/>
+            <a:gdLst/>
+            <a:ahLst/>
+            <a:cxnLst/>
+            <a:rect l="l" t="t" r="r" b="b"/>
             <a:pathLst>
-              <a:path extrusionOk="0" h="120000" w="120000">
+              <a:path w="120000" h="120000" extrusionOk="0">
                 <a:moveTo>
                   <a:pt x="0" y="0"/>
                 </a:moveTo>
@@ -780,11 +800,11 @@
 </file>
 
 <file path=ppt/notesSlides/notesSlide2.xml><?xml version="1.0" encoding="utf-8"?>
-<p:notes xmlns:a="http://schemas.openxmlformats.org/drawingml/2006/main" xmlns:r="http://schemas.openxmlformats.org/officeDocument/2006/relationships" xmlns:mc="http://schemas.openxmlformats.org/markup-compatibility/2006" xmlns:mv="urn:schemas-microsoft-com:mac:vml" xmlns:p="http://schemas.openxmlformats.org/presentationml/2006/main" xmlns:c="http://schemas.openxmlformats.org/drawingml/2006/chart" xmlns:dgm="http://schemas.openxmlformats.org/drawingml/2006/diagram" xmlns:o="urn:schemas-microsoft-com:office:office" xmlns:v="urn:schemas-microsoft-com:vml" xmlns:pvml="urn:schemas-microsoft-com:office:powerpoint" xmlns:com="http://schemas.openxmlformats.org/drawingml/2006/compatibility" xmlns:p14="http://schemas.microsoft.com/office/powerpoint/2010/main" xmlns:p15="http://schemas.microsoft.com/office/powerpoint/2012/main" xmlns:ahyp="http://schemas.microsoft.com/office/drawing/2018/hyperlinkcolor" showMasterPhAnim="0" showMasterSp="0">
+<p:notes xmlns:a="http://schemas.openxmlformats.org/drawingml/2006/main" xmlns:r="http://schemas.openxmlformats.org/officeDocument/2006/relationships" xmlns:p="http://schemas.openxmlformats.org/presentationml/2006/main" showMasterSp="0" showMasterPhAnim="0">
   <p:cSld>
     <p:spTree>
       <p:nvGrpSpPr>
-        <p:cNvPr id="103" name="Shape 103"/>
+        <p:cNvPr id="1" name="Shape 103"/>
         <p:cNvGrpSpPr/>
         <p:nvPr/>
       </p:nvGrpSpPr>
@@ -799,9 +819,11 @@
       <p:sp>
         <p:nvSpPr>
           <p:cNvPr id="104" name="Google Shape;104;p2:notes"/>
-          <p:cNvSpPr txBox="1"/>
+          <p:cNvSpPr txBox="1">
+            <a:spLocks noGrp="1"/>
+          </p:cNvSpPr>
           <p:nvPr>
-            <p:ph idx="1" type="body"/>
+            <p:ph type="body" idx="1"/>
           </p:nvPr>
         </p:nvSpPr>
         <p:spPr>
@@ -814,12 +836,12 @@
           </a:prstGeom>
         </p:spPr>
         <p:txBody>
-          <a:bodyPr anchorCtr="0" anchor="t" bIns="91425" lIns="91425" spcFirstLastPara="1" rIns="91425" wrap="square" tIns="91425">
+          <a:bodyPr spcFirstLastPara="1" wrap="square" lIns="91425" tIns="91425" rIns="91425" bIns="91425" anchor="t" anchorCtr="0">
             <a:noAutofit/>
           </a:bodyPr>
           <a:lstStyle/>
           <a:p>
-            <a:pPr indent="0" lvl="0" marL="0" rtl="0" algn="l">
+            <a:pPr marL="0" lvl="0" indent="0" algn="l" rtl="0">
               <a:spcBef>
                 <a:spcPts val="0"/>
               </a:spcBef>
@@ -828,9 +850,6 @@
               </a:spcAft>
               <a:buNone/>
             </a:pPr>
-            <a:r>
-              <a:t/>
-            </a:r>
             <a:endParaRPr/>
           </a:p>
         </p:txBody>
@@ -838,20 +857,26 @@
       <p:sp>
         <p:nvSpPr>
           <p:cNvPr id="105" name="Google Shape;105;p2:notes"/>
-          <p:cNvSpPr/>
+          <p:cNvSpPr>
+            <a:spLocks noGrp="1" noRot="1" noChangeAspect="1"/>
+          </p:cNvSpPr>
           <p:nvPr>
-            <p:ph idx="2" type="sldImg"/>
+            <p:ph type="sldImg" idx="2"/>
           </p:nvPr>
         </p:nvSpPr>
         <p:spPr>
           <a:xfrm>
-            <a:off x="1143225" y="685800"/>
-            <a:ext cx="4572225" cy="3429000"/>
+            <a:off x="381000" y="685800"/>
+            <a:ext cx="6096000" cy="3429000"/>
           </a:xfrm>
           <a:custGeom>
-            <a:rect b="b" l="l" r="r" t="t"/>
+            <a:avLst/>
+            <a:gdLst/>
+            <a:ahLst/>
+            <a:cxnLst/>
+            <a:rect l="l" t="t" r="r" b="b"/>
             <a:pathLst>
-              <a:path extrusionOk="0" h="120000" w="120000">
+              <a:path w="120000" h="120000" extrusionOk="0">
                 <a:moveTo>
                   <a:pt x="0" y="0"/>
                 </a:moveTo>
@@ -879,11 +904,11 @@
 </file>
 
 <file path=ppt/notesSlides/notesSlide3.xml><?xml version="1.0" encoding="utf-8"?>
-<p:notes xmlns:a="http://schemas.openxmlformats.org/drawingml/2006/main" xmlns:r="http://schemas.openxmlformats.org/officeDocument/2006/relationships" xmlns:mc="http://schemas.openxmlformats.org/markup-compatibility/2006" xmlns:mv="urn:schemas-microsoft-com:mac:vml" xmlns:p="http://schemas.openxmlformats.org/presentationml/2006/main" xmlns:c="http://schemas.openxmlformats.org/drawingml/2006/chart" xmlns:dgm="http://schemas.openxmlformats.org/drawingml/2006/diagram" xmlns:o="urn:schemas-microsoft-com:office:office" xmlns:v="urn:schemas-microsoft-com:vml" xmlns:pvml="urn:schemas-microsoft-com:office:powerpoint" xmlns:com="http://schemas.openxmlformats.org/drawingml/2006/compatibility" xmlns:p14="http://schemas.microsoft.com/office/powerpoint/2010/main" xmlns:p15="http://schemas.microsoft.com/office/powerpoint/2012/main" xmlns:ahyp="http://schemas.microsoft.com/office/drawing/2018/hyperlinkcolor" showMasterPhAnim="0" showMasterSp="0">
+<p:notes xmlns:a="http://schemas.openxmlformats.org/drawingml/2006/main" xmlns:r="http://schemas.openxmlformats.org/officeDocument/2006/relationships" xmlns:p="http://schemas.openxmlformats.org/presentationml/2006/main" showMasterSp="0" showMasterPhAnim="0">
   <p:cSld>
     <p:spTree>
       <p:nvGrpSpPr>
-        <p:cNvPr id="109" name="Shape 109"/>
+        <p:cNvPr id="1" name="Shape 109"/>
         <p:cNvGrpSpPr/>
         <p:nvPr/>
       </p:nvGrpSpPr>
@@ -898,9 +923,11 @@
       <p:sp>
         <p:nvSpPr>
           <p:cNvPr id="110" name="Google Shape;110;p3:notes"/>
-          <p:cNvSpPr txBox="1"/>
+          <p:cNvSpPr txBox="1">
+            <a:spLocks noGrp="1"/>
+          </p:cNvSpPr>
           <p:nvPr>
-            <p:ph idx="1" type="body"/>
+            <p:ph type="body" idx="1"/>
           </p:nvPr>
         </p:nvSpPr>
         <p:spPr>
@@ -913,12 +940,12 @@
           </a:prstGeom>
         </p:spPr>
         <p:txBody>
-          <a:bodyPr anchorCtr="0" anchor="t" bIns="91425" lIns="91425" spcFirstLastPara="1" rIns="91425" wrap="square" tIns="91425">
+          <a:bodyPr spcFirstLastPara="1" wrap="square" lIns="91425" tIns="91425" rIns="91425" bIns="91425" anchor="t" anchorCtr="0">
             <a:noAutofit/>
           </a:bodyPr>
           <a:lstStyle/>
           <a:p>
-            <a:pPr indent="0" lvl="0" marL="0" rtl="0" algn="l">
+            <a:pPr marL="0" lvl="0" indent="0" algn="l" rtl="0">
               <a:spcBef>
                 <a:spcPts val="0"/>
               </a:spcBef>
@@ -927,9 +954,6 @@
               </a:spcAft>
               <a:buNone/>
             </a:pPr>
-            <a:r>
-              <a:t/>
-            </a:r>
             <a:endParaRPr/>
           </a:p>
         </p:txBody>
@@ -937,9 +961,11 @@
       <p:sp>
         <p:nvSpPr>
           <p:cNvPr id="111" name="Google Shape;111;p3:notes"/>
-          <p:cNvSpPr/>
+          <p:cNvSpPr>
+            <a:spLocks noGrp="1" noRot="1" noChangeAspect="1"/>
+          </p:cNvSpPr>
           <p:nvPr>
-            <p:ph idx="2" type="sldImg"/>
+            <p:ph type="sldImg" idx="2"/>
           </p:nvPr>
         </p:nvSpPr>
         <p:spPr>
@@ -948,9 +974,13 @@
             <a:ext cx="4572225" cy="3429000"/>
           </a:xfrm>
           <a:custGeom>
-            <a:rect b="b" l="l" r="r" t="t"/>
+            <a:avLst/>
+            <a:gdLst/>
+            <a:ahLst/>
+            <a:cxnLst/>
+            <a:rect l="l" t="t" r="r" b="b"/>
             <a:pathLst>
-              <a:path extrusionOk="0" h="120000" w="120000">
+              <a:path w="120000" h="120000" extrusionOk="0">
                 <a:moveTo>
                   <a:pt x="0" y="0"/>
                 </a:moveTo>
@@ -978,11 +1008,11 @@
 </file>
 
 <file path=ppt/notesSlides/notesSlide4.xml><?xml version="1.0" encoding="utf-8"?>
-<p:notes xmlns:a="http://schemas.openxmlformats.org/drawingml/2006/main" xmlns:r="http://schemas.openxmlformats.org/officeDocument/2006/relationships" xmlns:mc="http://schemas.openxmlformats.org/markup-compatibility/2006" xmlns:mv="urn:schemas-microsoft-com:mac:vml" xmlns:p="http://schemas.openxmlformats.org/presentationml/2006/main" xmlns:c="http://schemas.openxmlformats.org/drawingml/2006/chart" xmlns:dgm="http://schemas.openxmlformats.org/drawingml/2006/diagram" xmlns:o="urn:schemas-microsoft-com:office:office" xmlns:v="urn:schemas-microsoft-com:vml" xmlns:pvml="urn:schemas-microsoft-com:office:powerpoint" xmlns:com="http://schemas.openxmlformats.org/drawingml/2006/compatibility" xmlns:p14="http://schemas.microsoft.com/office/powerpoint/2010/main" xmlns:p15="http://schemas.microsoft.com/office/powerpoint/2012/main" xmlns:ahyp="http://schemas.microsoft.com/office/drawing/2018/hyperlinkcolor" showMasterPhAnim="0" showMasterSp="0">
+<p:notes xmlns:a="http://schemas.openxmlformats.org/drawingml/2006/main" xmlns:r="http://schemas.openxmlformats.org/officeDocument/2006/relationships" xmlns:p="http://schemas.openxmlformats.org/presentationml/2006/main" showMasterSp="0" showMasterPhAnim="0">
   <p:cSld>
     <p:spTree>
       <p:nvGrpSpPr>
-        <p:cNvPr id="115" name="Shape 115"/>
+        <p:cNvPr id="1" name="Shape 115"/>
         <p:cNvGrpSpPr/>
         <p:nvPr/>
       </p:nvGrpSpPr>
@@ -997,9 +1027,11 @@
       <p:sp>
         <p:nvSpPr>
           <p:cNvPr id="116" name="Google Shape;116;p4:notes"/>
-          <p:cNvSpPr txBox="1"/>
+          <p:cNvSpPr txBox="1">
+            <a:spLocks noGrp="1"/>
+          </p:cNvSpPr>
           <p:nvPr>
-            <p:ph idx="1" type="body"/>
+            <p:ph type="body" idx="1"/>
           </p:nvPr>
         </p:nvSpPr>
         <p:spPr>
@@ -1012,12 +1044,12 @@
           </a:prstGeom>
         </p:spPr>
         <p:txBody>
-          <a:bodyPr anchorCtr="0" anchor="t" bIns="91425" lIns="91425" spcFirstLastPara="1" rIns="91425" wrap="square" tIns="91425">
+          <a:bodyPr spcFirstLastPara="1" wrap="square" lIns="91425" tIns="91425" rIns="91425" bIns="91425" anchor="t" anchorCtr="0">
             <a:noAutofit/>
           </a:bodyPr>
           <a:lstStyle/>
           <a:p>
-            <a:pPr indent="0" lvl="0" marL="0" rtl="0" algn="l">
+            <a:pPr marL="0" lvl="0" indent="0" algn="l" rtl="0">
               <a:spcBef>
                 <a:spcPts val="0"/>
               </a:spcBef>
@@ -1026,9 +1058,6 @@
               </a:spcAft>
               <a:buNone/>
             </a:pPr>
-            <a:r>
-              <a:t/>
-            </a:r>
             <a:endParaRPr/>
           </a:p>
         </p:txBody>
@@ -1036,9 +1065,11 @@
       <p:sp>
         <p:nvSpPr>
           <p:cNvPr id="117" name="Google Shape;117;p4:notes"/>
-          <p:cNvSpPr/>
+          <p:cNvSpPr>
+            <a:spLocks noGrp="1" noRot="1" noChangeAspect="1"/>
+          </p:cNvSpPr>
           <p:nvPr>
-            <p:ph idx="2" type="sldImg"/>
+            <p:ph type="sldImg" idx="2"/>
           </p:nvPr>
         </p:nvSpPr>
         <p:spPr>
@@ -1047,9 +1078,13 @@
             <a:ext cx="4572225" cy="3429000"/>
           </a:xfrm>
           <a:custGeom>
-            <a:rect b="b" l="l" r="r" t="t"/>
+            <a:avLst/>
+            <a:gdLst/>
+            <a:ahLst/>
+            <a:cxnLst/>
+            <a:rect l="l" t="t" r="r" b="b"/>
             <a:pathLst>
-              <a:path extrusionOk="0" h="120000" w="120000">
+              <a:path w="120000" h="120000" extrusionOk="0">
                 <a:moveTo>
                   <a:pt x="0" y="0"/>
                 </a:moveTo>
@@ -1077,11 +1112,11 @@
 </file>
 
 <file path=ppt/notesSlides/notesSlide5.xml><?xml version="1.0" encoding="utf-8"?>
-<p:notes xmlns:a="http://schemas.openxmlformats.org/drawingml/2006/main" xmlns:r="http://schemas.openxmlformats.org/officeDocument/2006/relationships" xmlns:mc="http://schemas.openxmlformats.org/markup-compatibility/2006" xmlns:mv="urn:schemas-microsoft-com:mac:vml" xmlns:p="http://schemas.openxmlformats.org/presentationml/2006/main" xmlns:c="http://schemas.openxmlformats.org/drawingml/2006/chart" xmlns:dgm="http://schemas.openxmlformats.org/drawingml/2006/diagram" xmlns:o="urn:schemas-microsoft-com:office:office" xmlns:v="urn:schemas-microsoft-com:vml" xmlns:pvml="urn:schemas-microsoft-com:office:powerpoint" xmlns:com="http://schemas.openxmlformats.org/drawingml/2006/compatibility" xmlns:p14="http://schemas.microsoft.com/office/powerpoint/2010/main" xmlns:p15="http://schemas.microsoft.com/office/powerpoint/2012/main" xmlns:ahyp="http://schemas.microsoft.com/office/drawing/2018/hyperlinkcolor" showMasterPhAnim="0" showMasterSp="0">
+<p:notes xmlns:a="http://schemas.openxmlformats.org/drawingml/2006/main" xmlns:r="http://schemas.openxmlformats.org/officeDocument/2006/relationships" xmlns:p="http://schemas.openxmlformats.org/presentationml/2006/main" showMasterSp="0" showMasterPhAnim="0">
   <p:cSld>
     <p:spTree>
       <p:nvGrpSpPr>
-        <p:cNvPr id="121" name="Shape 121"/>
+        <p:cNvPr id="1" name="Shape 121"/>
         <p:cNvGrpSpPr/>
         <p:nvPr/>
       </p:nvGrpSpPr>
@@ -1096,9 +1131,11 @@
       <p:sp>
         <p:nvSpPr>
           <p:cNvPr id="122" name="Google Shape;122;p5:notes"/>
-          <p:cNvSpPr txBox="1"/>
+          <p:cNvSpPr txBox="1">
+            <a:spLocks noGrp="1"/>
+          </p:cNvSpPr>
           <p:nvPr>
-            <p:ph idx="1" type="body"/>
+            <p:ph type="body" idx="1"/>
           </p:nvPr>
         </p:nvSpPr>
         <p:spPr>
@@ -1111,12 +1148,12 @@
           </a:prstGeom>
         </p:spPr>
         <p:txBody>
-          <a:bodyPr anchorCtr="0" anchor="t" bIns="91425" lIns="91425" spcFirstLastPara="1" rIns="91425" wrap="square" tIns="91425">
+          <a:bodyPr spcFirstLastPara="1" wrap="square" lIns="91425" tIns="91425" rIns="91425" bIns="91425" anchor="t" anchorCtr="0">
             <a:noAutofit/>
           </a:bodyPr>
           <a:lstStyle/>
           <a:p>
-            <a:pPr indent="0" lvl="0" marL="0" rtl="0" algn="l">
+            <a:pPr marL="0" lvl="0" indent="0" algn="l" rtl="0">
               <a:spcBef>
                 <a:spcPts val="0"/>
               </a:spcBef>
@@ -1125,9 +1162,6 @@
               </a:spcAft>
               <a:buNone/>
             </a:pPr>
-            <a:r>
-              <a:t/>
-            </a:r>
             <a:endParaRPr/>
           </a:p>
         </p:txBody>
@@ -1135,9 +1169,11 @@
       <p:sp>
         <p:nvSpPr>
           <p:cNvPr id="123" name="Google Shape;123;p5:notes"/>
-          <p:cNvSpPr/>
+          <p:cNvSpPr>
+            <a:spLocks noGrp="1" noRot="1" noChangeAspect="1"/>
+          </p:cNvSpPr>
           <p:nvPr>
-            <p:ph idx="2" type="sldImg"/>
+            <p:ph type="sldImg" idx="2"/>
           </p:nvPr>
         </p:nvSpPr>
         <p:spPr>
@@ -1146,9 +1182,13 @@
             <a:ext cx="4572225" cy="3429000"/>
           </a:xfrm>
           <a:custGeom>
-            <a:rect b="b" l="l" r="r" t="t"/>
+            <a:avLst/>
+            <a:gdLst/>
+            <a:ahLst/>
+            <a:cxnLst/>
+            <a:rect l="l" t="t" r="r" b="b"/>
             <a:pathLst>
-              <a:path extrusionOk="0" h="120000" w="120000">
+              <a:path w="120000" h="120000" extrusionOk="0">
                 <a:moveTo>
                   <a:pt x="0" y="0"/>
                 </a:moveTo>
@@ -1176,11 +1216,11 @@
 </file>
 
 <file path=ppt/notesSlides/notesSlide6.xml><?xml version="1.0" encoding="utf-8"?>
-<p:notes xmlns:a="http://schemas.openxmlformats.org/drawingml/2006/main" xmlns:r="http://schemas.openxmlformats.org/officeDocument/2006/relationships" xmlns:mc="http://schemas.openxmlformats.org/markup-compatibility/2006" xmlns:mv="urn:schemas-microsoft-com:mac:vml" xmlns:p="http://schemas.openxmlformats.org/presentationml/2006/main" xmlns:c="http://schemas.openxmlformats.org/drawingml/2006/chart" xmlns:dgm="http://schemas.openxmlformats.org/drawingml/2006/diagram" xmlns:o="urn:schemas-microsoft-com:office:office" xmlns:v="urn:schemas-microsoft-com:vml" xmlns:pvml="urn:schemas-microsoft-com:office:powerpoint" xmlns:com="http://schemas.openxmlformats.org/drawingml/2006/compatibility" xmlns:p14="http://schemas.microsoft.com/office/powerpoint/2010/main" xmlns:p15="http://schemas.microsoft.com/office/powerpoint/2012/main" xmlns:ahyp="http://schemas.microsoft.com/office/drawing/2018/hyperlinkcolor" showMasterPhAnim="0" showMasterSp="0">
+<p:notes xmlns:a="http://schemas.openxmlformats.org/drawingml/2006/main" xmlns:r="http://schemas.openxmlformats.org/officeDocument/2006/relationships" xmlns:p="http://schemas.openxmlformats.org/presentationml/2006/main" showMasterSp="0" showMasterPhAnim="0">
   <p:cSld>
     <p:spTree>
       <p:nvGrpSpPr>
-        <p:cNvPr id="127" name="Shape 127"/>
+        <p:cNvPr id="1" name="Shape 127"/>
         <p:cNvGrpSpPr/>
         <p:nvPr/>
       </p:nvGrpSpPr>
@@ -1195,9 +1235,11 @@
       <p:sp>
         <p:nvSpPr>
           <p:cNvPr id="128" name="Google Shape;128;p6:notes"/>
-          <p:cNvSpPr txBox="1"/>
+          <p:cNvSpPr txBox="1">
+            <a:spLocks noGrp="1"/>
+          </p:cNvSpPr>
           <p:nvPr>
-            <p:ph idx="1" type="body"/>
+            <p:ph type="body" idx="1"/>
           </p:nvPr>
         </p:nvSpPr>
         <p:spPr>
@@ -1210,12 +1252,12 @@
           </a:prstGeom>
         </p:spPr>
         <p:txBody>
-          <a:bodyPr anchorCtr="0" anchor="t" bIns="91425" lIns="91425" spcFirstLastPara="1" rIns="91425" wrap="square" tIns="91425">
+          <a:bodyPr spcFirstLastPara="1" wrap="square" lIns="91425" tIns="91425" rIns="91425" bIns="91425" anchor="t" anchorCtr="0">
             <a:noAutofit/>
           </a:bodyPr>
           <a:lstStyle/>
           <a:p>
-            <a:pPr indent="0" lvl="0" marL="0" rtl="0" algn="l">
+            <a:pPr marL="0" lvl="0" indent="0" algn="l" rtl="0">
               <a:spcBef>
                 <a:spcPts val="0"/>
               </a:spcBef>
@@ -1224,9 +1266,6 @@
               </a:spcAft>
               <a:buNone/>
             </a:pPr>
-            <a:r>
-              <a:t/>
-            </a:r>
             <a:endParaRPr/>
           </a:p>
         </p:txBody>
@@ -1234,20 +1273,26 @@
       <p:sp>
         <p:nvSpPr>
           <p:cNvPr id="129" name="Google Shape;129;p6:notes"/>
-          <p:cNvSpPr/>
+          <p:cNvSpPr>
+            <a:spLocks noGrp="1" noRot="1" noChangeAspect="1"/>
+          </p:cNvSpPr>
           <p:nvPr>
-            <p:ph idx="2" type="sldImg"/>
+            <p:ph type="sldImg" idx="2"/>
           </p:nvPr>
         </p:nvSpPr>
         <p:spPr>
           <a:xfrm>
-            <a:off x="1143225" y="685800"/>
-            <a:ext cx="4572225" cy="3429000"/>
+            <a:off x="381000" y="685800"/>
+            <a:ext cx="6096000" cy="3429000"/>
           </a:xfrm>
           <a:custGeom>
-            <a:rect b="b" l="l" r="r" t="t"/>
+            <a:avLst/>
+            <a:gdLst/>
+            <a:ahLst/>
+            <a:cxnLst/>
+            <a:rect l="l" t="t" r="r" b="b"/>
             <a:pathLst>
-              <a:path extrusionOk="0" h="120000" w="120000">
+              <a:path w="120000" h="120000" extrusionOk="0">
                 <a:moveTo>
                   <a:pt x="0" y="0"/>
                 </a:moveTo>
@@ -1275,11 +1320,11 @@
 </file>
 
 <file path=ppt/slideLayouts/slideLayout1.xml><?xml version="1.0" encoding="utf-8"?>
-<p:sldLayout xmlns:a="http://schemas.openxmlformats.org/drawingml/2006/main" xmlns:r="http://schemas.openxmlformats.org/officeDocument/2006/relationships" xmlns:mc="http://schemas.openxmlformats.org/markup-compatibility/2006" xmlns:mv="urn:schemas-microsoft-com:mac:vml" xmlns:p="http://schemas.openxmlformats.org/presentationml/2006/main" xmlns:c="http://schemas.openxmlformats.org/drawingml/2006/chart" xmlns:dgm="http://schemas.openxmlformats.org/drawingml/2006/diagram" xmlns:o="urn:schemas-microsoft-com:office:office" xmlns:v="urn:schemas-microsoft-com:vml" xmlns:pvml="urn:schemas-microsoft-com:office:powerpoint" xmlns:com="http://schemas.openxmlformats.org/drawingml/2006/compatibility" xmlns:p14="http://schemas.microsoft.com/office/powerpoint/2010/main" xmlns:p15="http://schemas.microsoft.com/office/powerpoint/2012/main" xmlns:ahyp="http://schemas.microsoft.com/office/drawing/2018/hyperlinkcolor" matchingName="Title Slide" showMasterSp="0" type="title">
+<p:sldLayout xmlns:a="http://schemas.openxmlformats.org/drawingml/2006/main" xmlns:r="http://schemas.openxmlformats.org/officeDocument/2006/relationships" xmlns:p="http://schemas.openxmlformats.org/presentationml/2006/main" showMasterSp="0" matchingName="Title Slide" type="title">
   <p:cSld name="TITLE">
     <p:spTree>
       <p:nvGrpSpPr>
-        <p:cNvPr id="14" name="Shape 14"/>
+        <p:cNvPr id="1" name="Shape 14"/>
         <p:cNvGrpSpPr/>
         <p:nvPr/>
       </p:nvGrpSpPr>
@@ -1313,12 +1358,12 @@
           </a:ln>
         </p:spPr>
         <p:txBody>
-          <a:bodyPr anchorCtr="0" anchor="ctr" bIns="91425" lIns="91425" spcFirstLastPara="1" rIns="91425" wrap="square" tIns="91425">
+          <a:bodyPr spcFirstLastPara="1" wrap="square" lIns="91425" tIns="91425" rIns="91425" bIns="91425" anchor="ctr" anchorCtr="0">
             <a:noAutofit/>
           </a:bodyPr>
           <a:lstStyle/>
           <a:p>
-            <a:pPr indent="0" lvl="0" marL="0" rtl="0" algn="l">
+            <a:pPr marL="0" lvl="0" indent="0" algn="l" rtl="0">
               <a:spcBef>
                 <a:spcPts val="0"/>
               </a:spcBef>
@@ -1327,9 +1372,6 @@
               </a:spcAft>
               <a:buNone/>
             </a:pPr>
-            <a:r>
-              <a:t/>
-            </a:r>
             <a:endParaRPr/>
           </a:p>
         </p:txBody>
@@ -1356,12 +1398,12 @@
           </a:ln>
         </p:spPr>
         <p:txBody>
-          <a:bodyPr anchorCtr="0" anchor="ctr" bIns="91425" lIns="91425" spcFirstLastPara="1" rIns="91425" wrap="square" tIns="91425">
+          <a:bodyPr spcFirstLastPara="1" wrap="square" lIns="91425" tIns="91425" rIns="91425" bIns="91425" anchor="ctr" anchorCtr="0">
             <a:noAutofit/>
           </a:bodyPr>
           <a:lstStyle/>
           <a:p>
-            <a:pPr indent="0" lvl="0" marL="0" rtl="0" algn="l">
+            <a:pPr marL="0" lvl="0" indent="0" algn="l" rtl="0">
               <a:spcBef>
                 <a:spcPts val="0"/>
               </a:spcBef>
@@ -1370,9 +1412,6 @@
               </a:spcAft>
               <a:buNone/>
             </a:pPr>
-            <a:r>
-              <a:t/>
-            </a:r>
             <a:endParaRPr/>
           </a:p>
         </p:txBody>
@@ -1380,7 +1419,9 @@
       <p:sp>
         <p:nvSpPr>
           <p:cNvPr id="17" name="Google Shape;17;p8"/>
-          <p:cNvSpPr txBox="1"/>
+          <p:cNvSpPr txBox="1">
+            <a:spLocks noGrp="1"/>
+          </p:cNvSpPr>
           <p:nvPr>
             <p:ph type="ctrTitle"/>
           </p:nvPr>
@@ -1399,7 +1440,7 @@
           </a:ln>
         </p:spPr>
         <p:txBody>
-          <a:bodyPr anchorCtr="0" anchor="b" bIns="45700" lIns="91425" spcFirstLastPara="1" rIns="91425" wrap="square" tIns="45700">
+          <a:bodyPr spcFirstLastPara="1" wrap="square" lIns="91425" tIns="45700" rIns="91425" bIns="45700" anchor="b" anchorCtr="0">
             <a:normAutofit/>
           </a:bodyPr>
           <a:lstStyle>
@@ -1514,15 +1555,19 @@
               <a:defRPr/>
             </a:lvl9pPr>
           </a:lstStyle>
-          <a:p/>
+          <a:p>
+            <a:endParaRPr/>
+          </a:p>
         </p:txBody>
       </p:sp>
       <p:sp>
         <p:nvSpPr>
           <p:cNvPr id="18" name="Google Shape;18;p8"/>
-          <p:cNvSpPr txBox="1"/>
+          <p:cNvSpPr txBox="1">
+            <a:spLocks noGrp="1"/>
+          </p:cNvSpPr>
           <p:nvPr>
-            <p:ph idx="1" type="subTitle"/>
+            <p:ph type="subTitle" idx="1"/>
           </p:nvPr>
         </p:nvSpPr>
         <p:spPr>
@@ -1539,7 +1584,7 @@
           </a:ln>
         </p:spPr>
         <p:txBody>
-          <a:bodyPr anchorCtr="0" anchor="t" bIns="45700" lIns="91425" spcFirstLastPara="1" rIns="91425" wrap="square" tIns="45700">
+          <a:bodyPr spcFirstLastPara="1" wrap="square" lIns="91425" tIns="45700" rIns="91425" bIns="45700" anchor="t" anchorCtr="0">
             <a:normAutofit/>
           </a:bodyPr>
           <a:lstStyle>
@@ -1678,15 +1723,19 @@
               <a:defRPr sz="2000"/>
             </a:lvl9pPr>
           </a:lstStyle>
-          <a:p/>
+          <a:p>
+            <a:endParaRPr/>
+          </a:p>
         </p:txBody>
       </p:sp>
       <p:sp>
         <p:nvSpPr>
           <p:cNvPr id="19" name="Google Shape;19;p8"/>
-          <p:cNvSpPr txBox="1"/>
+          <p:cNvSpPr txBox="1">
+            <a:spLocks noGrp="1"/>
+          </p:cNvSpPr>
           <p:nvPr>
-            <p:ph idx="10" type="dt"/>
+            <p:ph type="dt" idx="10"/>
           </p:nvPr>
         </p:nvSpPr>
         <p:spPr>
@@ -1703,7 +1752,7 @@
           </a:ln>
         </p:spPr>
         <p:txBody>
-          <a:bodyPr anchorCtr="0" anchor="ctr" bIns="45700" lIns="91425" spcFirstLastPara="1" rIns="91425" wrap="square" tIns="45700">
+          <a:bodyPr spcFirstLastPara="1" wrap="square" lIns="91425" tIns="45700" rIns="91425" bIns="45700" anchor="ctr" anchorCtr="0">
             <a:noAutofit/>
           </a:bodyPr>
           <a:lstStyle>
@@ -1807,15 +1856,19 @@
               <a:defRPr/>
             </a:lvl9pPr>
           </a:lstStyle>
-          <a:p/>
+          <a:p>
+            <a:endParaRPr/>
+          </a:p>
         </p:txBody>
       </p:sp>
       <p:sp>
         <p:nvSpPr>
           <p:cNvPr id="20" name="Google Shape;20;p8"/>
-          <p:cNvSpPr txBox="1"/>
+          <p:cNvSpPr txBox="1">
+            <a:spLocks noGrp="1"/>
+          </p:cNvSpPr>
           <p:nvPr>
-            <p:ph idx="11" type="ftr"/>
+            <p:ph type="ftr" idx="11"/>
           </p:nvPr>
         </p:nvSpPr>
         <p:spPr>
@@ -1832,7 +1885,7 @@
           </a:ln>
         </p:spPr>
         <p:txBody>
-          <a:bodyPr anchorCtr="0" anchor="ctr" bIns="45700" lIns="91425" spcFirstLastPara="1" rIns="91425" wrap="square" tIns="45700">
+          <a:bodyPr spcFirstLastPara="1" wrap="square" lIns="91425" tIns="45700" rIns="91425" bIns="45700" anchor="ctr" anchorCtr="0">
             <a:noAutofit/>
           </a:bodyPr>
           <a:lstStyle>
@@ -1936,15 +1989,19 @@
               <a:defRPr/>
             </a:lvl9pPr>
           </a:lstStyle>
-          <a:p/>
+          <a:p>
+            <a:endParaRPr/>
+          </a:p>
         </p:txBody>
       </p:sp>
       <p:sp>
         <p:nvSpPr>
           <p:cNvPr id="21" name="Google Shape;21;p8"/>
-          <p:cNvSpPr txBox="1"/>
+          <p:cNvSpPr txBox="1">
+            <a:spLocks noGrp="1"/>
+          </p:cNvSpPr>
           <p:nvPr>
-            <p:ph idx="12" type="sldNum"/>
+            <p:ph type="sldNum" idx="12"/>
           </p:nvPr>
         </p:nvSpPr>
         <p:spPr>
@@ -1961,67 +2018,67 @@
           </a:ln>
         </p:spPr>
         <p:txBody>
-          <a:bodyPr anchorCtr="0" anchor="ctr" bIns="45700" lIns="91425" spcFirstLastPara="1" rIns="91425" wrap="square" tIns="45700">
+          <a:bodyPr spcFirstLastPara="1" wrap="square" lIns="91425" tIns="45700" rIns="91425" bIns="45700" anchor="ctr" anchorCtr="0">
             <a:noAutofit/>
           </a:bodyPr>
           <a:lstStyle>
-            <a:lvl1pPr indent="0" lvl="0" marL="0" algn="r">
+            <a:lvl1pPr marL="0" lvl="0" indent="0" algn="r">
               <a:spcBef>
                 <a:spcPts val="0"/>
               </a:spcBef>
               <a:buNone/>
               <a:defRPr/>
             </a:lvl1pPr>
-            <a:lvl2pPr indent="0" lvl="1" marL="0" algn="r">
+            <a:lvl2pPr marL="0" lvl="1" indent="0" algn="r">
               <a:spcBef>
                 <a:spcPts val="0"/>
               </a:spcBef>
               <a:buNone/>
               <a:defRPr/>
             </a:lvl2pPr>
-            <a:lvl3pPr indent="0" lvl="2" marL="0" algn="r">
+            <a:lvl3pPr marL="0" lvl="2" indent="0" algn="r">
               <a:spcBef>
                 <a:spcPts val="0"/>
               </a:spcBef>
               <a:buNone/>
               <a:defRPr/>
             </a:lvl3pPr>
-            <a:lvl4pPr indent="0" lvl="3" marL="0" algn="r">
+            <a:lvl4pPr marL="0" lvl="3" indent="0" algn="r">
               <a:spcBef>
                 <a:spcPts val="0"/>
               </a:spcBef>
               <a:buNone/>
               <a:defRPr/>
             </a:lvl4pPr>
-            <a:lvl5pPr indent="0" lvl="4" marL="0" algn="r">
+            <a:lvl5pPr marL="0" lvl="4" indent="0" algn="r">
               <a:spcBef>
                 <a:spcPts val="0"/>
               </a:spcBef>
               <a:buNone/>
               <a:defRPr/>
             </a:lvl5pPr>
-            <a:lvl6pPr indent="0" lvl="5" marL="0" algn="r">
+            <a:lvl6pPr marL="0" lvl="5" indent="0" algn="r">
               <a:spcBef>
                 <a:spcPts val="0"/>
               </a:spcBef>
               <a:buNone/>
               <a:defRPr/>
             </a:lvl6pPr>
-            <a:lvl7pPr indent="0" lvl="6" marL="0" algn="r">
+            <a:lvl7pPr marL="0" lvl="6" indent="0" algn="r">
               <a:spcBef>
                 <a:spcPts val="0"/>
               </a:spcBef>
               <a:buNone/>
               <a:defRPr/>
             </a:lvl7pPr>
-            <a:lvl8pPr indent="0" lvl="7" marL="0" algn="r">
+            <a:lvl8pPr marL="0" lvl="7" indent="0" algn="r">
               <a:spcBef>
                 <a:spcPts val="0"/>
               </a:spcBef>
               <a:buNone/>
               <a:defRPr/>
             </a:lvl8pPr>
-            <a:lvl9pPr indent="0" lvl="8" marL="0" algn="r">
+            <a:lvl9pPr marL="0" lvl="8" indent="0" algn="r">
               <a:spcBef>
                 <a:spcPts val="0"/>
               </a:spcBef>
@@ -2030,7 +2087,7 @@
             </a:lvl9pPr>
           </a:lstStyle>
           <a:p>
-            <a:pPr indent="0" lvl="0" marL="0" rtl="0" algn="r">
+            <a:pPr marL="0" lvl="0" indent="0" algn="r" rtl="0">
               <a:spcBef>
                 <a:spcPts val="0"/>
               </a:spcBef>
@@ -2062,14 +2119,14 @@
             <a:avLst/>
           </a:prstGeom>
           <a:noFill/>
-          <a:ln cap="flat" cmpd="sng" w="9525">
+          <a:ln w="9525" cap="flat" cmpd="sng">
             <a:solidFill>
               <a:srgbClr val="7F7F7F"/>
             </a:solidFill>
             <a:prstDash val="solid"/>
             <a:round/>
-            <a:headEnd len="sm" w="sm" type="none"/>
-            <a:tailEnd len="sm" w="sm" type="none"/>
+            <a:headEnd type="none" w="sm" len="sm"/>
+            <a:tailEnd type="none" w="sm" len="sm"/>
           </a:ln>
         </p:spPr>
       </p:cxnSp>
@@ -2082,11 +2139,11 @@
 </file>
 
 <file path=ppt/slideLayouts/slideLayout10.xml><?xml version="1.0" encoding="utf-8"?>
-<p:sldLayout xmlns:a="http://schemas.openxmlformats.org/drawingml/2006/main" xmlns:r="http://schemas.openxmlformats.org/officeDocument/2006/relationships" xmlns:mc="http://schemas.openxmlformats.org/markup-compatibility/2006" xmlns:mv="urn:schemas-microsoft-com:mac:vml" xmlns:p="http://schemas.openxmlformats.org/presentationml/2006/main" xmlns:c="http://schemas.openxmlformats.org/drawingml/2006/chart" xmlns:dgm="http://schemas.openxmlformats.org/drawingml/2006/diagram" xmlns:o="urn:schemas-microsoft-com:office:office" xmlns:v="urn:schemas-microsoft-com:vml" xmlns:pvml="urn:schemas-microsoft-com:office:powerpoint" xmlns:com="http://schemas.openxmlformats.org/drawingml/2006/compatibility" xmlns:p14="http://schemas.microsoft.com/office/powerpoint/2010/main" xmlns:p15="http://schemas.microsoft.com/office/powerpoint/2012/main" xmlns:ahyp="http://schemas.microsoft.com/office/drawing/2018/hyperlinkcolor" matchingName="Title and Vertical Text" type="vertTx">
+<p:sldLayout xmlns:a="http://schemas.openxmlformats.org/drawingml/2006/main" xmlns:r="http://schemas.openxmlformats.org/officeDocument/2006/relationships" xmlns:p="http://schemas.openxmlformats.org/presentationml/2006/main" matchingName="Title and Vertical Text" type="vertTx">
   <p:cSld name="VERTICAL_TEXT">
     <p:spTree>
       <p:nvGrpSpPr>
-        <p:cNvPr id="83" name="Shape 83"/>
+        <p:cNvPr id="1" name="Shape 83"/>
         <p:cNvGrpSpPr/>
         <p:nvPr/>
       </p:nvGrpSpPr>
@@ -2101,7 +2158,9 @@
       <p:sp>
         <p:nvSpPr>
           <p:cNvPr id="84" name="Google Shape;84;p17"/>
-          <p:cNvSpPr txBox="1"/>
+          <p:cNvSpPr txBox="1">
+            <a:spLocks noGrp="1"/>
+          </p:cNvSpPr>
           <p:nvPr>
             <p:ph type="title"/>
           </p:nvPr>
@@ -2120,7 +2179,7 @@
           </a:ln>
         </p:spPr>
         <p:txBody>
-          <a:bodyPr anchorCtr="0" anchor="b" bIns="45700" lIns="91425" spcFirstLastPara="1" rIns="91425" wrap="square" tIns="45700">
+          <a:bodyPr spcFirstLastPara="1" wrap="square" lIns="91425" tIns="45700" rIns="91425" bIns="45700" anchor="b" anchorCtr="0">
             <a:normAutofit/>
           </a:bodyPr>
           <a:lstStyle>
@@ -2230,15 +2289,19 @@
               <a:defRPr/>
             </a:lvl9pPr>
           </a:lstStyle>
-          <a:p/>
+          <a:p>
+            <a:endParaRPr/>
+          </a:p>
         </p:txBody>
       </p:sp>
       <p:sp>
         <p:nvSpPr>
           <p:cNvPr id="85" name="Google Shape;85;p17"/>
-          <p:cNvSpPr txBox="1"/>
+          <p:cNvSpPr txBox="1">
+            <a:spLocks noGrp="1"/>
+          </p:cNvSpPr>
           <p:nvPr>
-            <p:ph idx="1" type="body"/>
+            <p:ph type="body" idx="1"/>
           </p:nvPr>
         </p:nvSpPr>
         <p:spPr>
@@ -2255,11 +2318,11 @@
           </a:ln>
         </p:spPr>
         <p:txBody>
-          <a:bodyPr anchorCtr="0" anchor="t" bIns="0" lIns="45700" spcFirstLastPara="1" rIns="45700" wrap="square" tIns="0">
+          <a:bodyPr spcFirstLastPara="1" wrap="square" lIns="45700" tIns="0" rIns="45700" bIns="0" anchor="t" anchorCtr="0">
             <a:normAutofit/>
           </a:bodyPr>
           <a:lstStyle>
-            <a:lvl1pPr indent="-342900" lvl="0" marL="457200" algn="l">
+            <a:lvl1pPr marL="457200" lvl="0" indent="-342900" algn="l">
               <a:lnSpc>
                 <a:spcPct val="90000"/>
               </a:lnSpc>
@@ -2273,7 +2336,7 @@
               <a:buChar char=" "/>
               <a:defRPr/>
             </a:lvl1pPr>
-            <a:lvl2pPr indent="-342900" lvl="1" marL="914400" algn="l">
+            <a:lvl2pPr marL="914400" lvl="1" indent="-342900" algn="l">
               <a:lnSpc>
                 <a:spcPct val="90000"/>
               </a:lnSpc>
@@ -2287,7 +2350,7 @@
               <a:buChar char="◦"/>
               <a:defRPr/>
             </a:lvl2pPr>
-            <a:lvl3pPr indent="-342900" lvl="2" marL="1371600" algn="l">
+            <a:lvl3pPr marL="1371600" lvl="2" indent="-342900" algn="l">
               <a:lnSpc>
                 <a:spcPct val="90000"/>
               </a:lnSpc>
@@ -2301,7 +2364,7 @@
               <a:buChar char="◦"/>
               <a:defRPr/>
             </a:lvl3pPr>
-            <a:lvl4pPr indent="-342900" lvl="3" marL="1828800" algn="l">
+            <a:lvl4pPr marL="1828800" lvl="3" indent="-342900" algn="l">
               <a:lnSpc>
                 <a:spcPct val="90000"/>
               </a:lnSpc>
@@ -2315,7 +2378,7 @@
               <a:buChar char="◦"/>
               <a:defRPr/>
             </a:lvl4pPr>
-            <a:lvl5pPr indent="-342900" lvl="4" marL="2286000" algn="l">
+            <a:lvl5pPr marL="2286000" lvl="4" indent="-342900" algn="l">
               <a:lnSpc>
                 <a:spcPct val="90000"/>
               </a:lnSpc>
@@ -2329,7 +2392,7 @@
               <a:buChar char="◦"/>
               <a:defRPr/>
             </a:lvl5pPr>
-            <a:lvl6pPr indent="-342900" lvl="5" marL="2743200" algn="l">
+            <a:lvl6pPr marL="2743200" lvl="5" indent="-342900" algn="l">
               <a:lnSpc>
                 <a:spcPct val="90000"/>
               </a:lnSpc>
@@ -2343,7 +2406,7 @@
               <a:buChar char="◦"/>
               <a:defRPr/>
             </a:lvl6pPr>
-            <a:lvl7pPr indent="-342900" lvl="6" marL="3200400" algn="l">
+            <a:lvl7pPr marL="3200400" lvl="6" indent="-342900" algn="l">
               <a:lnSpc>
                 <a:spcPct val="90000"/>
               </a:lnSpc>
@@ -2357,7 +2420,7 @@
               <a:buChar char="◦"/>
               <a:defRPr/>
             </a:lvl7pPr>
-            <a:lvl8pPr indent="-342900" lvl="7" marL="3657600" algn="l">
+            <a:lvl8pPr marL="3657600" lvl="7" indent="-342900" algn="l">
               <a:lnSpc>
                 <a:spcPct val="90000"/>
               </a:lnSpc>
@@ -2371,7 +2434,7 @@
               <a:buChar char="◦"/>
               <a:defRPr/>
             </a:lvl8pPr>
-            <a:lvl9pPr indent="-342900" lvl="8" marL="4114800" algn="l">
+            <a:lvl9pPr marL="4114800" lvl="8" indent="-342900" algn="l">
               <a:lnSpc>
                 <a:spcPct val="90000"/>
               </a:lnSpc>
@@ -2386,15 +2449,19 @@
               <a:defRPr/>
             </a:lvl9pPr>
           </a:lstStyle>
-          <a:p/>
+          <a:p>
+            <a:endParaRPr/>
+          </a:p>
         </p:txBody>
       </p:sp>
       <p:sp>
         <p:nvSpPr>
           <p:cNvPr id="86" name="Google Shape;86;p17"/>
-          <p:cNvSpPr txBox="1"/>
+          <p:cNvSpPr txBox="1">
+            <a:spLocks noGrp="1"/>
+          </p:cNvSpPr>
           <p:nvPr>
-            <p:ph idx="10" type="dt"/>
+            <p:ph type="dt" idx="10"/>
           </p:nvPr>
         </p:nvSpPr>
         <p:spPr>
@@ -2411,7 +2478,7 @@
           </a:ln>
         </p:spPr>
         <p:txBody>
-          <a:bodyPr anchorCtr="0" anchor="ctr" bIns="45700" lIns="91425" spcFirstLastPara="1" rIns="91425" wrap="square" tIns="45700">
+          <a:bodyPr spcFirstLastPara="1" wrap="square" lIns="91425" tIns="45700" rIns="91425" bIns="45700" anchor="ctr" anchorCtr="0">
             <a:noAutofit/>
           </a:bodyPr>
           <a:lstStyle>
@@ -2515,15 +2582,19 @@
               <a:defRPr/>
             </a:lvl9pPr>
           </a:lstStyle>
-          <a:p/>
+          <a:p>
+            <a:endParaRPr/>
+          </a:p>
         </p:txBody>
       </p:sp>
       <p:sp>
         <p:nvSpPr>
           <p:cNvPr id="87" name="Google Shape;87;p17"/>
-          <p:cNvSpPr txBox="1"/>
+          <p:cNvSpPr txBox="1">
+            <a:spLocks noGrp="1"/>
+          </p:cNvSpPr>
           <p:nvPr>
-            <p:ph idx="11" type="ftr"/>
+            <p:ph type="ftr" idx="11"/>
           </p:nvPr>
         </p:nvSpPr>
         <p:spPr>
@@ -2540,7 +2611,7 @@
           </a:ln>
         </p:spPr>
         <p:txBody>
-          <a:bodyPr anchorCtr="0" anchor="ctr" bIns="45700" lIns="91425" spcFirstLastPara="1" rIns="91425" wrap="square" tIns="45700">
+          <a:bodyPr spcFirstLastPara="1" wrap="square" lIns="91425" tIns="45700" rIns="91425" bIns="45700" anchor="ctr" anchorCtr="0">
             <a:noAutofit/>
           </a:bodyPr>
           <a:lstStyle>
@@ -2644,15 +2715,19 @@
               <a:defRPr/>
             </a:lvl9pPr>
           </a:lstStyle>
-          <a:p/>
+          <a:p>
+            <a:endParaRPr/>
+          </a:p>
         </p:txBody>
       </p:sp>
       <p:sp>
         <p:nvSpPr>
           <p:cNvPr id="88" name="Google Shape;88;p17"/>
-          <p:cNvSpPr txBox="1"/>
+          <p:cNvSpPr txBox="1">
+            <a:spLocks noGrp="1"/>
+          </p:cNvSpPr>
           <p:nvPr>
-            <p:ph idx="12" type="sldNum"/>
+            <p:ph type="sldNum" idx="12"/>
           </p:nvPr>
         </p:nvSpPr>
         <p:spPr>
@@ -2669,67 +2744,67 @@
           </a:ln>
         </p:spPr>
         <p:txBody>
-          <a:bodyPr anchorCtr="0" anchor="ctr" bIns="45700" lIns="91425" spcFirstLastPara="1" rIns="91425" wrap="square" tIns="45700">
+          <a:bodyPr spcFirstLastPara="1" wrap="square" lIns="91425" tIns="45700" rIns="91425" bIns="45700" anchor="ctr" anchorCtr="0">
             <a:noAutofit/>
           </a:bodyPr>
           <a:lstStyle>
-            <a:lvl1pPr indent="0" lvl="0" marL="0" algn="r">
+            <a:lvl1pPr marL="0" lvl="0" indent="0" algn="r">
               <a:spcBef>
                 <a:spcPts val="0"/>
               </a:spcBef>
               <a:buNone/>
               <a:defRPr/>
             </a:lvl1pPr>
-            <a:lvl2pPr indent="0" lvl="1" marL="0" algn="r">
+            <a:lvl2pPr marL="0" lvl="1" indent="0" algn="r">
               <a:spcBef>
                 <a:spcPts val="0"/>
               </a:spcBef>
               <a:buNone/>
               <a:defRPr/>
             </a:lvl2pPr>
-            <a:lvl3pPr indent="0" lvl="2" marL="0" algn="r">
+            <a:lvl3pPr marL="0" lvl="2" indent="0" algn="r">
               <a:spcBef>
                 <a:spcPts val="0"/>
               </a:spcBef>
               <a:buNone/>
               <a:defRPr/>
             </a:lvl3pPr>
-            <a:lvl4pPr indent="0" lvl="3" marL="0" algn="r">
+            <a:lvl4pPr marL="0" lvl="3" indent="0" algn="r">
               <a:spcBef>
                 <a:spcPts val="0"/>
               </a:spcBef>
               <a:buNone/>
               <a:defRPr/>
             </a:lvl4pPr>
-            <a:lvl5pPr indent="0" lvl="4" marL="0" algn="r">
+            <a:lvl5pPr marL="0" lvl="4" indent="0" algn="r">
               <a:spcBef>
                 <a:spcPts val="0"/>
               </a:spcBef>
               <a:buNone/>
               <a:defRPr/>
             </a:lvl5pPr>
-            <a:lvl6pPr indent="0" lvl="5" marL="0" algn="r">
+            <a:lvl6pPr marL="0" lvl="5" indent="0" algn="r">
               <a:spcBef>
                 <a:spcPts val="0"/>
               </a:spcBef>
               <a:buNone/>
               <a:defRPr/>
             </a:lvl6pPr>
-            <a:lvl7pPr indent="0" lvl="6" marL="0" algn="r">
+            <a:lvl7pPr marL="0" lvl="6" indent="0" algn="r">
               <a:spcBef>
                 <a:spcPts val="0"/>
               </a:spcBef>
               <a:buNone/>
               <a:defRPr/>
             </a:lvl7pPr>
-            <a:lvl8pPr indent="0" lvl="7" marL="0" algn="r">
+            <a:lvl8pPr marL="0" lvl="7" indent="0" algn="r">
               <a:spcBef>
                 <a:spcPts val="0"/>
               </a:spcBef>
               <a:buNone/>
               <a:defRPr/>
             </a:lvl8pPr>
-            <a:lvl9pPr indent="0" lvl="8" marL="0" algn="r">
+            <a:lvl9pPr marL="0" lvl="8" indent="0" algn="r">
               <a:spcBef>
                 <a:spcPts val="0"/>
               </a:spcBef>
@@ -2738,7 +2813,7 @@
             </a:lvl9pPr>
           </a:lstStyle>
           <a:p>
-            <a:pPr indent="0" lvl="0" marL="0" rtl="0" algn="r">
+            <a:pPr marL="0" lvl="0" indent="0" algn="r" rtl="0">
               <a:spcBef>
                 <a:spcPts val="0"/>
               </a:spcBef>
@@ -2764,11 +2839,11 @@
 </file>
 
 <file path=ppt/slideLayouts/slideLayout11.xml><?xml version="1.0" encoding="utf-8"?>
-<p:sldLayout xmlns:a="http://schemas.openxmlformats.org/drawingml/2006/main" xmlns:r="http://schemas.openxmlformats.org/officeDocument/2006/relationships" xmlns:mc="http://schemas.openxmlformats.org/markup-compatibility/2006" xmlns:mv="urn:schemas-microsoft-com:mac:vml" xmlns:p="http://schemas.openxmlformats.org/presentationml/2006/main" xmlns:c="http://schemas.openxmlformats.org/drawingml/2006/chart" xmlns:dgm="http://schemas.openxmlformats.org/drawingml/2006/diagram" xmlns:o="urn:schemas-microsoft-com:office:office" xmlns:v="urn:schemas-microsoft-com:vml" xmlns:pvml="urn:schemas-microsoft-com:office:powerpoint" xmlns:com="http://schemas.openxmlformats.org/drawingml/2006/compatibility" xmlns:p14="http://schemas.microsoft.com/office/powerpoint/2010/main" xmlns:p15="http://schemas.microsoft.com/office/powerpoint/2012/main" xmlns:ahyp="http://schemas.microsoft.com/office/drawing/2018/hyperlinkcolor" matchingName="Vertical Title and Text" showMasterSp="0" type="vertTitleAndTx">
+<p:sldLayout xmlns:a="http://schemas.openxmlformats.org/drawingml/2006/main" xmlns:r="http://schemas.openxmlformats.org/officeDocument/2006/relationships" xmlns:p="http://schemas.openxmlformats.org/presentationml/2006/main" showMasterSp="0" matchingName="Vertical Title and Text" type="vertTitleAndTx">
   <p:cSld name="VERTICAL_TITLE_AND_VERTICAL_TEXT">
     <p:spTree>
       <p:nvGrpSpPr>
-        <p:cNvPr id="89" name="Shape 89"/>
+        <p:cNvPr id="1" name="Shape 89"/>
         <p:cNvGrpSpPr/>
         <p:nvPr/>
       </p:nvGrpSpPr>
@@ -2802,12 +2877,12 @@
           </a:ln>
         </p:spPr>
         <p:txBody>
-          <a:bodyPr anchorCtr="0" anchor="ctr" bIns="91425" lIns="91425" spcFirstLastPara="1" rIns="91425" wrap="square" tIns="91425">
+          <a:bodyPr spcFirstLastPara="1" wrap="square" lIns="91425" tIns="91425" rIns="91425" bIns="91425" anchor="ctr" anchorCtr="0">
             <a:noAutofit/>
           </a:bodyPr>
           <a:lstStyle/>
           <a:p>
-            <a:pPr indent="0" lvl="0" marL="0" rtl="0" algn="l">
+            <a:pPr marL="0" lvl="0" indent="0" algn="l" rtl="0">
               <a:spcBef>
                 <a:spcPts val="0"/>
               </a:spcBef>
@@ -2816,9 +2891,6 @@
               </a:spcAft>
               <a:buNone/>
             </a:pPr>
-            <a:r>
-              <a:t/>
-            </a:r>
             <a:endParaRPr/>
           </a:p>
         </p:txBody>
@@ -2845,12 +2917,12 @@
           </a:ln>
         </p:spPr>
         <p:txBody>
-          <a:bodyPr anchorCtr="0" anchor="ctr" bIns="91425" lIns="91425" spcFirstLastPara="1" rIns="91425" wrap="square" tIns="91425">
+          <a:bodyPr spcFirstLastPara="1" wrap="square" lIns="91425" tIns="91425" rIns="91425" bIns="91425" anchor="ctr" anchorCtr="0">
             <a:noAutofit/>
           </a:bodyPr>
           <a:lstStyle/>
           <a:p>
-            <a:pPr indent="0" lvl="0" marL="0" rtl="0" algn="l">
+            <a:pPr marL="0" lvl="0" indent="0" algn="l" rtl="0">
               <a:spcBef>
                 <a:spcPts val="0"/>
               </a:spcBef>
@@ -2859,9 +2931,6 @@
               </a:spcAft>
               <a:buNone/>
             </a:pPr>
-            <a:r>
-              <a:t/>
-            </a:r>
             <a:endParaRPr/>
           </a:p>
         </p:txBody>
@@ -2869,7 +2938,9 @@
       <p:sp>
         <p:nvSpPr>
           <p:cNvPr id="92" name="Google Shape;92;p18"/>
-          <p:cNvSpPr txBox="1"/>
+          <p:cNvSpPr txBox="1">
+            <a:spLocks noGrp="1"/>
+          </p:cNvSpPr>
           <p:nvPr>
             <p:ph type="title"/>
           </p:nvPr>
@@ -2888,7 +2959,7 @@
           </a:ln>
         </p:spPr>
         <p:txBody>
-          <a:bodyPr anchorCtr="0" anchor="b" bIns="45700" lIns="91425" spcFirstLastPara="1" rIns="91425" wrap="square" tIns="45700">
+          <a:bodyPr spcFirstLastPara="1" wrap="square" lIns="91425" tIns="45700" rIns="91425" bIns="45700" anchor="b" anchorCtr="0">
             <a:normAutofit/>
           </a:bodyPr>
           <a:lstStyle>
@@ -2998,15 +3069,19 @@
               <a:defRPr/>
             </a:lvl9pPr>
           </a:lstStyle>
-          <a:p/>
+          <a:p>
+            <a:endParaRPr/>
+          </a:p>
         </p:txBody>
       </p:sp>
       <p:sp>
         <p:nvSpPr>
           <p:cNvPr id="93" name="Google Shape;93;p18"/>
-          <p:cNvSpPr txBox="1"/>
+          <p:cNvSpPr txBox="1">
+            <a:spLocks noGrp="1"/>
+          </p:cNvSpPr>
           <p:nvPr>
-            <p:ph idx="1" type="body"/>
+            <p:ph type="body" idx="1"/>
           </p:nvPr>
         </p:nvSpPr>
         <p:spPr>
@@ -3023,11 +3098,11 @@
           </a:ln>
         </p:spPr>
         <p:txBody>
-          <a:bodyPr anchorCtr="0" anchor="t" bIns="0" lIns="45700" spcFirstLastPara="1" rIns="45700" wrap="square" tIns="0">
+          <a:bodyPr spcFirstLastPara="1" wrap="square" lIns="45700" tIns="0" rIns="45700" bIns="0" anchor="t" anchorCtr="0">
             <a:normAutofit/>
           </a:bodyPr>
           <a:lstStyle>
-            <a:lvl1pPr indent="-342900" lvl="0" marL="457200" algn="l">
+            <a:lvl1pPr marL="457200" lvl="0" indent="-342900" algn="l">
               <a:lnSpc>
                 <a:spcPct val="90000"/>
               </a:lnSpc>
@@ -3041,7 +3116,7 @@
               <a:buChar char=" "/>
               <a:defRPr/>
             </a:lvl1pPr>
-            <a:lvl2pPr indent="-342900" lvl="1" marL="914400" algn="l">
+            <a:lvl2pPr marL="914400" lvl="1" indent="-342900" algn="l">
               <a:lnSpc>
                 <a:spcPct val="90000"/>
               </a:lnSpc>
@@ -3055,7 +3130,7 @@
               <a:buChar char="◦"/>
               <a:defRPr/>
             </a:lvl2pPr>
-            <a:lvl3pPr indent="-342900" lvl="2" marL="1371600" algn="l">
+            <a:lvl3pPr marL="1371600" lvl="2" indent="-342900" algn="l">
               <a:lnSpc>
                 <a:spcPct val="90000"/>
               </a:lnSpc>
@@ -3069,7 +3144,7 @@
               <a:buChar char="◦"/>
               <a:defRPr/>
             </a:lvl3pPr>
-            <a:lvl4pPr indent="-342900" lvl="3" marL="1828800" algn="l">
+            <a:lvl4pPr marL="1828800" lvl="3" indent="-342900" algn="l">
               <a:lnSpc>
                 <a:spcPct val="90000"/>
               </a:lnSpc>
@@ -3083,7 +3158,7 @@
               <a:buChar char="◦"/>
               <a:defRPr/>
             </a:lvl4pPr>
-            <a:lvl5pPr indent="-342900" lvl="4" marL="2286000" algn="l">
+            <a:lvl5pPr marL="2286000" lvl="4" indent="-342900" algn="l">
               <a:lnSpc>
                 <a:spcPct val="90000"/>
               </a:lnSpc>
@@ -3097,7 +3172,7 @@
               <a:buChar char="◦"/>
               <a:defRPr/>
             </a:lvl5pPr>
-            <a:lvl6pPr indent="-342900" lvl="5" marL="2743200" algn="l">
+            <a:lvl6pPr marL="2743200" lvl="5" indent="-342900" algn="l">
               <a:lnSpc>
                 <a:spcPct val="90000"/>
               </a:lnSpc>
@@ -3111,7 +3186,7 @@
               <a:buChar char="◦"/>
               <a:defRPr/>
             </a:lvl6pPr>
-            <a:lvl7pPr indent="-342900" lvl="6" marL="3200400" algn="l">
+            <a:lvl7pPr marL="3200400" lvl="6" indent="-342900" algn="l">
               <a:lnSpc>
                 <a:spcPct val="90000"/>
               </a:lnSpc>
@@ -3125,7 +3200,7 @@
               <a:buChar char="◦"/>
               <a:defRPr/>
             </a:lvl7pPr>
-            <a:lvl8pPr indent="-342900" lvl="7" marL="3657600" algn="l">
+            <a:lvl8pPr marL="3657600" lvl="7" indent="-342900" algn="l">
               <a:lnSpc>
                 <a:spcPct val="90000"/>
               </a:lnSpc>
@@ -3139,7 +3214,7 @@
               <a:buChar char="◦"/>
               <a:defRPr/>
             </a:lvl8pPr>
-            <a:lvl9pPr indent="-342900" lvl="8" marL="4114800" algn="l">
+            <a:lvl9pPr marL="4114800" lvl="8" indent="-342900" algn="l">
               <a:lnSpc>
                 <a:spcPct val="90000"/>
               </a:lnSpc>
@@ -3154,15 +3229,19 @@
               <a:defRPr/>
             </a:lvl9pPr>
           </a:lstStyle>
-          <a:p/>
+          <a:p>
+            <a:endParaRPr/>
+          </a:p>
         </p:txBody>
       </p:sp>
       <p:sp>
         <p:nvSpPr>
           <p:cNvPr id="94" name="Google Shape;94;p18"/>
-          <p:cNvSpPr txBox="1"/>
+          <p:cNvSpPr txBox="1">
+            <a:spLocks noGrp="1"/>
+          </p:cNvSpPr>
           <p:nvPr>
-            <p:ph idx="10" type="dt"/>
+            <p:ph type="dt" idx="10"/>
           </p:nvPr>
         </p:nvSpPr>
         <p:spPr>
@@ -3179,7 +3258,7 @@
           </a:ln>
         </p:spPr>
         <p:txBody>
-          <a:bodyPr anchorCtr="0" anchor="ctr" bIns="45700" lIns="91425" spcFirstLastPara="1" rIns="91425" wrap="square" tIns="45700">
+          <a:bodyPr spcFirstLastPara="1" wrap="square" lIns="91425" tIns="45700" rIns="91425" bIns="45700" anchor="ctr" anchorCtr="0">
             <a:noAutofit/>
           </a:bodyPr>
           <a:lstStyle>
@@ -3283,15 +3362,19 @@
               <a:defRPr/>
             </a:lvl9pPr>
           </a:lstStyle>
-          <a:p/>
+          <a:p>
+            <a:endParaRPr/>
+          </a:p>
         </p:txBody>
       </p:sp>
       <p:sp>
         <p:nvSpPr>
           <p:cNvPr id="95" name="Google Shape;95;p18"/>
-          <p:cNvSpPr txBox="1"/>
+          <p:cNvSpPr txBox="1">
+            <a:spLocks noGrp="1"/>
+          </p:cNvSpPr>
           <p:nvPr>
-            <p:ph idx="11" type="ftr"/>
+            <p:ph type="ftr" idx="11"/>
           </p:nvPr>
         </p:nvSpPr>
         <p:spPr>
@@ -3308,7 +3391,7 @@
           </a:ln>
         </p:spPr>
         <p:txBody>
-          <a:bodyPr anchorCtr="0" anchor="ctr" bIns="45700" lIns="91425" spcFirstLastPara="1" rIns="91425" wrap="square" tIns="45700">
+          <a:bodyPr spcFirstLastPara="1" wrap="square" lIns="91425" tIns="45700" rIns="91425" bIns="45700" anchor="ctr" anchorCtr="0">
             <a:noAutofit/>
           </a:bodyPr>
           <a:lstStyle>
@@ -3412,15 +3495,19 @@
               <a:defRPr/>
             </a:lvl9pPr>
           </a:lstStyle>
-          <a:p/>
+          <a:p>
+            <a:endParaRPr/>
+          </a:p>
         </p:txBody>
       </p:sp>
       <p:sp>
         <p:nvSpPr>
           <p:cNvPr id="96" name="Google Shape;96;p18"/>
-          <p:cNvSpPr txBox="1"/>
+          <p:cNvSpPr txBox="1">
+            <a:spLocks noGrp="1"/>
+          </p:cNvSpPr>
           <p:nvPr>
-            <p:ph idx="12" type="sldNum"/>
+            <p:ph type="sldNum" idx="12"/>
           </p:nvPr>
         </p:nvSpPr>
         <p:spPr>
@@ -3437,67 +3524,67 @@
           </a:ln>
         </p:spPr>
         <p:txBody>
-          <a:bodyPr anchorCtr="0" anchor="ctr" bIns="45700" lIns="91425" spcFirstLastPara="1" rIns="91425" wrap="square" tIns="45700">
+          <a:bodyPr spcFirstLastPara="1" wrap="square" lIns="91425" tIns="45700" rIns="91425" bIns="45700" anchor="ctr" anchorCtr="0">
             <a:noAutofit/>
           </a:bodyPr>
           <a:lstStyle>
-            <a:lvl1pPr indent="0" lvl="0" marL="0" algn="r">
+            <a:lvl1pPr marL="0" lvl="0" indent="0" algn="r">
               <a:spcBef>
                 <a:spcPts val="0"/>
               </a:spcBef>
               <a:buNone/>
               <a:defRPr/>
             </a:lvl1pPr>
-            <a:lvl2pPr indent="0" lvl="1" marL="0" algn="r">
+            <a:lvl2pPr marL="0" lvl="1" indent="0" algn="r">
               <a:spcBef>
                 <a:spcPts val="0"/>
               </a:spcBef>
               <a:buNone/>
               <a:defRPr/>
             </a:lvl2pPr>
-            <a:lvl3pPr indent="0" lvl="2" marL="0" algn="r">
+            <a:lvl3pPr marL="0" lvl="2" indent="0" algn="r">
               <a:spcBef>
                 <a:spcPts val="0"/>
               </a:spcBef>
               <a:buNone/>
               <a:defRPr/>
             </a:lvl3pPr>
-            <a:lvl4pPr indent="0" lvl="3" marL="0" algn="r">
+            <a:lvl4pPr marL="0" lvl="3" indent="0" algn="r">
               <a:spcBef>
                 <a:spcPts val="0"/>
               </a:spcBef>
               <a:buNone/>
               <a:defRPr/>
             </a:lvl4pPr>
-            <a:lvl5pPr indent="0" lvl="4" marL="0" algn="r">
+            <a:lvl5pPr marL="0" lvl="4" indent="0" algn="r">
               <a:spcBef>
                 <a:spcPts val="0"/>
               </a:spcBef>
               <a:buNone/>
               <a:defRPr/>
             </a:lvl5pPr>
-            <a:lvl6pPr indent="0" lvl="5" marL="0" algn="r">
+            <a:lvl6pPr marL="0" lvl="5" indent="0" algn="r">
               <a:spcBef>
                 <a:spcPts val="0"/>
               </a:spcBef>
               <a:buNone/>
               <a:defRPr/>
             </a:lvl6pPr>
-            <a:lvl7pPr indent="0" lvl="6" marL="0" algn="r">
+            <a:lvl7pPr marL="0" lvl="6" indent="0" algn="r">
               <a:spcBef>
                 <a:spcPts val="0"/>
               </a:spcBef>
               <a:buNone/>
               <a:defRPr/>
             </a:lvl7pPr>
-            <a:lvl8pPr indent="0" lvl="7" marL="0" algn="r">
+            <a:lvl8pPr marL="0" lvl="7" indent="0" algn="r">
               <a:spcBef>
                 <a:spcPts val="0"/>
               </a:spcBef>
               <a:buNone/>
               <a:defRPr/>
             </a:lvl8pPr>
-            <a:lvl9pPr indent="0" lvl="8" marL="0" algn="r">
+            <a:lvl9pPr marL="0" lvl="8" indent="0" algn="r">
               <a:spcBef>
                 <a:spcPts val="0"/>
               </a:spcBef>
@@ -3506,7 +3593,7 @@
             </a:lvl9pPr>
           </a:lstStyle>
           <a:p>
-            <a:pPr indent="0" lvl="0" marL="0" rtl="0" algn="r">
+            <a:pPr marL="0" lvl="0" indent="0" algn="r" rtl="0">
               <a:spcBef>
                 <a:spcPts val="0"/>
               </a:spcBef>
@@ -3532,11 +3619,11 @@
 </file>
 
 <file path=ppt/slideLayouts/slideLayout2.xml><?xml version="1.0" encoding="utf-8"?>
-<p:sldLayout xmlns:a="http://schemas.openxmlformats.org/drawingml/2006/main" xmlns:r="http://schemas.openxmlformats.org/officeDocument/2006/relationships" xmlns:mc="http://schemas.openxmlformats.org/markup-compatibility/2006" xmlns:mv="urn:schemas-microsoft-com:mac:vml" xmlns:p="http://schemas.openxmlformats.org/presentationml/2006/main" xmlns:c="http://schemas.openxmlformats.org/drawingml/2006/chart" xmlns:dgm="http://schemas.openxmlformats.org/drawingml/2006/diagram" xmlns:o="urn:schemas-microsoft-com:office:office" xmlns:v="urn:schemas-microsoft-com:vml" xmlns:pvml="urn:schemas-microsoft-com:office:powerpoint" xmlns:com="http://schemas.openxmlformats.org/drawingml/2006/compatibility" xmlns:p14="http://schemas.microsoft.com/office/powerpoint/2010/main" xmlns:p15="http://schemas.microsoft.com/office/powerpoint/2012/main" xmlns:ahyp="http://schemas.microsoft.com/office/drawing/2018/hyperlinkcolor" matchingName="Title and Content" type="obj">
+<p:sldLayout xmlns:a="http://schemas.openxmlformats.org/drawingml/2006/main" xmlns:r="http://schemas.openxmlformats.org/officeDocument/2006/relationships" xmlns:p="http://schemas.openxmlformats.org/presentationml/2006/main" matchingName="Title and Content" type="obj">
   <p:cSld name="OBJECT">
     <p:spTree>
       <p:nvGrpSpPr>
-        <p:cNvPr id="23" name="Shape 23"/>
+        <p:cNvPr id="1" name="Shape 23"/>
         <p:cNvGrpSpPr/>
         <p:nvPr/>
       </p:nvGrpSpPr>
@@ -3551,7 +3638,9 @@
       <p:sp>
         <p:nvSpPr>
           <p:cNvPr id="24" name="Google Shape;24;p9"/>
-          <p:cNvSpPr txBox="1"/>
+          <p:cNvSpPr txBox="1">
+            <a:spLocks noGrp="1"/>
+          </p:cNvSpPr>
           <p:nvPr>
             <p:ph type="title"/>
           </p:nvPr>
@@ -3570,7 +3659,7 @@
           </a:ln>
         </p:spPr>
         <p:txBody>
-          <a:bodyPr anchorCtr="0" anchor="b" bIns="45700" lIns="91425" spcFirstLastPara="1" rIns="91425" wrap="square" tIns="45700">
+          <a:bodyPr spcFirstLastPara="1" wrap="square" lIns="91425" tIns="45700" rIns="91425" bIns="45700" anchor="b" anchorCtr="0">
             <a:normAutofit/>
           </a:bodyPr>
           <a:lstStyle>
@@ -3681,15 +3770,19 @@
               <a:defRPr/>
             </a:lvl9pPr>
           </a:lstStyle>
-          <a:p/>
+          <a:p>
+            <a:endParaRPr/>
+          </a:p>
         </p:txBody>
       </p:sp>
       <p:sp>
         <p:nvSpPr>
           <p:cNvPr id="25" name="Google Shape;25;p9"/>
-          <p:cNvSpPr txBox="1"/>
+          <p:cNvSpPr txBox="1">
+            <a:spLocks noGrp="1"/>
+          </p:cNvSpPr>
           <p:nvPr>
-            <p:ph idx="1" type="body"/>
+            <p:ph type="body" idx="1"/>
           </p:nvPr>
         </p:nvSpPr>
         <p:spPr>
@@ -3706,11 +3799,11 @@
           </a:ln>
         </p:spPr>
         <p:txBody>
-          <a:bodyPr anchorCtr="0" anchor="t" bIns="45700" lIns="0" spcFirstLastPara="1" rIns="0" wrap="square" tIns="45700">
+          <a:bodyPr spcFirstLastPara="1" wrap="square" lIns="0" tIns="45700" rIns="0" bIns="45700" anchor="t" anchorCtr="0">
             <a:normAutofit/>
           </a:bodyPr>
           <a:lstStyle>
-            <a:lvl1pPr indent="-342900" lvl="0" marL="457200" algn="l">
+            <a:lvl1pPr marL="457200" lvl="0" indent="-342900" algn="l">
               <a:lnSpc>
                 <a:spcPct val="90000"/>
               </a:lnSpc>
@@ -3724,7 +3817,7 @@
               <a:buChar char=" "/>
               <a:defRPr/>
             </a:lvl1pPr>
-            <a:lvl2pPr indent="-342900" lvl="1" marL="914400" algn="l">
+            <a:lvl2pPr marL="914400" lvl="1" indent="-342900" algn="l">
               <a:lnSpc>
                 <a:spcPct val="90000"/>
               </a:lnSpc>
@@ -3738,7 +3831,7 @@
               <a:buChar char="◦"/>
               <a:defRPr/>
             </a:lvl2pPr>
-            <a:lvl3pPr indent="-342900" lvl="2" marL="1371600" algn="l">
+            <a:lvl3pPr marL="1371600" lvl="2" indent="-342900" algn="l">
               <a:lnSpc>
                 <a:spcPct val="90000"/>
               </a:lnSpc>
@@ -3752,7 +3845,7 @@
               <a:buChar char="◦"/>
               <a:defRPr/>
             </a:lvl3pPr>
-            <a:lvl4pPr indent="-342900" lvl="3" marL="1828800" algn="l">
+            <a:lvl4pPr marL="1828800" lvl="3" indent="-342900" algn="l">
               <a:lnSpc>
                 <a:spcPct val="90000"/>
               </a:lnSpc>
@@ -3766,7 +3859,7 @@
               <a:buChar char="◦"/>
               <a:defRPr/>
             </a:lvl4pPr>
-            <a:lvl5pPr indent="-342900" lvl="4" marL="2286000" algn="l">
+            <a:lvl5pPr marL="2286000" lvl="4" indent="-342900" algn="l">
               <a:lnSpc>
                 <a:spcPct val="90000"/>
               </a:lnSpc>
@@ -3780,7 +3873,7 @@
               <a:buChar char="◦"/>
               <a:defRPr/>
             </a:lvl5pPr>
-            <a:lvl6pPr indent="-342900" lvl="5" marL="2743200" algn="l">
+            <a:lvl6pPr marL="2743200" lvl="5" indent="-342900" algn="l">
               <a:lnSpc>
                 <a:spcPct val="90000"/>
               </a:lnSpc>
@@ -3794,7 +3887,7 @@
               <a:buChar char="◦"/>
               <a:defRPr/>
             </a:lvl6pPr>
-            <a:lvl7pPr indent="-342900" lvl="6" marL="3200400" algn="l">
+            <a:lvl7pPr marL="3200400" lvl="6" indent="-342900" algn="l">
               <a:lnSpc>
                 <a:spcPct val="90000"/>
               </a:lnSpc>
@@ -3808,7 +3901,7 @@
               <a:buChar char="◦"/>
               <a:defRPr/>
             </a:lvl7pPr>
-            <a:lvl8pPr indent="-342900" lvl="7" marL="3657600" algn="l">
+            <a:lvl8pPr marL="3657600" lvl="7" indent="-342900" algn="l">
               <a:lnSpc>
                 <a:spcPct val="90000"/>
               </a:lnSpc>
@@ -3822,7 +3915,7 @@
               <a:buChar char="◦"/>
               <a:defRPr/>
             </a:lvl8pPr>
-            <a:lvl9pPr indent="-342900" lvl="8" marL="4114800" algn="l">
+            <a:lvl9pPr marL="4114800" lvl="8" indent="-342900" algn="l">
               <a:lnSpc>
                 <a:spcPct val="90000"/>
               </a:lnSpc>
@@ -3837,15 +3930,19 @@
               <a:defRPr/>
             </a:lvl9pPr>
           </a:lstStyle>
-          <a:p/>
+          <a:p>
+            <a:endParaRPr/>
+          </a:p>
         </p:txBody>
       </p:sp>
       <p:sp>
         <p:nvSpPr>
           <p:cNvPr id="26" name="Google Shape;26;p9"/>
-          <p:cNvSpPr txBox="1"/>
+          <p:cNvSpPr txBox="1">
+            <a:spLocks noGrp="1"/>
+          </p:cNvSpPr>
           <p:nvPr>
-            <p:ph idx="10" type="dt"/>
+            <p:ph type="dt" idx="10"/>
           </p:nvPr>
         </p:nvSpPr>
         <p:spPr>
@@ -3862,7 +3959,7 @@
           </a:ln>
         </p:spPr>
         <p:txBody>
-          <a:bodyPr anchorCtr="0" anchor="ctr" bIns="45700" lIns="91425" spcFirstLastPara="1" rIns="91425" wrap="square" tIns="45700">
+          <a:bodyPr spcFirstLastPara="1" wrap="square" lIns="91425" tIns="45700" rIns="91425" bIns="45700" anchor="ctr" anchorCtr="0">
             <a:noAutofit/>
           </a:bodyPr>
           <a:lstStyle>
@@ -3966,15 +4063,19 @@
               <a:defRPr/>
             </a:lvl9pPr>
           </a:lstStyle>
-          <a:p/>
+          <a:p>
+            <a:endParaRPr/>
+          </a:p>
         </p:txBody>
       </p:sp>
       <p:sp>
         <p:nvSpPr>
           <p:cNvPr id="27" name="Google Shape;27;p9"/>
-          <p:cNvSpPr txBox="1"/>
+          <p:cNvSpPr txBox="1">
+            <a:spLocks noGrp="1"/>
+          </p:cNvSpPr>
           <p:nvPr>
-            <p:ph idx="11" type="ftr"/>
+            <p:ph type="ftr" idx="11"/>
           </p:nvPr>
         </p:nvSpPr>
         <p:spPr>
@@ -3991,7 +4092,7 @@
           </a:ln>
         </p:spPr>
         <p:txBody>
-          <a:bodyPr anchorCtr="0" anchor="ctr" bIns="45700" lIns="91425" spcFirstLastPara="1" rIns="91425" wrap="square" tIns="45700">
+          <a:bodyPr spcFirstLastPara="1" wrap="square" lIns="91425" tIns="45700" rIns="91425" bIns="45700" anchor="ctr" anchorCtr="0">
             <a:noAutofit/>
           </a:bodyPr>
           <a:lstStyle>
@@ -4095,15 +4196,19 @@
               <a:defRPr/>
             </a:lvl9pPr>
           </a:lstStyle>
-          <a:p/>
+          <a:p>
+            <a:endParaRPr/>
+          </a:p>
         </p:txBody>
       </p:sp>
       <p:sp>
         <p:nvSpPr>
           <p:cNvPr id="28" name="Google Shape;28;p9"/>
-          <p:cNvSpPr txBox="1"/>
+          <p:cNvSpPr txBox="1">
+            <a:spLocks noGrp="1"/>
+          </p:cNvSpPr>
           <p:nvPr>
-            <p:ph idx="12" type="sldNum"/>
+            <p:ph type="sldNum" idx="12"/>
           </p:nvPr>
         </p:nvSpPr>
         <p:spPr>
@@ -4120,67 +4225,67 @@
           </a:ln>
         </p:spPr>
         <p:txBody>
-          <a:bodyPr anchorCtr="0" anchor="ctr" bIns="45700" lIns="91425" spcFirstLastPara="1" rIns="91425" wrap="square" tIns="45700">
+          <a:bodyPr spcFirstLastPara="1" wrap="square" lIns="91425" tIns="45700" rIns="91425" bIns="45700" anchor="ctr" anchorCtr="0">
             <a:noAutofit/>
           </a:bodyPr>
           <a:lstStyle>
-            <a:lvl1pPr indent="0" lvl="0" marL="0" algn="r">
+            <a:lvl1pPr marL="0" lvl="0" indent="0" algn="r">
               <a:spcBef>
                 <a:spcPts val="0"/>
               </a:spcBef>
               <a:buNone/>
               <a:defRPr/>
             </a:lvl1pPr>
-            <a:lvl2pPr indent="0" lvl="1" marL="0" algn="r">
+            <a:lvl2pPr marL="0" lvl="1" indent="0" algn="r">
               <a:spcBef>
                 <a:spcPts val="0"/>
               </a:spcBef>
               <a:buNone/>
               <a:defRPr/>
             </a:lvl2pPr>
-            <a:lvl3pPr indent="0" lvl="2" marL="0" algn="r">
+            <a:lvl3pPr marL="0" lvl="2" indent="0" algn="r">
               <a:spcBef>
                 <a:spcPts val="0"/>
               </a:spcBef>
               <a:buNone/>
               <a:defRPr/>
             </a:lvl3pPr>
-            <a:lvl4pPr indent="0" lvl="3" marL="0" algn="r">
+            <a:lvl4pPr marL="0" lvl="3" indent="0" algn="r">
               <a:spcBef>
                 <a:spcPts val="0"/>
               </a:spcBef>
               <a:buNone/>
               <a:defRPr/>
             </a:lvl4pPr>
-            <a:lvl5pPr indent="0" lvl="4" marL="0" algn="r">
+            <a:lvl5pPr marL="0" lvl="4" indent="0" algn="r">
               <a:spcBef>
                 <a:spcPts val="0"/>
               </a:spcBef>
               <a:buNone/>
               <a:defRPr/>
             </a:lvl5pPr>
-            <a:lvl6pPr indent="0" lvl="5" marL="0" algn="r">
+            <a:lvl6pPr marL="0" lvl="5" indent="0" algn="r">
               <a:spcBef>
                 <a:spcPts val="0"/>
               </a:spcBef>
               <a:buNone/>
               <a:defRPr/>
             </a:lvl6pPr>
-            <a:lvl7pPr indent="0" lvl="6" marL="0" algn="r">
+            <a:lvl7pPr marL="0" lvl="6" indent="0" algn="r">
               <a:spcBef>
                 <a:spcPts val="0"/>
               </a:spcBef>
               <a:buNone/>
               <a:defRPr/>
             </a:lvl7pPr>
-            <a:lvl8pPr indent="0" lvl="7" marL="0" algn="r">
+            <a:lvl8pPr marL="0" lvl="7" indent="0" algn="r">
               <a:spcBef>
                 <a:spcPts val="0"/>
               </a:spcBef>
               <a:buNone/>
               <a:defRPr/>
             </a:lvl8pPr>
-            <a:lvl9pPr indent="0" lvl="8" marL="0" algn="r">
+            <a:lvl9pPr marL="0" lvl="8" indent="0" algn="r">
               <a:spcBef>
                 <a:spcPts val="0"/>
               </a:spcBef>
@@ -4189,7 +4294,7 @@
             </a:lvl9pPr>
           </a:lstStyle>
           <a:p>
-            <a:pPr indent="0" lvl="0" marL="0" rtl="0" algn="r">
+            <a:pPr marL="0" lvl="0" indent="0" algn="r" rtl="0">
               <a:spcBef>
                 <a:spcPts val="0"/>
               </a:spcBef>
@@ -4215,18 +4320,19 @@
 </file>
 
 <file path=ppt/slideLayouts/slideLayout3.xml><?xml version="1.0" encoding="utf-8"?>
-<p:sldLayout xmlns:a="http://schemas.openxmlformats.org/drawingml/2006/main" xmlns:r="http://schemas.openxmlformats.org/officeDocument/2006/relationships" xmlns:mc="http://schemas.openxmlformats.org/markup-compatibility/2006" xmlns:mv="urn:schemas-microsoft-com:mac:vml" xmlns:p="http://schemas.openxmlformats.org/presentationml/2006/main" xmlns:c="http://schemas.openxmlformats.org/drawingml/2006/chart" xmlns:dgm="http://schemas.openxmlformats.org/drawingml/2006/diagram" xmlns:o="urn:schemas-microsoft-com:office:office" xmlns:v="urn:schemas-microsoft-com:vml" xmlns:pvml="urn:schemas-microsoft-com:office:powerpoint" xmlns:com="http://schemas.openxmlformats.org/drawingml/2006/compatibility" xmlns:p14="http://schemas.microsoft.com/office/powerpoint/2010/main" xmlns:p15="http://schemas.microsoft.com/office/powerpoint/2012/main" xmlns:ahyp="http://schemas.microsoft.com/office/drawing/2018/hyperlinkcolor" matchingName="Section Header" showMasterSp="0" type="secHead">
+<p:sldLayout xmlns:a="http://schemas.openxmlformats.org/drawingml/2006/main" xmlns:r="http://schemas.openxmlformats.org/officeDocument/2006/relationships" xmlns:p="http://schemas.openxmlformats.org/presentationml/2006/main" showMasterSp="0" matchingName="Section Header" type="secHead">
   <p:cSld name="SECTION_HEADER">
     <p:bg>
       <p:bgPr>
         <a:solidFill>
           <a:schemeClr val="lt1"/>
         </a:solidFill>
+        <a:effectLst/>
       </p:bgPr>
     </p:bg>
     <p:spTree>
       <p:nvGrpSpPr>
-        <p:cNvPr id="29" name="Shape 29"/>
+        <p:cNvPr id="1" name="Shape 29"/>
         <p:cNvGrpSpPr/>
         <p:nvPr/>
       </p:nvGrpSpPr>
@@ -4260,12 +4366,12 @@
           </a:ln>
         </p:spPr>
         <p:txBody>
-          <a:bodyPr anchorCtr="0" anchor="ctr" bIns="91425" lIns="91425" spcFirstLastPara="1" rIns="91425" wrap="square" tIns="91425">
+          <a:bodyPr spcFirstLastPara="1" wrap="square" lIns="91425" tIns="91425" rIns="91425" bIns="91425" anchor="ctr" anchorCtr="0">
             <a:noAutofit/>
           </a:bodyPr>
           <a:lstStyle/>
           <a:p>
-            <a:pPr indent="0" lvl="0" marL="0" rtl="0" algn="l">
+            <a:pPr marL="0" lvl="0" indent="0" algn="l" rtl="0">
               <a:spcBef>
                 <a:spcPts val="0"/>
               </a:spcBef>
@@ -4274,9 +4380,6 @@
               </a:spcAft>
               <a:buNone/>
             </a:pPr>
-            <a:r>
-              <a:t/>
-            </a:r>
             <a:endParaRPr/>
           </a:p>
         </p:txBody>
@@ -4303,12 +4406,12 @@
           </a:ln>
         </p:spPr>
         <p:txBody>
-          <a:bodyPr anchorCtr="0" anchor="ctr" bIns="91425" lIns="91425" spcFirstLastPara="1" rIns="91425" wrap="square" tIns="91425">
+          <a:bodyPr spcFirstLastPara="1" wrap="square" lIns="91425" tIns="91425" rIns="91425" bIns="91425" anchor="ctr" anchorCtr="0">
             <a:noAutofit/>
           </a:bodyPr>
           <a:lstStyle/>
           <a:p>
-            <a:pPr indent="0" lvl="0" marL="0" rtl="0" algn="l">
+            <a:pPr marL="0" lvl="0" indent="0" algn="l" rtl="0">
               <a:spcBef>
                 <a:spcPts val="0"/>
               </a:spcBef>
@@ -4317,9 +4420,6 @@
               </a:spcAft>
               <a:buNone/>
             </a:pPr>
-            <a:r>
-              <a:t/>
-            </a:r>
             <a:endParaRPr/>
           </a:p>
         </p:txBody>
@@ -4327,7 +4427,9 @@
       <p:sp>
         <p:nvSpPr>
           <p:cNvPr id="32" name="Google Shape;32;p10"/>
-          <p:cNvSpPr txBox="1"/>
+          <p:cNvSpPr txBox="1">
+            <a:spLocks noGrp="1"/>
+          </p:cNvSpPr>
           <p:nvPr>
             <p:ph type="title"/>
           </p:nvPr>
@@ -4346,7 +4448,7 @@
           </a:ln>
         </p:spPr>
         <p:txBody>
-          <a:bodyPr anchorCtr="0" anchor="b" bIns="45700" lIns="91425" spcFirstLastPara="1" rIns="91425" wrap="square" tIns="45700">
+          <a:bodyPr spcFirstLastPara="1" wrap="square" lIns="91425" tIns="45700" rIns="91425" bIns="45700" anchor="b" anchorCtr="0">
             <a:normAutofit/>
           </a:bodyPr>
           <a:lstStyle>
@@ -4366,7 +4468,7 @@
               <a:buSzPts val="8000"/>
               <a:buFont typeface="Calibri"/>
               <a:buNone/>
-              <a:defRPr b="0" sz="8000">
+              <a:defRPr sz="8000" b="0">
                 <a:solidFill>
                   <a:srgbClr val="262626"/>
                 </a:solidFill>
@@ -4461,15 +4563,19 @@
               <a:defRPr/>
             </a:lvl9pPr>
           </a:lstStyle>
-          <a:p/>
+          <a:p>
+            <a:endParaRPr/>
+          </a:p>
         </p:txBody>
       </p:sp>
       <p:sp>
         <p:nvSpPr>
           <p:cNvPr id="33" name="Google Shape;33;p10"/>
-          <p:cNvSpPr txBox="1"/>
+          <p:cNvSpPr txBox="1">
+            <a:spLocks noGrp="1"/>
+          </p:cNvSpPr>
           <p:nvPr>
-            <p:ph idx="1" type="body"/>
+            <p:ph type="body" idx="1"/>
           </p:nvPr>
         </p:nvSpPr>
         <p:spPr>
@@ -4486,11 +4592,11 @@
           </a:ln>
         </p:spPr>
         <p:txBody>
-          <a:bodyPr anchorCtr="0" anchor="t" bIns="45700" lIns="91425" spcFirstLastPara="1" rIns="91425" wrap="square" tIns="45700">
+          <a:bodyPr spcFirstLastPara="1" wrap="square" lIns="91425" tIns="45700" rIns="91425" bIns="45700" anchor="t" anchorCtr="0">
             <a:normAutofit/>
           </a:bodyPr>
           <a:lstStyle>
-            <a:lvl1pPr indent="-228600" lvl="0" marL="457200" algn="l">
+            <a:lvl1pPr marL="457200" lvl="0" indent="-228600" algn="l">
               <a:lnSpc>
                 <a:spcPct val="90000"/>
               </a:lnSpc>
@@ -4512,7 +4618,7 @@
                 <a:sym typeface="Calibri"/>
               </a:defRPr>
             </a:lvl1pPr>
-            <a:lvl2pPr indent="-228600" lvl="1" marL="914400" algn="l">
+            <a:lvl2pPr marL="914400" lvl="1" indent="-228600" algn="l">
               <a:lnSpc>
                 <a:spcPct val="90000"/>
               </a:lnSpc>
@@ -4530,7 +4636,7 @@
                 </a:solidFill>
               </a:defRPr>
             </a:lvl2pPr>
-            <a:lvl3pPr indent="-228600" lvl="2" marL="1371600" algn="l">
+            <a:lvl3pPr marL="1371600" lvl="2" indent="-228600" algn="l">
               <a:lnSpc>
                 <a:spcPct val="90000"/>
               </a:lnSpc>
@@ -4548,7 +4654,7 @@
                 </a:solidFill>
               </a:defRPr>
             </a:lvl3pPr>
-            <a:lvl4pPr indent="-228600" lvl="3" marL="1828800" algn="l">
+            <a:lvl4pPr marL="1828800" lvl="3" indent="-228600" algn="l">
               <a:lnSpc>
                 <a:spcPct val="90000"/>
               </a:lnSpc>
@@ -4566,7 +4672,7 @@
                 </a:solidFill>
               </a:defRPr>
             </a:lvl4pPr>
-            <a:lvl5pPr indent="-228600" lvl="4" marL="2286000" algn="l">
+            <a:lvl5pPr marL="2286000" lvl="4" indent="-228600" algn="l">
               <a:lnSpc>
                 <a:spcPct val="90000"/>
               </a:lnSpc>
@@ -4584,7 +4690,7 @@
                 </a:solidFill>
               </a:defRPr>
             </a:lvl5pPr>
-            <a:lvl6pPr indent="-228600" lvl="5" marL="2743200" algn="l">
+            <a:lvl6pPr marL="2743200" lvl="5" indent="-228600" algn="l">
               <a:lnSpc>
                 <a:spcPct val="90000"/>
               </a:lnSpc>
@@ -4602,7 +4708,7 @@
                 </a:solidFill>
               </a:defRPr>
             </a:lvl6pPr>
-            <a:lvl7pPr indent="-228600" lvl="6" marL="3200400" algn="l">
+            <a:lvl7pPr marL="3200400" lvl="6" indent="-228600" algn="l">
               <a:lnSpc>
                 <a:spcPct val="90000"/>
               </a:lnSpc>
@@ -4620,7 +4726,7 @@
                 </a:solidFill>
               </a:defRPr>
             </a:lvl7pPr>
-            <a:lvl8pPr indent="-228600" lvl="7" marL="3657600" algn="l">
+            <a:lvl8pPr marL="3657600" lvl="7" indent="-228600" algn="l">
               <a:lnSpc>
                 <a:spcPct val="90000"/>
               </a:lnSpc>
@@ -4638,7 +4744,7 @@
                 </a:solidFill>
               </a:defRPr>
             </a:lvl8pPr>
-            <a:lvl9pPr indent="-228600" lvl="8" marL="4114800" algn="l">
+            <a:lvl9pPr marL="4114800" lvl="8" indent="-228600" algn="l">
               <a:lnSpc>
                 <a:spcPct val="90000"/>
               </a:lnSpc>
@@ -4657,15 +4763,19 @@
               </a:defRPr>
             </a:lvl9pPr>
           </a:lstStyle>
-          <a:p/>
+          <a:p>
+            <a:endParaRPr/>
+          </a:p>
         </p:txBody>
       </p:sp>
       <p:sp>
         <p:nvSpPr>
           <p:cNvPr id="34" name="Google Shape;34;p10"/>
-          <p:cNvSpPr txBox="1"/>
+          <p:cNvSpPr txBox="1">
+            <a:spLocks noGrp="1"/>
+          </p:cNvSpPr>
           <p:nvPr>
-            <p:ph idx="10" type="dt"/>
+            <p:ph type="dt" idx="10"/>
           </p:nvPr>
         </p:nvSpPr>
         <p:spPr>
@@ -4682,7 +4792,7 @@
           </a:ln>
         </p:spPr>
         <p:txBody>
-          <a:bodyPr anchorCtr="0" anchor="ctr" bIns="45700" lIns="91425" spcFirstLastPara="1" rIns="91425" wrap="square" tIns="45700">
+          <a:bodyPr spcFirstLastPara="1" wrap="square" lIns="91425" tIns="45700" rIns="91425" bIns="45700" anchor="ctr" anchorCtr="0">
             <a:noAutofit/>
           </a:bodyPr>
           <a:lstStyle>
@@ -4786,15 +4896,19 @@
               <a:defRPr/>
             </a:lvl9pPr>
           </a:lstStyle>
-          <a:p/>
+          <a:p>
+            <a:endParaRPr/>
+          </a:p>
         </p:txBody>
       </p:sp>
       <p:sp>
         <p:nvSpPr>
           <p:cNvPr id="35" name="Google Shape;35;p10"/>
-          <p:cNvSpPr txBox="1"/>
+          <p:cNvSpPr txBox="1">
+            <a:spLocks noGrp="1"/>
+          </p:cNvSpPr>
           <p:nvPr>
-            <p:ph idx="11" type="ftr"/>
+            <p:ph type="ftr" idx="11"/>
           </p:nvPr>
         </p:nvSpPr>
         <p:spPr>
@@ -4811,7 +4925,7 @@
           </a:ln>
         </p:spPr>
         <p:txBody>
-          <a:bodyPr anchorCtr="0" anchor="ctr" bIns="45700" lIns="91425" spcFirstLastPara="1" rIns="91425" wrap="square" tIns="45700">
+          <a:bodyPr spcFirstLastPara="1" wrap="square" lIns="91425" tIns="45700" rIns="91425" bIns="45700" anchor="ctr" anchorCtr="0">
             <a:noAutofit/>
           </a:bodyPr>
           <a:lstStyle>
@@ -4915,15 +5029,19 @@
               <a:defRPr/>
             </a:lvl9pPr>
           </a:lstStyle>
-          <a:p/>
+          <a:p>
+            <a:endParaRPr/>
+          </a:p>
         </p:txBody>
       </p:sp>
       <p:sp>
         <p:nvSpPr>
           <p:cNvPr id="36" name="Google Shape;36;p10"/>
-          <p:cNvSpPr txBox="1"/>
+          <p:cNvSpPr txBox="1">
+            <a:spLocks noGrp="1"/>
+          </p:cNvSpPr>
           <p:nvPr>
-            <p:ph idx="12" type="sldNum"/>
+            <p:ph type="sldNum" idx="12"/>
           </p:nvPr>
         </p:nvSpPr>
         <p:spPr>
@@ -4940,67 +5058,67 @@
           </a:ln>
         </p:spPr>
         <p:txBody>
-          <a:bodyPr anchorCtr="0" anchor="ctr" bIns="45700" lIns="91425" spcFirstLastPara="1" rIns="91425" wrap="square" tIns="45700">
+          <a:bodyPr spcFirstLastPara="1" wrap="square" lIns="91425" tIns="45700" rIns="91425" bIns="45700" anchor="ctr" anchorCtr="0">
             <a:noAutofit/>
           </a:bodyPr>
           <a:lstStyle>
-            <a:lvl1pPr indent="0" lvl="0" marL="0" algn="r">
+            <a:lvl1pPr marL="0" lvl="0" indent="0" algn="r">
               <a:spcBef>
                 <a:spcPts val="0"/>
               </a:spcBef>
               <a:buNone/>
               <a:defRPr/>
             </a:lvl1pPr>
-            <a:lvl2pPr indent="0" lvl="1" marL="0" algn="r">
+            <a:lvl2pPr marL="0" lvl="1" indent="0" algn="r">
               <a:spcBef>
                 <a:spcPts val="0"/>
               </a:spcBef>
               <a:buNone/>
               <a:defRPr/>
             </a:lvl2pPr>
-            <a:lvl3pPr indent="0" lvl="2" marL="0" algn="r">
+            <a:lvl3pPr marL="0" lvl="2" indent="0" algn="r">
               <a:spcBef>
                 <a:spcPts val="0"/>
               </a:spcBef>
               <a:buNone/>
               <a:defRPr/>
             </a:lvl3pPr>
-            <a:lvl4pPr indent="0" lvl="3" marL="0" algn="r">
+            <a:lvl4pPr marL="0" lvl="3" indent="0" algn="r">
               <a:spcBef>
                 <a:spcPts val="0"/>
               </a:spcBef>
               <a:buNone/>
               <a:defRPr/>
             </a:lvl4pPr>
-            <a:lvl5pPr indent="0" lvl="4" marL="0" algn="r">
+            <a:lvl5pPr marL="0" lvl="4" indent="0" algn="r">
               <a:spcBef>
                 <a:spcPts val="0"/>
               </a:spcBef>
               <a:buNone/>
               <a:defRPr/>
             </a:lvl5pPr>
-            <a:lvl6pPr indent="0" lvl="5" marL="0" algn="r">
+            <a:lvl6pPr marL="0" lvl="5" indent="0" algn="r">
               <a:spcBef>
                 <a:spcPts val="0"/>
               </a:spcBef>
               <a:buNone/>
               <a:defRPr/>
             </a:lvl6pPr>
-            <a:lvl7pPr indent="0" lvl="6" marL="0" algn="r">
+            <a:lvl7pPr marL="0" lvl="6" indent="0" algn="r">
               <a:spcBef>
                 <a:spcPts val="0"/>
               </a:spcBef>
               <a:buNone/>
               <a:defRPr/>
             </a:lvl7pPr>
-            <a:lvl8pPr indent="0" lvl="7" marL="0" algn="r">
+            <a:lvl8pPr marL="0" lvl="7" indent="0" algn="r">
               <a:spcBef>
                 <a:spcPts val="0"/>
               </a:spcBef>
               <a:buNone/>
               <a:defRPr/>
             </a:lvl8pPr>
-            <a:lvl9pPr indent="0" lvl="8" marL="0" algn="r">
+            <a:lvl9pPr marL="0" lvl="8" indent="0" algn="r">
               <a:spcBef>
                 <a:spcPts val="0"/>
               </a:spcBef>
@@ -5009,7 +5127,7 @@
             </a:lvl9pPr>
           </a:lstStyle>
           <a:p>
-            <a:pPr indent="0" lvl="0" marL="0" rtl="0" algn="r">
+            <a:pPr marL="0" lvl="0" indent="0" algn="r" rtl="0">
               <a:spcBef>
                 <a:spcPts val="0"/>
               </a:spcBef>
@@ -5041,14 +5159,14 @@
             <a:avLst/>
           </a:prstGeom>
           <a:noFill/>
-          <a:ln cap="flat" cmpd="sng" w="9525">
+          <a:ln w="9525" cap="flat" cmpd="sng">
             <a:solidFill>
               <a:srgbClr val="7F7F7F"/>
             </a:solidFill>
             <a:prstDash val="solid"/>
             <a:round/>
-            <a:headEnd len="sm" w="sm" type="none"/>
-            <a:tailEnd len="sm" w="sm" type="none"/>
+            <a:headEnd type="none" w="sm" len="sm"/>
+            <a:tailEnd type="none" w="sm" len="sm"/>
           </a:ln>
         </p:spPr>
       </p:cxnSp>
@@ -5061,11 +5179,11 @@
 </file>
 
 <file path=ppt/slideLayouts/slideLayout4.xml><?xml version="1.0" encoding="utf-8"?>
-<p:sldLayout xmlns:a="http://schemas.openxmlformats.org/drawingml/2006/main" xmlns:r="http://schemas.openxmlformats.org/officeDocument/2006/relationships" xmlns:mc="http://schemas.openxmlformats.org/markup-compatibility/2006" xmlns:mv="urn:schemas-microsoft-com:mac:vml" xmlns:p="http://schemas.openxmlformats.org/presentationml/2006/main" xmlns:c="http://schemas.openxmlformats.org/drawingml/2006/chart" xmlns:dgm="http://schemas.openxmlformats.org/drawingml/2006/diagram" xmlns:o="urn:schemas-microsoft-com:office:office" xmlns:v="urn:schemas-microsoft-com:vml" xmlns:pvml="urn:schemas-microsoft-com:office:powerpoint" xmlns:com="http://schemas.openxmlformats.org/drawingml/2006/compatibility" xmlns:p14="http://schemas.microsoft.com/office/powerpoint/2010/main" xmlns:p15="http://schemas.microsoft.com/office/powerpoint/2012/main" xmlns:ahyp="http://schemas.microsoft.com/office/drawing/2018/hyperlinkcolor" matchingName="Two Content" type="twoObj">
+<p:sldLayout xmlns:a="http://schemas.openxmlformats.org/drawingml/2006/main" xmlns:r="http://schemas.openxmlformats.org/officeDocument/2006/relationships" xmlns:p="http://schemas.openxmlformats.org/presentationml/2006/main" matchingName="Two Content" type="twoObj">
   <p:cSld name="TWO_OBJECTS">
     <p:spTree>
       <p:nvGrpSpPr>
-        <p:cNvPr id="38" name="Shape 38"/>
+        <p:cNvPr id="1" name="Shape 38"/>
         <p:cNvGrpSpPr/>
         <p:nvPr/>
       </p:nvGrpSpPr>
@@ -5080,7 +5198,9 @@
       <p:sp>
         <p:nvSpPr>
           <p:cNvPr id="39" name="Google Shape;39;p11"/>
-          <p:cNvSpPr txBox="1"/>
+          <p:cNvSpPr txBox="1">
+            <a:spLocks noGrp="1"/>
+          </p:cNvSpPr>
           <p:nvPr>
             <p:ph type="title"/>
           </p:nvPr>
@@ -5099,7 +5219,7 @@
           </a:ln>
         </p:spPr>
         <p:txBody>
-          <a:bodyPr anchorCtr="0" anchor="b" bIns="45700" lIns="91425" spcFirstLastPara="1" rIns="91425" wrap="square" tIns="45700">
+          <a:bodyPr spcFirstLastPara="1" wrap="square" lIns="91425" tIns="45700" rIns="91425" bIns="45700" anchor="b" anchorCtr="0">
             <a:normAutofit/>
           </a:bodyPr>
           <a:lstStyle>
@@ -5209,15 +5329,19 @@
               <a:defRPr/>
             </a:lvl9pPr>
           </a:lstStyle>
-          <a:p/>
+          <a:p>
+            <a:endParaRPr/>
+          </a:p>
         </p:txBody>
       </p:sp>
       <p:sp>
         <p:nvSpPr>
           <p:cNvPr id="40" name="Google Shape;40;p11"/>
-          <p:cNvSpPr txBox="1"/>
+          <p:cNvSpPr txBox="1">
+            <a:spLocks noGrp="1"/>
+          </p:cNvSpPr>
           <p:nvPr>
-            <p:ph idx="1" type="body"/>
+            <p:ph type="body" idx="1"/>
           </p:nvPr>
         </p:nvSpPr>
         <p:spPr>
@@ -5234,11 +5358,11 @@
           </a:ln>
         </p:spPr>
         <p:txBody>
-          <a:bodyPr anchorCtr="0" anchor="t" bIns="45700" lIns="0" spcFirstLastPara="1" rIns="0" wrap="square" tIns="45700">
+          <a:bodyPr spcFirstLastPara="1" wrap="square" lIns="0" tIns="45700" rIns="0" bIns="45700" anchor="t" anchorCtr="0">
             <a:normAutofit/>
           </a:bodyPr>
           <a:lstStyle>
-            <a:lvl1pPr indent="-342900" lvl="0" marL="457200" algn="l">
+            <a:lvl1pPr marL="457200" lvl="0" indent="-342900" algn="l">
               <a:lnSpc>
                 <a:spcPct val="90000"/>
               </a:lnSpc>
@@ -5252,7 +5376,7 @@
               <a:buChar char=" "/>
               <a:defRPr/>
             </a:lvl1pPr>
-            <a:lvl2pPr indent="-342900" lvl="1" marL="914400" algn="l">
+            <a:lvl2pPr marL="914400" lvl="1" indent="-342900" algn="l">
               <a:lnSpc>
                 <a:spcPct val="90000"/>
               </a:lnSpc>
@@ -5266,7 +5390,7 @@
               <a:buChar char="◦"/>
               <a:defRPr/>
             </a:lvl2pPr>
-            <a:lvl3pPr indent="-342900" lvl="2" marL="1371600" algn="l">
+            <a:lvl3pPr marL="1371600" lvl="2" indent="-342900" algn="l">
               <a:lnSpc>
                 <a:spcPct val="90000"/>
               </a:lnSpc>
@@ -5280,7 +5404,7 @@
               <a:buChar char="◦"/>
               <a:defRPr/>
             </a:lvl3pPr>
-            <a:lvl4pPr indent="-342900" lvl="3" marL="1828800" algn="l">
+            <a:lvl4pPr marL="1828800" lvl="3" indent="-342900" algn="l">
               <a:lnSpc>
                 <a:spcPct val="90000"/>
               </a:lnSpc>
@@ -5294,7 +5418,7 @@
               <a:buChar char="◦"/>
               <a:defRPr/>
             </a:lvl4pPr>
-            <a:lvl5pPr indent="-342900" lvl="4" marL="2286000" algn="l">
+            <a:lvl5pPr marL="2286000" lvl="4" indent="-342900" algn="l">
               <a:lnSpc>
                 <a:spcPct val="90000"/>
               </a:lnSpc>
@@ -5308,7 +5432,7 @@
               <a:buChar char="◦"/>
               <a:defRPr/>
             </a:lvl5pPr>
-            <a:lvl6pPr indent="-342900" lvl="5" marL="2743200" algn="l">
+            <a:lvl6pPr marL="2743200" lvl="5" indent="-342900" algn="l">
               <a:lnSpc>
                 <a:spcPct val="90000"/>
               </a:lnSpc>
@@ -5322,7 +5446,7 @@
               <a:buChar char="◦"/>
               <a:defRPr/>
             </a:lvl6pPr>
-            <a:lvl7pPr indent="-342900" lvl="6" marL="3200400" algn="l">
+            <a:lvl7pPr marL="3200400" lvl="6" indent="-342900" algn="l">
               <a:lnSpc>
                 <a:spcPct val="90000"/>
               </a:lnSpc>
@@ -5336,7 +5460,7 @@
               <a:buChar char="◦"/>
               <a:defRPr/>
             </a:lvl7pPr>
-            <a:lvl8pPr indent="-342900" lvl="7" marL="3657600" algn="l">
+            <a:lvl8pPr marL="3657600" lvl="7" indent="-342900" algn="l">
               <a:lnSpc>
                 <a:spcPct val="90000"/>
               </a:lnSpc>
@@ -5350,7 +5474,7 @@
               <a:buChar char="◦"/>
               <a:defRPr/>
             </a:lvl8pPr>
-            <a:lvl9pPr indent="-342900" lvl="8" marL="4114800" algn="l">
+            <a:lvl9pPr marL="4114800" lvl="8" indent="-342900" algn="l">
               <a:lnSpc>
                 <a:spcPct val="90000"/>
               </a:lnSpc>
@@ -5365,15 +5489,19 @@
               <a:defRPr/>
             </a:lvl9pPr>
           </a:lstStyle>
-          <a:p/>
+          <a:p>
+            <a:endParaRPr/>
+          </a:p>
         </p:txBody>
       </p:sp>
       <p:sp>
         <p:nvSpPr>
           <p:cNvPr id="41" name="Google Shape;41;p11"/>
-          <p:cNvSpPr txBox="1"/>
+          <p:cNvSpPr txBox="1">
+            <a:spLocks noGrp="1"/>
+          </p:cNvSpPr>
           <p:nvPr>
-            <p:ph idx="2" type="body"/>
+            <p:ph type="body" idx="2"/>
           </p:nvPr>
         </p:nvSpPr>
         <p:spPr>
@@ -5390,11 +5518,11 @@
           </a:ln>
         </p:spPr>
         <p:txBody>
-          <a:bodyPr anchorCtr="0" anchor="t" bIns="45700" lIns="0" spcFirstLastPara="1" rIns="0" wrap="square" tIns="45700">
+          <a:bodyPr spcFirstLastPara="1" wrap="square" lIns="0" tIns="45700" rIns="0" bIns="45700" anchor="t" anchorCtr="0">
             <a:normAutofit/>
           </a:bodyPr>
           <a:lstStyle>
-            <a:lvl1pPr indent="-342900" lvl="0" marL="457200" algn="l">
+            <a:lvl1pPr marL="457200" lvl="0" indent="-342900" algn="l">
               <a:lnSpc>
                 <a:spcPct val="90000"/>
               </a:lnSpc>
@@ -5408,7 +5536,7 @@
               <a:buChar char=" "/>
               <a:defRPr/>
             </a:lvl1pPr>
-            <a:lvl2pPr indent="-342900" lvl="1" marL="914400" algn="l">
+            <a:lvl2pPr marL="914400" lvl="1" indent="-342900" algn="l">
               <a:lnSpc>
                 <a:spcPct val="90000"/>
               </a:lnSpc>
@@ -5422,7 +5550,7 @@
               <a:buChar char="◦"/>
               <a:defRPr/>
             </a:lvl2pPr>
-            <a:lvl3pPr indent="-342900" lvl="2" marL="1371600" algn="l">
+            <a:lvl3pPr marL="1371600" lvl="2" indent="-342900" algn="l">
               <a:lnSpc>
                 <a:spcPct val="90000"/>
               </a:lnSpc>
@@ -5436,7 +5564,7 @@
               <a:buChar char="◦"/>
               <a:defRPr/>
             </a:lvl3pPr>
-            <a:lvl4pPr indent="-342900" lvl="3" marL="1828800" algn="l">
+            <a:lvl4pPr marL="1828800" lvl="3" indent="-342900" algn="l">
               <a:lnSpc>
                 <a:spcPct val="90000"/>
               </a:lnSpc>
@@ -5450,7 +5578,7 @@
               <a:buChar char="◦"/>
               <a:defRPr/>
             </a:lvl4pPr>
-            <a:lvl5pPr indent="-342900" lvl="4" marL="2286000" algn="l">
+            <a:lvl5pPr marL="2286000" lvl="4" indent="-342900" algn="l">
               <a:lnSpc>
                 <a:spcPct val="90000"/>
               </a:lnSpc>
@@ -5464,7 +5592,7 @@
               <a:buChar char="◦"/>
               <a:defRPr/>
             </a:lvl5pPr>
-            <a:lvl6pPr indent="-342900" lvl="5" marL="2743200" algn="l">
+            <a:lvl6pPr marL="2743200" lvl="5" indent="-342900" algn="l">
               <a:lnSpc>
                 <a:spcPct val="90000"/>
               </a:lnSpc>
@@ -5478,7 +5606,7 @@
               <a:buChar char="◦"/>
               <a:defRPr/>
             </a:lvl6pPr>
-            <a:lvl7pPr indent="-342900" lvl="6" marL="3200400" algn="l">
+            <a:lvl7pPr marL="3200400" lvl="6" indent="-342900" algn="l">
               <a:lnSpc>
                 <a:spcPct val="90000"/>
               </a:lnSpc>
@@ -5492,7 +5620,7 @@
               <a:buChar char="◦"/>
               <a:defRPr/>
             </a:lvl7pPr>
-            <a:lvl8pPr indent="-342900" lvl="7" marL="3657600" algn="l">
+            <a:lvl8pPr marL="3657600" lvl="7" indent="-342900" algn="l">
               <a:lnSpc>
                 <a:spcPct val="90000"/>
               </a:lnSpc>
@@ -5506,7 +5634,7 @@
               <a:buChar char="◦"/>
               <a:defRPr/>
             </a:lvl8pPr>
-            <a:lvl9pPr indent="-342900" lvl="8" marL="4114800" algn="l">
+            <a:lvl9pPr marL="4114800" lvl="8" indent="-342900" algn="l">
               <a:lnSpc>
                 <a:spcPct val="90000"/>
               </a:lnSpc>
@@ -5521,15 +5649,19 @@
               <a:defRPr/>
             </a:lvl9pPr>
           </a:lstStyle>
-          <a:p/>
+          <a:p>
+            <a:endParaRPr/>
+          </a:p>
         </p:txBody>
       </p:sp>
       <p:sp>
         <p:nvSpPr>
           <p:cNvPr id="42" name="Google Shape;42;p11"/>
-          <p:cNvSpPr txBox="1"/>
+          <p:cNvSpPr txBox="1">
+            <a:spLocks noGrp="1"/>
+          </p:cNvSpPr>
           <p:nvPr>
-            <p:ph idx="10" type="dt"/>
+            <p:ph type="dt" idx="10"/>
           </p:nvPr>
         </p:nvSpPr>
         <p:spPr>
@@ -5546,7 +5678,7 @@
           </a:ln>
         </p:spPr>
         <p:txBody>
-          <a:bodyPr anchorCtr="0" anchor="ctr" bIns="45700" lIns="91425" spcFirstLastPara="1" rIns="91425" wrap="square" tIns="45700">
+          <a:bodyPr spcFirstLastPara="1" wrap="square" lIns="91425" tIns="45700" rIns="91425" bIns="45700" anchor="ctr" anchorCtr="0">
             <a:noAutofit/>
           </a:bodyPr>
           <a:lstStyle>
@@ -5650,15 +5782,19 @@
               <a:defRPr/>
             </a:lvl9pPr>
           </a:lstStyle>
-          <a:p/>
+          <a:p>
+            <a:endParaRPr/>
+          </a:p>
         </p:txBody>
       </p:sp>
       <p:sp>
         <p:nvSpPr>
           <p:cNvPr id="43" name="Google Shape;43;p11"/>
-          <p:cNvSpPr txBox="1"/>
+          <p:cNvSpPr txBox="1">
+            <a:spLocks noGrp="1"/>
+          </p:cNvSpPr>
           <p:nvPr>
-            <p:ph idx="11" type="ftr"/>
+            <p:ph type="ftr" idx="11"/>
           </p:nvPr>
         </p:nvSpPr>
         <p:spPr>
@@ -5675,7 +5811,7 @@
           </a:ln>
         </p:spPr>
         <p:txBody>
-          <a:bodyPr anchorCtr="0" anchor="ctr" bIns="45700" lIns="91425" spcFirstLastPara="1" rIns="91425" wrap="square" tIns="45700">
+          <a:bodyPr spcFirstLastPara="1" wrap="square" lIns="91425" tIns="45700" rIns="91425" bIns="45700" anchor="ctr" anchorCtr="0">
             <a:noAutofit/>
           </a:bodyPr>
           <a:lstStyle>
@@ -5779,15 +5915,19 @@
               <a:defRPr/>
             </a:lvl9pPr>
           </a:lstStyle>
-          <a:p/>
+          <a:p>
+            <a:endParaRPr/>
+          </a:p>
         </p:txBody>
       </p:sp>
       <p:sp>
         <p:nvSpPr>
           <p:cNvPr id="44" name="Google Shape;44;p11"/>
-          <p:cNvSpPr txBox="1"/>
+          <p:cNvSpPr txBox="1">
+            <a:spLocks noGrp="1"/>
+          </p:cNvSpPr>
           <p:nvPr>
-            <p:ph idx="12" type="sldNum"/>
+            <p:ph type="sldNum" idx="12"/>
           </p:nvPr>
         </p:nvSpPr>
         <p:spPr>
@@ -5804,67 +5944,67 @@
           </a:ln>
         </p:spPr>
         <p:txBody>
-          <a:bodyPr anchorCtr="0" anchor="ctr" bIns="45700" lIns="91425" spcFirstLastPara="1" rIns="91425" wrap="square" tIns="45700">
+          <a:bodyPr spcFirstLastPara="1" wrap="square" lIns="91425" tIns="45700" rIns="91425" bIns="45700" anchor="ctr" anchorCtr="0">
             <a:noAutofit/>
           </a:bodyPr>
           <a:lstStyle>
-            <a:lvl1pPr indent="0" lvl="0" marL="0" algn="r">
+            <a:lvl1pPr marL="0" lvl="0" indent="0" algn="r">
               <a:spcBef>
                 <a:spcPts val="0"/>
               </a:spcBef>
               <a:buNone/>
               <a:defRPr/>
             </a:lvl1pPr>
-            <a:lvl2pPr indent="0" lvl="1" marL="0" algn="r">
+            <a:lvl2pPr marL="0" lvl="1" indent="0" algn="r">
               <a:spcBef>
                 <a:spcPts val="0"/>
               </a:spcBef>
               <a:buNone/>
               <a:defRPr/>
             </a:lvl2pPr>
-            <a:lvl3pPr indent="0" lvl="2" marL="0" algn="r">
+            <a:lvl3pPr marL="0" lvl="2" indent="0" algn="r">
               <a:spcBef>
                 <a:spcPts val="0"/>
               </a:spcBef>
               <a:buNone/>
               <a:defRPr/>
             </a:lvl3pPr>
-            <a:lvl4pPr indent="0" lvl="3" marL="0" algn="r">
+            <a:lvl4pPr marL="0" lvl="3" indent="0" algn="r">
               <a:spcBef>
                 <a:spcPts val="0"/>
               </a:spcBef>
               <a:buNone/>
               <a:defRPr/>
             </a:lvl4pPr>
-            <a:lvl5pPr indent="0" lvl="4" marL="0" algn="r">
+            <a:lvl5pPr marL="0" lvl="4" indent="0" algn="r">
               <a:spcBef>
                 <a:spcPts val="0"/>
               </a:spcBef>
               <a:buNone/>
               <a:defRPr/>
             </a:lvl5pPr>
-            <a:lvl6pPr indent="0" lvl="5" marL="0" algn="r">
+            <a:lvl6pPr marL="0" lvl="5" indent="0" algn="r">
               <a:spcBef>
                 <a:spcPts val="0"/>
               </a:spcBef>
               <a:buNone/>
               <a:defRPr/>
             </a:lvl6pPr>
-            <a:lvl7pPr indent="0" lvl="6" marL="0" algn="r">
+            <a:lvl7pPr marL="0" lvl="6" indent="0" algn="r">
               <a:spcBef>
                 <a:spcPts val="0"/>
               </a:spcBef>
               <a:buNone/>
               <a:defRPr/>
             </a:lvl7pPr>
-            <a:lvl8pPr indent="0" lvl="7" marL="0" algn="r">
+            <a:lvl8pPr marL="0" lvl="7" indent="0" algn="r">
               <a:spcBef>
                 <a:spcPts val="0"/>
               </a:spcBef>
               <a:buNone/>
               <a:defRPr/>
             </a:lvl8pPr>
-            <a:lvl9pPr indent="0" lvl="8" marL="0" algn="r">
+            <a:lvl9pPr marL="0" lvl="8" indent="0" algn="r">
               <a:spcBef>
                 <a:spcPts val="0"/>
               </a:spcBef>
@@ -5873,7 +6013,7 @@
             </a:lvl9pPr>
           </a:lstStyle>
           <a:p>
-            <a:pPr indent="0" lvl="0" marL="0" rtl="0" algn="r">
+            <a:pPr marL="0" lvl="0" indent="0" algn="r" rtl="0">
               <a:spcBef>
                 <a:spcPts val="0"/>
               </a:spcBef>
@@ -5899,11 +6039,11 @@
 </file>
 
 <file path=ppt/slideLayouts/slideLayout5.xml><?xml version="1.0" encoding="utf-8"?>
-<p:sldLayout xmlns:a="http://schemas.openxmlformats.org/drawingml/2006/main" xmlns:r="http://schemas.openxmlformats.org/officeDocument/2006/relationships" xmlns:mc="http://schemas.openxmlformats.org/markup-compatibility/2006" xmlns:mv="urn:schemas-microsoft-com:mac:vml" xmlns:p="http://schemas.openxmlformats.org/presentationml/2006/main" xmlns:c="http://schemas.openxmlformats.org/drawingml/2006/chart" xmlns:dgm="http://schemas.openxmlformats.org/drawingml/2006/diagram" xmlns:o="urn:schemas-microsoft-com:office:office" xmlns:v="urn:schemas-microsoft-com:vml" xmlns:pvml="urn:schemas-microsoft-com:office:powerpoint" xmlns:com="http://schemas.openxmlformats.org/drawingml/2006/compatibility" xmlns:p14="http://schemas.microsoft.com/office/powerpoint/2010/main" xmlns:p15="http://schemas.microsoft.com/office/powerpoint/2012/main" xmlns:ahyp="http://schemas.microsoft.com/office/drawing/2018/hyperlinkcolor" matchingName="Comparison" type="twoTxTwoObj">
+<p:sldLayout xmlns:a="http://schemas.openxmlformats.org/drawingml/2006/main" xmlns:r="http://schemas.openxmlformats.org/officeDocument/2006/relationships" xmlns:p="http://schemas.openxmlformats.org/presentationml/2006/main" matchingName="Comparison" type="twoTxTwoObj">
   <p:cSld name="TWO_OBJECTS_WITH_TEXT">
     <p:spTree>
       <p:nvGrpSpPr>
-        <p:cNvPr id="45" name="Shape 45"/>
+        <p:cNvPr id="1" name="Shape 45"/>
         <p:cNvGrpSpPr/>
         <p:nvPr/>
       </p:nvGrpSpPr>
@@ -5918,7 +6058,9 @@
       <p:sp>
         <p:nvSpPr>
           <p:cNvPr id="46" name="Google Shape;46;p12"/>
-          <p:cNvSpPr txBox="1"/>
+          <p:cNvSpPr txBox="1">
+            <a:spLocks noGrp="1"/>
+          </p:cNvSpPr>
           <p:nvPr>
             <p:ph type="title"/>
           </p:nvPr>
@@ -5937,7 +6079,7 @@
           </a:ln>
         </p:spPr>
         <p:txBody>
-          <a:bodyPr anchorCtr="0" anchor="b" bIns="45700" lIns="91425" spcFirstLastPara="1" rIns="91425" wrap="square" tIns="45700">
+          <a:bodyPr spcFirstLastPara="1" wrap="square" lIns="91425" tIns="45700" rIns="91425" bIns="45700" anchor="b" anchorCtr="0">
             <a:normAutofit/>
           </a:bodyPr>
           <a:lstStyle>
@@ -6047,15 +6189,19 @@
               <a:defRPr/>
             </a:lvl9pPr>
           </a:lstStyle>
-          <a:p/>
+          <a:p>
+            <a:endParaRPr/>
+          </a:p>
         </p:txBody>
       </p:sp>
       <p:sp>
         <p:nvSpPr>
           <p:cNvPr id="47" name="Google Shape;47;p12"/>
-          <p:cNvSpPr txBox="1"/>
+          <p:cNvSpPr txBox="1">
+            <a:spLocks noGrp="1"/>
+          </p:cNvSpPr>
           <p:nvPr>
-            <p:ph idx="1" type="body"/>
+            <p:ph type="body" idx="1"/>
           </p:nvPr>
         </p:nvSpPr>
         <p:spPr>
@@ -6072,11 +6218,11 @@
           </a:ln>
         </p:spPr>
         <p:txBody>
-          <a:bodyPr anchorCtr="0" anchor="ctr" bIns="45700" lIns="91425" spcFirstLastPara="1" rIns="91425" wrap="square" tIns="45700">
+          <a:bodyPr spcFirstLastPara="1" wrap="square" lIns="91425" tIns="45700" rIns="91425" bIns="45700" anchor="ctr" anchorCtr="0">
             <a:normAutofit/>
           </a:bodyPr>
           <a:lstStyle>
-            <a:lvl1pPr indent="-228600" lvl="0" marL="457200" algn="l">
+            <a:lvl1pPr marL="457200" lvl="0" indent="-228600" algn="l">
               <a:lnSpc>
                 <a:spcPct val="90000"/>
               </a:lnSpc>
@@ -6088,13 +6234,13 @@
               </a:spcAft>
               <a:buSzPts val="2000"/>
               <a:buNone/>
-              <a:defRPr b="0" sz="2000" cap="none">
+              <a:defRPr sz="2000" b="0" cap="none">
                 <a:solidFill>
                   <a:schemeClr val="dk2"/>
                 </a:solidFill>
               </a:defRPr>
             </a:lvl1pPr>
-            <a:lvl2pPr indent="-228600" lvl="1" marL="914400" algn="l">
+            <a:lvl2pPr marL="914400" lvl="1" indent="-228600" algn="l">
               <a:lnSpc>
                 <a:spcPct val="90000"/>
               </a:lnSpc>
@@ -6106,9 +6252,9 @@
               </a:spcAft>
               <a:buSzPts val="2000"/>
               <a:buNone/>
-              <a:defRPr b="1" sz="2000"/>
+              <a:defRPr sz="2000" b="1"/>
             </a:lvl2pPr>
-            <a:lvl3pPr indent="-228600" lvl="2" marL="1371600" algn="l">
+            <a:lvl3pPr marL="1371600" lvl="2" indent="-228600" algn="l">
               <a:lnSpc>
                 <a:spcPct val="90000"/>
               </a:lnSpc>
@@ -6120,9 +6266,9 @@
               </a:spcAft>
               <a:buSzPts val="1800"/>
               <a:buNone/>
-              <a:defRPr b="1" sz="1800"/>
+              <a:defRPr sz="1800" b="1"/>
             </a:lvl3pPr>
-            <a:lvl4pPr indent="-228600" lvl="3" marL="1828800" algn="l">
+            <a:lvl4pPr marL="1828800" lvl="3" indent="-228600" algn="l">
               <a:lnSpc>
                 <a:spcPct val="90000"/>
               </a:lnSpc>
@@ -6134,9 +6280,9 @@
               </a:spcAft>
               <a:buSzPts val="1600"/>
               <a:buNone/>
-              <a:defRPr b="1" sz="1600"/>
+              <a:defRPr sz="1600" b="1"/>
             </a:lvl4pPr>
-            <a:lvl5pPr indent="-228600" lvl="4" marL="2286000" algn="l">
+            <a:lvl5pPr marL="2286000" lvl="4" indent="-228600" algn="l">
               <a:lnSpc>
                 <a:spcPct val="90000"/>
               </a:lnSpc>
@@ -6148,9 +6294,9 @@
               </a:spcAft>
               <a:buSzPts val="1600"/>
               <a:buNone/>
-              <a:defRPr b="1" sz="1600"/>
+              <a:defRPr sz="1600" b="1"/>
             </a:lvl5pPr>
-            <a:lvl6pPr indent="-228600" lvl="5" marL="2743200" algn="l">
+            <a:lvl6pPr marL="2743200" lvl="5" indent="-228600" algn="l">
               <a:lnSpc>
                 <a:spcPct val="90000"/>
               </a:lnSpc>
@@ -6162,9 +6308,9 @@
               </a:spcAft>
               <a:buSzPts val="1600"/>
               <a:buNone/>
-              <a:defRPr b="1" sz="1600"/>
+              <a:defRPr sz="1600" b="1"/>
             </a:lvl6pPr>
-            <a:lvl7pPr indent="-228600" lvl="6" marL="3200400" algn="l">
+            <a:lvl7pPr marL="3200400" lvl="6" indent="-228600" algn="l">
               <a:lnSpc>
                 <a:spcPct val="90000"/>
               </a:lnSpc>
@@ -6176,9 +6322,9 @@
               </a:spcAft>
               <a:buSzPts val="1600"/>
               <a:buNone/>
-              <a:defRPr b="1" sz="1600"/>
+              <a:defRPr sz="1600" b="1"/>
             </a:lvl7pPr>
-            <a:lvl8pPr indent="-228600" lvl="7" marL="3657600" algn="l">
+            <a:lvl8pPr marL="3657600" lvl="7" indent="-228600" algn="l">
               <a:lnSpc>
                 <a:spcPct val="90000"/>
               </a:lnSpc>
@@ -6190,9 +6336,9 @@
               </a:spcAft>
               <a:buSzPts val="1600"/>
               <a:buNone/>
-              <a:defRPr b="1" sz="1600"/>
+              <a:defRPr sz="1600" b="1"/>
             </a:lvl8pPr>
-            <a:lvl9pPr indent="-228600" lvl="8" marL="4114800" algn="l">
+            <a:lvl9pPr marL="4114800" lvl="8" indent="-228600" algn="l">
               <a:lnSpc>
                 <a:spcPct val="90000"/>
               </a:lnSpc>
@@ -6204,18 +6350,22 @@
               </a:spcAft>
               <a:buSzPts val="1600"/>
               <a:buNone/>
-              <a:defRPr b="1" sz="1600"/>
+              <a:defRPr sz="1600" b="1"/>
             </a:lvl9pPr>
           </a:lstStyle>
-          <a:p/>
+          <a:p>
+            <a:endParaRPr/>
+          </a:p>
         </p:txBody>
       </p:sp>
       <p:sp>
         <p:nvSpPr>
           <p:cNvPr id="48" name="Google Shape;48;p12"/>
-          <p:cNvSpPr txBox="1"/>
+          <p:cNvSpPr txBox="1">
+            <a:spLocks noGrp="1"/>
+          </p:cNvSpPr>
           <p:nvPr>
-            <p:ph idx="2" type="body"/>
+            <p:ph type="body" idx="2"/>
           </p:nvPr>
         </p:nvSpPr>
         <p:spPr>
@@ -6232,11 +6382,11 @@
           </a:ln>
         </p:spPr>
         <p:txBody>
-          <a:bodyPr anchorCtr="0" anchor="t" bIns="45700" lIns="0" spcFirstLastPara="1" rIns="0" wrap="square" tIns="45700">
+          <a:bodyPr spcFirstLastPara="1" wrap="square" lIns="0" tIns="45700" rIns="0" bIns="45700" anchor="t" anchorCtr="0">
             <a:normAutofit/>
           </a:bodyPr>
           <a:lstStyle>
-            <a:lvl1pPr indent="-342900" lvl="0" marL="457200" algn="l">
+            <a:lvl1pPr marL="457200" lvl="0" indent="-342900" algn="l">
               <a:lnSpc>
                 <a:spcPct val="90000"/>
               </a:lnSpc>
@@ -6250,7 +6400,7 @@
               <a:buChar char=" "/>
               <a:defRPr/>
             </a:lvl1pPr>
-            <a:lvl2pPr indent="-342900" lvl="1" marL="914400" algn="l">
+            <a:lvl2pPr marL="914400" lvl="1" indent="-342900" algn="l">
               <a:lnSpc>
                 <a:spcPct val="90000"/>
               </a:lnSpc>
@@ -6264,7 +6414,7 @@
               <a:buChar char="◦"/>
               <a:defRPr/>
             </a:lvl2pPr>
-            <a:lvl3pPr indent="-342900" lvl="2" marL="1371600" algn="l">
+            <a:lvl3pPr marL="1371600" lvl="2" indent="-342900" algn="l">
               <a:lnSpc>
                 <a:spcPct val="90000"/>
               </a:lnSpc>
@@ -6278,7 +6428,7 @@
               <a:buChar char="◦"/>
               <a:defRPr/>
             </a:lvl3pPr>
-            <a:lvl4pPr indent="-342900" lvl="3" marL="1828800" algn="l">
+            <a:lvl4pPr marL="1828800" lvl="3" indent="-342900" algn="l">
               <a:lnSpc>
                 <a:spcPct val="90000"/>
               </a:lnSpc>
@@ -6292,7 +6442,7 @@
               <a:buChar char="◦"/>
               <a:defRPr/>
             </a:lvl4pPr>
-            <a:lvl5pPr indent="-342900" lvl="4" marL="2286000" algn="l">
+            <a:lvl5pPr marL="2286000" lvl="4" indent="-342900" algn="l">
               <a:lnSpc>
                 <a:spcPct val="90000"/>
               </a:lnSpc>
@@ -6306,7 +6456,7 @@
               <a:buChar char="◦"/>
               <a:defRPr/>
             </a:lvl5pPr>
-            <a:lvl6pPr indent="-342900" lvl="5" marL="2743200" algn="l">
+            <a:lvl6pPr marL="2743200" lvl="5" indent="-342900" algn="l">
               <a:lnSpc>
                 <a:spcPct val="90000"/>
               </a:lnSpc>
@@ -6320,7 +6470,7 @@
               <a:buChar char="◦"/>
               <a:defRPr/>
             </a:lvl6pPr>
-            <a:lvl7pPr indent="-342900" lvl="6" marL="3200400" algn="l">
+            <a:lvl7pPr marL="3200400" lvl="6" indent="-342900" algn="l">
               <a:lnSpc>
                 <a:spcPct val="90000"/>
               </a:lnSpc>
@@ -6334,7 +6484,7 @@
               <a:buChar char="◦"/>
               <a:defRPr/>
             </a:lvl7pPr>
-            <a:lvl8pPr indent="-342900" lvl="7" marL="3657600" algn="l">
+            <a:lvl8pPr marL="3657600" lvl="7" indent="-342900" algn="l">
               <a:lnSpc>
                 <a:spcPct val="90000"/>
               </a:lnSpc>
@@ -6348,7 +6498,7 @@
               <a:buChar char="◦"/>
               <a:defRPr/>
             </a:lvl8pPr>
-            <a:lvl9pPr indent="-342900" lvl="8" marL="4114800" algn="l">
+            <a:lvl9pPr marL="4114800" lvl="8" indent="-342900" algn="l">
               <a:lnSpc>
                 <a:spcPct val="90000"/>
               </a:lnSpc>
@@ -6363,15 +6513,19 @@
               <a:defRPr/>
             </a:lvl9pPr>
           </a:lstStyle>
-          <a:p/>
+          <a:p>
+            <a:endParaRPr/>
+          </a:p>
         </p:txBody>
       </p:sp>
       <p:sp>
         <p:nvSpPr>
           <p:cNvPr id="49" name="Google Shape;49;p12"/>
-          <p:cNvSpPr txBox="1"/>
+          <p:cNvSpPr txBox="1">
+            <a:spLocks noGrp="1"/>
+          </p:cNvSpPr>
           <p:nvPr>
-            <p:ph idx="3" type="body"/>
+            <p:ph type="body" idx="3"/>
           </p:nvPr>
         </p:nvSpPr>
         <p:spPr>
@@ -6388,11 +6542,11 @@
           </a:ln>
         </p:spPr>
         <p:txBody>
-          <a:bodyPr anchorCtr="0" anchor="ctr" bIns="45700" lIns="91425" spcFirstLastPara="1" rIns="91425" wrap="square" tIns="45700">
+          <a:bodyPr spcFirstLastPara="1" wrap="square" lIns="91425" tIns="45700" rIns="91425" bIns="45700" anchor="ctr" anchorCtr="0">
             <a:normAutofit/>
           </a:bodyPr>
           <a:lstStyle>
-            <a:lvl1pPr indent="-228600" lvl="0" marL="457200" algn="l">
+            <a:lvl1pPr marL="457200" lvl="0" indent="-228600" algn="l">
               <a:lnSpc>
                 <a:spcPct val="90000"/>
               </a:lnSpc>
@@ -6404,13 +6558,13 @@
               </a:spcAft>
               <a:buSzPts val="2000"/>
               <a:buNone/>
-              <a:defRPr b="0" sz="2000" cap="none">
+              <a:defRPr sz="2000" b="0" cap="none">
                 <a:solidFill>
                   <a:schemeClr val="dk2"/>
                 </a:solidFill>
               </a:defRPr>
             </a:lvl1pPr>
-            <a:lvl2pPr indent="-228600" lvl="1" marL="914400" algn="l">
+            <a:lvl2pPr marL="914400" lvl="1" indent="-228600" algn="l">
               <a:lnSpc>
                 <a:spcPct val="90000"/>
               </a:lnSpc>
@@ -6422,9 +6576,9 @@
               </a:spcAft>
               <a:buSzPts val="2000"/>
               <a:buNone/>
-              <a:defRPr b="1" sz="2000"/>
+              <a:defRPr sz="2000" b="1"/>
             </a:lvl2pPr>
-            <a:lvl3pPr indent="-228600" lvl="2" marL="1371600" algn="l">
+            <a:lvl3pPr marL="1371600" lvl="2" indent="-228600" algn="l">
               <a:lnSpc>
                 <a:spcPct val="90000"/>
               </a:lnSpc>
@@ -6436,9 +6590,9 @@
               </a:spcAft>
               <a:buSzPts val="1800"/>
               <a:buNone/>
-              <a:defRPr b="1" sz="1800"/>
+              <a:defRPr sz="1800" b="1"/>
             </a:lvl3pPr>
-            <a:lvl4pPr indent="-228600" lvl="3" marL="1828800" algn="l">
+            <a:lvl4pPr marL="1828800" lvl="3" indent="-228600" algn="l">
               <a:lnSpc>
                 <a:spcPct val="90000"/>
               </a:lnSpc>
@@ -6450,9 +6604,9 @@
               </a:spcAft>
               <a:buSzPts val="1600"/>
               <a:buNone/>
-              <a:defRPr b="1" sz="1600"/>
+              <a:defRPr sz="1600" b="1"/>
             </a:lvl4pPr>
-            <a:lvl5pPr indent="-228600" lvl="4" marL="2286000" algn="l">
+            <a:lvl5pPr marL="2286000" lvl="4" indent="-228600" algn="l">
               <a:lnSpc>
                 <a:spcPct val="90000"/>
               </a:lnSpc>
@@ -6464,9 +6618,9 @@
               </a:spcAft>
               <a:buSzPts val="1600"/>
               <a:buNone/>
-              <a:defRPr b="1" sz="1600"/>
+              <a:defRPr sz="1600" b="1"/>
             </a:lvl5pPr>
-            <a:lvl6pPr indent="-228600" lvl="5" marL="2743200" algn="l">
+            <a:lvl6pPr marL="2743200" lvl="5" indent="-228600" algn="l">
               <a:lnSpc>
                 <a:spcPct val="90000"/>
               </a:lnSpc>
@@ -6478,9 +6632,9 @@
               </a:spcAft>
               <a:buSzPts val="1600"/>
               <a:buNone/>
-              <a:defRPr b="1" sz="1600"/>
+              <a:defRPr sz="1600" b="1"/>
             </a:lvl6pPr>
-            <a:lvl7pPr indent="-228600" lvl="6" marL="3200400" algn="l">
+            <a:lvl7pPr marL="3200400" lvl="6" indent="-228600" algn="l">
               <a:lnSpc>
                 <a:spcPct val="90000"/>
               </a:lnSpc>
@@ -6492,9 +6646,9 @@
               </a:spcAft>
               <a:buSzPts val="1600"/>
               <a:buNone/>
-              <a:defRPr b="1" sz="1600"/>
+              <a:defRPr sz="1600" b="1"/>
             </a:lvl7pPr>
-            <a:lvl8pPr indent="-228600" lvl="7" marL="3657600" algn="l">
+            <a:lvl8pPr marL="3657600" lvl="7" indent="-228600" algn="l">
               <a:lnSpc>
                 <a:spcPct val="90000"/>
               </a:lnSpc>
@@ -6506,9 +6660,9 @@
               </a:spcAft>
               <a:buSzPts val="1600"/>
               <a:buNone/>
-              <a:defRPr b="1" sz="1600"/>
+              <a:defRPr sz="1600" b="1"/>
             </a:lvl8pPr>
-            <a:lvl9pPr indent="-228600" lvl="8" marL="4114800" algn="l">
+            <a:lvl9pPr marL="4114800" lvl="8" indent="-228600" algn="l">
               <a:lnSpc>
                 <a:spcPct val="90000"/>
               </a:lnSpc>
@@ -6520,18 +6674,22 @@
               </a:spcAft>
               <a:buSzPts val="1600"/>
               <a:buNone/>
-              <a:defRPr b="1" sz="1600"/>
+              <a:defRPr sz="1600" b="1"/>
             </a:lvl9pPr>
           </a:lstStyle>
-          <a:p/>
+          <a:p>
+            <a:endParaRPr/>
+          </a:p>
         </p:txBody>
       </p:sp>
       <p:sp>
         <p:nvSpPr>
           <p:cNvPr id="50" name="Google Shape;50;p12"/>
-          <p:cNvSpPr txBox="1"/>
+          <p:cNvSpPr txBox="1">
+            <a:spLocks noGrp="1"/>
+          </p:cNvSpPr>
           <p:nvPr>
-            <p:ph idx="4" type="body"/>
+            <p:ph type="body" idx="4"/>
           </p:nvPr>
         </p:nvSpPr>
         <p:spPr>
@@ -6548,11 +6706,11 @@
           </a:ln>
         </p:spPr>
         <p:txBody>
-          <a:bodyPr anchorCtr="0" anchor="t" bIns="45700" lIns="0" spcFirstLastPara="1" rIns="0" wrap="square" tIns="45700">
+          <a:bodyPr spcFirstLastPara="1" wrap="square" lIns="0" tIns="45700" rIns="0" bIns="45700" anchor="t" anchorCtr="0">
             <a:normAutofit/>
           </a:bodyPr>
           <a:lstStyle>
-            <a:lvl1pPr indent="-342900" lvl="0" marL="457200" algn="l">
+            <a:lvl1pPr marL="457200" lvl="0" indent="-342900" algn="l">
               <a:lnSpc>
                 <a:spcPct val="90000"/>
               </a:lnSpc>
@@ -6566,7 +6724,7 @@
               <a:buChar char=" "/>
               <a:defRPr/>
             </a:lvl1pPr>
-            <a:lvl2pPr indent="-342900" lvl="1" marL="914400" algn="l">
+            <a:lvl2pPr marL="914400" lvl="1" indent="-342900" algn="l">
               <a:lnSpc>
                 <a:spcPct val="90000"/>
               </a:lnSpc>
@@ -6580,7 +6738,7 @@
               <a:buChar char="◦"/>
               <a:defRPr/>
             </a:lvl2pPr>
-            <a:lvl3pPr indent="-342900" lvl="2" marL="1371600" algn="l">
+            <a:lvl3pPr marL="1371600" lvl="2" indent="-342900" algn="l">
               <a:lnSpc>
                 <a:spcPct val="90000"/>
               </a:lnSpc>
@@ -6594,7 +6752,7 @@
               <a:buChar char="◦"/>
               <a:defRPr/>
             </a:lvl3pPr>
-            <a:lvl4pPr indent="-342900" lvl="3" marL="1828800" algn="l">
+            <a:lvl4pPr marL="1828800" lvl="3" indent="-342900" algn="l">
               <a:lnSpc>
                 <a:spcPct val="90000"/>
               </a:lnSpc>
@@ -6608,7 +6766,7 @@
               <a:buChar char="◦"/>
               <a:defRPr/>
             </a:lvl4pPr>
-            <a:lvl5pPr indent="-342900" lvl="4" marL="2286000" algn="l">
+            <a:lvl5pPr marL="2286000" lvl="4" indent="-342900" algn="l">
               <a:lnSpc>
                 <a:spcPct val="90000"/>
               </a:lnSpc>
@@ -6622,7 +6780,7 @@
               <a:buChar char="◦"/>
               <a:defRPr/>
             </a:lvl5pPr>
-            <a:lvl6pPr indent="-342900" lvl="5" marL="2743200" algn="l">
+            <a:lvl6pPr marL="2743200" lvl="5" indent="-342900" algn="l">
               <a:lnSpc>
                 <a:spcPct val="90000"/>
               </a:lnSpc>
@@ -6636,7 +6794,7 @@
               <a:buChar char="◦"/>
               <a:defRPr/>
             </a:lvl6pPr>
-            <a:lvl7pPr indent="-342900" lvl="6" marL="3200400" algn="l">
+            <a:lvl7pPr marL="3200400" lvl="6" indent="-342900" algn="l">
               <a:lnSpc>
                 <a:spcPct val="90000"/>
               </a:lnSpc>
@@ -6650,7 +6808,7 @@
               <a:buChar char="◦"/>
               <a:defRPr/>
             </a:lvl7pPr>
-            <a:lvl8pPr indent="-342900" lvl="7" marL="3657600" algn="l">
+            <a:lvl8pPr marL="3657600" lvl="7" indent="-342900" algn="l">
               <a:lnSpc>
                 <a:spcPct val="90000"/>
               </a:lnSpc>
@@ -6664,7 +6822,7 @@
               <a:buChar char="◦"/>
               <a:defRPr/>
             </a:lvl8pPr>
-            <a:lvl9pPr indent="-342900" lvl="8" marL="4114800" algn="l">
+            <a:lvl9pPr marL="4114800" lvl="8" indent="-342900" algn="l">
               <a:lnSpc>
                 <a:spcPct val="90000"/>
               </a:lnSpc>
@@ -6679,15 +6837,19 @@
               <a:defRPr/>
             </a:lvl9pPr>
           </a:lstStyle>
-          <a:p/>
+          <a:p>
+            <a:endParaRPr/>
+          </a:p>
         </p:txBody>
       </p:sp>
       <p:sp>
         <p:nvSpPr>
           <p:cNvPr id="51" name="Google Shape;51;p12"/>
-          <p:cNvSpPr txBox="1"/>
+          <p:cNvSpPr txBox="1">
+            <a:spLocks noGrp="1"/>
+          </p:cNvSpPr>
           <p:nvPr>
-            <p:ph idx="10" type="dt"/>
+            <p:ph type="dt" idx="10"/>
           </p:nvPr>
         </p:nvSpPr>
         <p:spPr>
@@ -6704,7 +6866,7 @@
           </a:ln>
         </p:spPr>
         <p:txBody>
-          <a:bodyPr anchorCtr="0" anchor="ctr" bIns="45700" lIns="91425" spcFirstLastPara="1" rIns="91425" wrap="square" tIns="45700">
+          <a:bodyPr spcFirstLastPara="1" wrap="square" lIns="91425" tIns="45700" rIns="91425" bIns="45700" anchor="ctr" anchorCtr="0">
             <a:noAutofit/>
           </a:bodyPr>
           <a:lstStyle>
@@ -6808,15 +6970,19 @@
               <a:defRPr/>
             </a:lvl9pPr>
           </a:lstStyle>
-          <a:p/>
+          <a:p>
+            <a:endParaRPr/>
+          </a:p>
         </p:txBody>
       </p:sp>
       <p:sp>
         <p:nvSpPr>
           <p:cNvPr id="52" name="Google Shape;52;p12"/>
-          <p:cNvSpPr txBox="1"/>
+          <p:cNvSpPr txBox="1">
+            <a:spLocks noGrp="1"/>
+          </p:cNvSpPr>
           <p:nvPr>
-            <p:ph idx="11" type="ftr"/>
+            <p:ph type="ftr" idx="11"/>
           </p:nvPr>
         </p:nvSpPr>
         <p:spPr>
@@ -6833,7 +6999,7 @@
           </a:ln>
         </p:spPr>
         <p:txBody>
-          <a:bodyPr anchorCtr="0" anchor="ctr" bIns="45700" lIns="91425" spcFirstLastPara="1" rIns="91425" wrap="square" tIns="45700">
+          <a:bodyPr spcFirstLastPara="1" wrap="square" lIns="91425" tIns="45700" rIns="91425" bIns="45700" anchor="ctr" anchorCtr="0">
             <a:noAutofit/>
           </a:bodyPr>
           <a:lstStyle>
@@ -6937,15 +7103,19 @@
               <a:defRPr/>
             </a:lvl9pPr>
           </a:lstStyle>
-          <a:p/>
+          <a:p>
+            <a:endParaRPr/>
+          </a:p>
         </p:txBody>
       </p:sp>
       <p:sp>
         <p:nvSpPr>
           <p:cNvPr id="53" name="Google Shape;53;p12"/>
-          <p:cNvSpPr txBox="1"/>
+          <p:cNvSpPr txBox="1">
+            <a:spLocks noGrp="1"/>
+          </p:cNvSpPr>
           <p:nvPr>
-            <p:ph idx="12" type="sldNum"/>
+            <p:ph type="sldNum" idx="12"/>
           </p:nvPr>
         </p:nvSpPr>
         <p:spPr>
@@ -6962,67 +7132,67 @@
           </a:ln>
         </p:spPr>
         <p:txBody>
-          <a:bodyPr anchorCtr="0" anchor="ctr" bIns="45700" lIns="91425" spcFirstLastPara="1" rIns="91425" wrap="square" tIns="45700">
+          <a:bodyPr spcFirstLastPara="1" wrap="square" lIns="91425" tIns="45700" rIns="91425" bIns="45700" anchor="ctr" anchorCtr="0">
             <a:noAutofit/>
           </a:bodyPr>
           <a:lstStyle>
-            <a:lvl1pPr indent="0" lvl="0" marL="0" algn="r">
+            <a:lvl1pPr marL="0" lvl="0" indent="0" algn="r">
               <a:spcBef>
                 <a:spcPts val="0"/>
               </a:spcBef>
               <a:buNone/>
               <a:defRPr/>
             </a:lvl1pPr>
-            <a:lvl2pPr indent="0" lvl="1" marL="0" algn="r">
+            <a:lvl2pPr marL="0" lvl="1" indent="0" algn="r">
               <a:spcBef>
                 <a:spcPts val="0"/>
               </a:spcBef>
               <a:buNone/>
               <a:defRPr/>
             </a:lvl2pPr>
-            <a:lvl3pPr indent="0" lvl="2" marL="0" algn="r">
+            <a:lvl3pPr marL="0" lvl="2" indent="0" algn="r">
               <a:spcBef>
                 <a:spcPts val="0"/>
               </a:spcBef>
               <a:buNone/>
               <a:defRPr/>
             </a:lvl3pPr>
-            <a:lvl4pPr indent="0" lvl="3" marL="0" algn="r">
+            <a:lvl4pPr marL="0" lvl="3" indent="0" algn="r">
               <a:spcBef>
                 <a:spcPts val="0"/>
               </a:spcBef>
               <a:buNone/>
               <a:defRPr/>
             </a:lvl4pPr>
-            <a:lvl5pPr indent="0" lvl="4" marL="0" algn="r">
+            <a:lvl5pPr marL="0" lvl="4" indent="0" algn="r">
               <a:spcBef>
                 <a:spcPts val="0"/>
               </a:spcBef>
               <a:buNone/>
               <a:defRPr/>
             </a:lvl5pPr>
-            <a:lvl6pPr indent="0" lvl="5" marL="0" algn="r">
+            <a:lvl6pPr marL="0" lvl="5" indent="0" algn="r">
               <a:spcBef>
                 <a:spcPts val="0"/>
               </a:spcBef>
               <a:buNone/>
               <a:defRPr/>
             </a:lvl6pPr>
-            <a:lvl7pPr indent="0" lvl="6" marL="0" algn="r">
+            <a:lvl7pPr marL="0" lvl="6" indent="0" algn="r">
               <a:spcBef>
                 <a:spcPts val="0"/>
               </a:spcBef>
               <a:buNone/>
               <a:defRPr/>
             </a:lvl7pPr>
-            <a:lvl8pPr indent="0" lvl="7" marL="0" algn="r">
+            <a:lvl8pPr marL="0" lvl="7" indent="0" algn="r">
               <a:spcBef>
                 <a:spcPts val="0"/>
               </a:spcBef>
               <a:buNone/>
               <a:defRPr/>
             </a:lvl8pPr>
-            <a:lvl9pPr indent="0" lvl="8" marL="0" algn="r">
+            <a:lvl9pPr marL="0" lvl="8" indent="0" algn="r">
               <a:spcBef>
                 <a:spcPts val="0"/>
               </a:spcBef>
@@ -7031,7 +7201,7 @@
             </a:lvl9pPr>
           </a:lstStyle>
           <a:p>
-            <a:pPr indent="0" lvl="0" marL="0" rtl="0" algn="r">
+            <a:pPr marL="0" lvl="0" indent="0" algn="r" rtl="0">
               <a:spcBef>
                 <a:spcPts val="0"/>
               </a:spcBef>
@@ -7057,11 +7227,11 @@
 </file>
 
 <file path=ppt/slideLayouts/slideLayout6.xml><?xml version="1.0" encoding="utf-8"?>
-<p:sldLayout xmlns:a="http://schemas.openxmlformats.org/drawingml/2006/main" xmlns:r="http://schemas.openxmlformats.org/officeDocument/2006/relationships" xmlns:mc="http://schemas.openxmlformats.org/markup-compatibility/2006" xmlns:mv="urn:schemas-microsoft-com:mac:vml" xmlns:p="http://schemas.openxmlformats.org/presentationml/2006/main" xmlns:c="http://schemas.openxmlformats.org/drawingml/2006/chart" xmlns:dgm="http://schemas.openxmlformats.org/drawingml/2006/diagram" xmlns:o="urn:schemas-microsoft-com:office:office" xmlns:v="urn:schemas-microsoft-com:vml" xmlns:pvml="urn:schemas-microsoft-com:office:powerpoint" xmlns:com="http://schemas.openxmlformats.org/drawingml/2006/compatibility" xmlns:p14="http://schemas.microsoft.com/office/powerpoint/2010/main" xmlns:p15="http://schemas.microsoft.com/office/powerpoint/2012/main" xmlns:ahyp="http://schemas.microsoft.com/office/drawing/2018/hyperlinkcolor" matchingName="Title Only" type="titleOnly">
+<p:sldLayout xmlns:a="http://schemas.openxmlformats.org/drawingml/2006/main" xmlns:r="http://schemas.openxmlformats.org/officeDocument/2006/relationships" xmlns:p="http://schemas.openxmlformats.org/presentationml/2006/main" matchingName="Title Only" type="titleOnly">
   <p:cSld name="TITLE_ONLY">
     <p:spTree>
       <p:nvGrpSpPr>
-        <p:cNvPr id="54" name="Shape 54"/>
+        <p:cNvPr id="1" name="Shape 54"/>
         <p:cNvGrpSpPr/>
         <p:nvPr/>
       </p:nvGrpSpPr>
@@ -7076,7 +7246,9 @@
       <p:sp>
         <p:nvSpPr>
           <p:cNvPr id="55" name="Google Shape;55;p13"/>
-          <p:cNvSpPr txBox="1"/>
+          <p:cNvSpPr txBox="1">
+            <a:spLocks noGrp="1"/>
+          </p:cNvSpPr>
           <p:nvPr>
             <p:ph type="title"/>
           </p:nvPr>
@@ -7095,7 +7267,7 @@
           </a:ln>
         </p:spPr>
         <p:txBody>
-          <a:bodyPr anchorCtr="0" anchor="b" bIns="45700" lIns="91425" spcFirstLastPara="1" rIns="91425" wrap="square" tIns="45700">
+          <a:bodyPr spcFirstLastPara="1" wrap="square" lIns="91425" tIns="45700" rIns="91425" bIns="45700" anchor="b" anchorCtr="0">
             <a:normAutofit/>
           </a:bodyPr>
           <a:lstStyle>
@@ -7205,15 +7377,19 @@
               <a:defRPr/>
             </a:lvl9pPr>
           </a:lstStyle>
-          <a:p/>
+          <a:p>
+            <a:endParaRPr/>
+          </a:p>
         </p:txBody>
       </p:sp>
       <p:sp>
         <p:nvSpPr>
           <p:cNvPr id="56" name="Google Shape;56;p13"/>
-          <p:cNvSpPr txBox="1"/>
+          <p:cNvSpPr txBox="1">
+            <a:spLocks noGrp="1"/>
+          </p:cNvSpPr>
           <p:nvPr>
-            <p:ph idx="10" type="dt"/>
+            <p:ph type="dt" idx="10"/>
           </p:nvPr>
         </p:nvSpPr>
         <p:spPr>
@@ -7230,7 +7406,7 @@
           </a:ln>
         </p:spPr>
         <p:txBody>
-          <a:bodyPr anchorCtr="0" anchor="ctr" bIns="45700" lIns="91425" spcFirstLastPara="1" rIns="91425" wrap="square" tIns="45700">
+          <a:bodyPr spcFirstLastPara="1" wrap="square" lIns="91425" tIns="45700" rIns="91425" bIns="45700" anchor="ctr" anchorCtr="0">
             <a:noAutofit/>
           </a:bodyPr>
           <a:lstStyle>
@@ -7334,15 +7510,19 @@
               <a:defRPr/>
             </a:lvl9pPr>
           </a:lstStyle>
-          <a:p/>
+          <a:p>
+            <a:endParaRPr/>
+          </a:p>
         </p:txBody>
       </p:sp>
       <p:sp>
         <p:nvSpPr>
           <p:cNvPr id="57" name="Google Shape;57;p13"/>
-          <p:cNvSpPr txBox="1"/>
+          <p:cNvSpPr txBox="1">
+            <a:spLocks noGrp="1"/>
+          </p:cNvSpPr>
           <p:nvPr>
-            <p:ph idx="11" type="ftr"/>
+            <p:ph type="ftr" idx="11"/>
           </p:nvPr>
         </p:nvSpPr>
         <p:spPr>
@@ -7359,7 +7539,7 @@
           </a:ln>
         </p:spPr>
         <p:txBody>
-          <a:bodyPr anchorCtr="0" anchor="ctr" bIns="45700" lIns="91425" spcFirstLastPara="1" rIns="91425" wrap="square" tIns="45700">
+          <a:bodyPr spcFirstLastPara="1" wrap="square" lIns="91425" tIns="45700" rIns="91425" bIns="45700" anchor="ctr" anchorCtr="0">
             <a:noAutofit/>
           </a:bodyPr>
           <a:lstStyle>
@@ -7463,15 +7643,19 @@
               <a:defRPr/>
             </a:lvl9pPr>
           </a:lstStyle>
-          <a:p/>
+          <a:p>
+            <a:endParaRPr/>
+          </a:p>
         </p:txBody>
       </p:sp>
       <p:sp>
         <p:nvSpPr>
           <p:cNvPr id="58" name="Google Shape;58;p13"/>
-          <p:cNvSpPr txBox="1"/>
+          <p:cNvSpPr txBox="1">
+            <a:spLocks noGrp="1"/>
+          </p:cNvSpPr>
           <p:nvPr>
-            <p:ph idx="12" type="sldNum"/>
+            <p:ph type="sldNum" idx="12"/>
           </p:nvPr>
         </p:nvSpPr>
         <p:spPr>
@@ -7488,67 +7672,67 @@
           </a:ln>
         </p:spPr>
         <p:txBody>
-          <a:bodyPr anchorCtr="0" anchor="ctr" bIns="45700" lIns="91425" spcFirstLastPara="1" rIns="91425" wrap="square" tIns="45700">
+          <a:bodyPr spcFirstLastPara="1" wrap="square" lIns="91425" tIns="45700" rIns="91425" bIns="45700" anchor="ctr" anchorCtr="0">
             <a:noAutofit/>
           </a:bodyPr>
           <a:lstStyle>
-            <a:lvl1pPr indent="0" lvl="0" marL="0" algn="r">
+            <a:lvl1pPr marL="0" lvl="0" indent="0" algn="r">
               <a:spcBef>
                 <a:spcPts val="0"/>
               </a:spcBef>
               <a:buNone/>
               <a:defRPr/>
             </a:lvl1pPr>
-            <a:lvl2pPr indent="0" lvl="1" marL="0" algn="r">
+            <a:lvl2pPr marL="0" lvl="1" indent="0" algn="r">
               <a:spcBef>
                 <a:spcPts val="0"/>
               </a:spcBef>
               <a:buNone/>
               <a:defRPr/>
             </a:lvl2pPr>
-            <a:lvl3pPr indent="0" lvl="2" marL="0" algn="r">
+            <a:lvl3pPr marL="0" lvl="2" indent="0" algn="r">
               <a:spcBef>
                 <a:spcPts val="0"/>
               </a:spcBef>
               <a:buNone/>
               <a:defRPr/>
             </a:lvl3pPr>
-            <a:lvl4pPr indent="0" lvl="3" marL="0" algn="r">
+            <a:lvl4pPr marL="0" lvl="3" indent="0" algn="r">
               <a:spcBef>
                 <a:spcPts val="0"/>
               </a:spcBef>
               <a:buNone/>
               <a:defRPr/>
             </a:lvl4pPr>
-            <a:lvl5pPr indent="0" lvl="4" marL="0" algn="r">
+            <a:lvl5pPr marL="0" lvl="4" indent="0" algn="r">
               <a:spcBef>
                 <a:spcPts val="0"/>
               </a:spcBef>
               <a:buNone/>
               <a:defRPr/>
             </a:lvl5pPr>
-            <a:lvl6pPr indent="0" lvl="5" marL="0" algn="r">
+            <a:lvl6pPr marL="0" lvl="5" indent="0" algn="r">
               <a:spcBef>
                 <a:spcPts val="0"/>
               </a:spcBef>
               <a:buNone/>
               <a:defRPr/>
             </a:lvl6pPr>
-            <a:lvl7pPr indent="0" lvl="6" marL="0" algn="r">
+            <a:lvl7pPr marL="0" lvl="6" indent="0" algn="r">
               <a:spcBef>
                 <a:spcPts val="0"/>
               </a:spcBef>
               <a:buNone/>
               <a:defRPr/>
             </a:lvl7pPr>
-            <a:lvl8pPr indent="0" lvl="7" marL="0" algn="r">
+            <a:lvl8pPr marL="0" lvl="7" indent="0" algn="r">
               <a:spcBef>
                 <a:spcPts val="0"/>
               </a:spcBef>
               <a:buNone/>
               <a:defRPr/>
             </a:lvl8pPr>
-            <a:lvl9pPr indent="0" lvl="8" marL="0" algn="r">
+            <a:lvl9pPr marL="0" lvl="8" indent="0" algn="r">
               <a:spcBef>
                 <a:spcPts val="0"/>
               </a:spcBef>
@@ -7557,7 +7741,7 @@
             </a:lvl9pPr>
           </a:lstStyle>
           <a:p>
-            <a:pPr indent="0" lvl="0" marL="0" rtl="0" algn="r">
+            <a:pPr marL="0" lvl="0" indent="0" algn="r" rtl="0">
               <a:spcBef>
                 <a:spcPts val="0"/>
               </a:spcBef>
@@ -7583,11 +7767,11 @@
 </file>
 
 <file path=ppt/slideLayouts/slideLayout7.xml><?xml version="1.0" encoding="utf-8"?>
-<p:sldLayout xmlns:a="http://schemas.openxmlformats.org/drawingml/2006/main" xmlns:r="http://schemas.openxmlformats.org/officeDocument/2006/relationships" xmlns:mc="http://schemas.openxmlformats.org/markup-compatibility/2006" xmlns:mv="urn:schemas-microsoft-com:mac:vml" xmlns:p="http://schemas.openxmlformats.org/presentationml/2006/main" xmlns:c="http://schemas.openxmlformats.org/drawingml/2006/chart" xmlns:dgm="http://schemas.openxmlformats.org/drawingml/2006/diagram" xmlns:o="urn:schemas-microsoft-com:office:office" xmlns:v="urn:schemas-microsoft-com:vml" xmlns:pvml="urn:schemas-microsoft-com:office:powerpoint" xmlns:com="http://schemas.openxmlformats.org/drawingml/2006/compatibility" xmlns:p14="http://schemas.microsoft.com/office/powerpoint/2010/main" xmlns:p15="http://schemas.microsoft.com/office/powerpoint/2012/main" xmlns:ahyp="http://schemas.microsoft.com/office/drawing/2018/hyperlinkcolor" matchingName="Blank" showMasterSp="0" type="blank">
+<p:sldLayout xmlns:a="http://schemas.openxmlformats.org/drawingml/2006/main" xmlns:r="http://schemas.openxmlformats.org/officeDocument/2006/relationships" xmlns:p="http://schemas.openxmlformats.org/presentationml/2006/main" showMasterSp="0" matchingName="Blank" type="blank">
   <p:cSld name="BLANK">
     <p:spTree>
       <p:nvGrpSpPr>
-        <p:cNvPr id="59" name="Shape 59"/>
+        <p:cNvPr id="1" name="Shape 59"/>
         <p:cNvGrpSpPr/>
         <p:nvPr/>
       </p:nvGrpSpPr>
@@ -7621,12 +7805,12 @@
           </a:ln>
         </p:spPr>
         <p:txBody>
-          <a:bodyPr anchorCtr="0" anchor="ctr" bIns="91425" lIns="91425" spcFirstLastPara="1" rIns="91425" wrap="square" tIns="91425">
+          <a:bodyPr spcFirstLastPara="1" wrap="square" lIns="91425" tIns="91425" rIns="91425" bIns="91425" anchor="ctr" anchorCtr="0">
             <a:noAutofit/>
           </a:bodyPr>
           <a:lstStyle/>
           <a:p>
-            <a:pPr indent="0" lvl="0" marL="0" rtl="0" algn="l">
+            <a:pPr marL="0" lvl="0" indent="0" algn="l" rtl="0">
               <a:spcBef>
                 <a:spcPts val="0"/>
               </a:spcBef>
@@ -7635,9 +7819,6 @@
               </a:spcAft>
               <a:buNone/>
             </a:pPr>
-            <a:r>
-              <a:t/>
-            </a:r>
             <a:endParaRPr/>
           </a:p>
         </p:txBody>
@@ -7664,12 +7845,12 @@
           </a:ln>
         </p:spPr>
         <p:txBody>
-          <a:bodyPr anchorCtr="0" anchor="ctr" bIns="91425" lIns="91425" spcFirstLastPara="1" rIns="91425" wrap="square" tIns="91425">
+          <a:bodyPr spcFirstLastPara="1" wrap="square" lIns="91425" tIns="91425" rIns="91425" bIns="91425" anchor="ctr" anchorCtr="0">
             <a:noAutofit/>
           </a:bodyPr>
           <a:lstStyle/>
           <a:p>
-            <a:pPr indent="0" lvl="0" marL="0" rtl="0" algn="l">
+            <a:pPr marL="0" lvl="0" indent="0" algn="l" rtl="0">
               <a:spcBef>
                 <a:spcPts val="0"/>
               </a:spcBef>
@@ -7678,9 +7859,6 @@
               </a:spcAft>
               <a:buNone/>
             </a:pPr>
-            <a:r>
-              <a:t/>
-            </a:r>
             <a:endParaRPr/>
           </a:p>
         </p:txBody>
@@ -7688,9 +7866,11 @@
       <p:sp>
         <p:nvSpPr>
           <p:cNvPr id="62" name="Google Shape;62;p14"/>
-          <p:cNvSpPr txBox="1"/>
+          <p:cNvSpPr txBox="1">
+            <a:spLocks noGrp="1"/>
+          </p:cNvSpPr>
           <p:nvPr>
-            <p:ph idx="10" type="dt"/>
+            <p:ph type="dt" idx="10"/>
           </p:nvPr>
         </p:nvSpPr>
         <p:spPr>
@@ -7707,7 +7887,7 @@
           </a:ln>
         </p:spPr>
         <p:txBody>
-          <a:bodyPr anchorCtr="0" anchor="ctr" bIns="45700" lIns="91425" spcFirstLastPara="1" rIns="91425" wrap="square" tIns="45700">
+          <a:bodyPr spcFirstLastPara="1" wrap="square" lIns="91425" tIns="45700" rIns="91425" bIns="45700" anchor="ctr" anchorCtr="0">
             <a:noAutofit/>
           </a:bodyPr>
           <a:lstStyle>
@@ -7811,15 +7991,19 @@
               <a:defRPr/>
             </a:lvl9pPr>
           </a:lstStyle>
-          <a:p/>
+          <a:p>
+            <a:endParaRPr/>
+          </a:p>
         </p:txBody>
       </p:sp>
       <p:sp>
         <p:nvSpPr>
           <p:cNvPr id="63" name="Google Shape;63;p14"/>
-          <p:cNvSpPr txBox="1"/>
+          <p:cNvSpPr txBox="1">
+            <a:spLocks noGrp="1"/>
+          </p:cNvSpPr>
           <p:nvPr>
-            <p:ph idx="11" type="ftr"/>
+            <p:ph type="ftr" idx="11"/>
           </p:nvPr>
         </p:nvSpPr>
         <p:spPr>
@@ -7836,7 +8020,7 @@
           </a:ln>
         </p:spPr>
         <p:txBody>
-          <a:bodyPr anchorCtr="0" anchor="ctr" bIns="45700" lIns="91425" spcFirstLastPara="1" rIns="91425" wrap="square" tIns="45700">
+          <a:bodyPr spcFirstLastPara="1" wrap="square" lIns="91425" tIns="45700" rIns="91425" bIns="45700" anchor="ctr" anchorCtr="0">
             <a:noAutofit/>
           </a:bodyPr>
           <a:lstStyle>
@@ -7944,15 +8128,19 @@
               <a:defRPr/>
             </a:lvl9pPr>
           </a:lstStyle>
-          <a:p/>
+          <a:p>
+            <a:endParaRPr/>
+          </a:p>
         </p:txBody>
       </p:sp>
       <p:sp>
         <p:nvSpPr>
           <p:cNvPr id="64" name="Google Shape;64;p14"/>
-          <p:cNvSpPr txBox="1"/>
+          <p:cNvSpPr txBox="1">
+            <a:spLocks noGrp="1"/>
+          </p:cNvSpPr>
           <p:nvPr>
-            <p:ph idx="12" type="sldNum"/>
+            <p:ph type="sldNum" idx="12"/>
           </p:nvPr>
         </p:nvSpPr>
         <p:spPr>
@@ -7969,67 +8157,67 @@
           </a:ln>
         </p:spPr>
         <p:txBody>
-          <a:bodyPr anchorCtr="0" anchor="ctr" bIns="45700" lIns="91425" spcFirstLastPara="1" rIns="91425" wrap="square" tIns="45700">
+          <a:bodyPr spcFirstLastPara="1" wrap="square" lIns="91425" tIns="45700" rIns="91425" bIns="45700" anchor="ctr" anchorCtr="0">
             <a:noAutofit/>
           </a:bodyPr>
           <a:lstStyle>
-            <a:lvl1pPr indent="0" lvl="0" marL="0" algn="r">
+            <a:lvl1pPr marL="0" lvl="0" indent="0" algn="r">
               <a:spcBef>
                 <a:spcPts val="0"/>
               </a:spcBef>
               <a:buNone/>
               <a:defRPr/>
             </a:lvl1pPr>
-            <a:lvl2pPr indent="0" lvl="1" marL="0" algn="r">
+            <a:lvl2pPr marL="0" lvl="1" indent="0" algn="r">
               <a:spcBef>
                 <a:spcPts val="0"/>
               </a:spcBef>
               <a:buNone/>
               <a:defRPr/>
             </a:lvl2pPr>
-            <a:lvl3pPr indent="0" lvl="2" marL="0" algn="r">
+            <a:lvl3pPr marL="0" lvl="2" indent="0" algn="r">
               <a:spcBef>
                 <a:spcPts val="0"/>
               </a:spcBef>
               <a:buNone/>
               <a:defRPr/>
             </a:lvl3pPr>
-            <a:lvl4pPr indent="0" lvl="3" marL="0" algn="r">
+            <a:lvl4pPr marL="0" lvl="3" indent="0" algn="r">
               <a:spcBef>
                 <a:spcPts val="0"/>
               </a:spcBef>
               <a:buNone/>
               <a:defRPr/>
             </a:lvl4pPr>
-            <a:lvl5pPr indent="0" lvl="4" marL="0" algn="r">
+            <a:lvl5pPr marL="0" lvl="4" indent="0" algn="r">
               <a:spcBef>
                 <a:spcPts val="0"/>
               </a:spcBef>
               <a:buNone/>
               <a:defRPr/>
             </a:lvl5pPr>
-            <a:lvl6pPr indent="0" lvl="5" marL="0" algn="r">
+            <a:lvl6pPr marL="0" lvl="5" indent="0" algn="r">
               <a:spcBef>
                 <a:spcPts val="0"/>
               </a:spcBef>
               <a:buNone/>
               <a:defRPr/>
             </a:lvl6pPr>
-            <a:lvl7pPr indent="0" lvl="6" marL="0" algn="r">
+            <a:lvl7pPr marL="0" lvl="6" indent="0" algn="r">
               <a:spcBef>
                 <a:spcPts val="0"/>
               </a:spcBef>
               <a:buNone/>
               <a:defRPr/>
             </a:lvl7pPr>
-            <a:lvl8pPr indent="0" lvl="7" marL="0" algn="r">
+            <a:lvl8pPr marL="0" lvl="7" indent="0" algn="r">
               <a:spcBef>
                 <a:spcPts val="0"/>
               </a:spcBef>
               <a:buNone/>
               <a:defRPr/>
             </a:lvl8pPr>
-            <a:lvl9pPr indent="0" lvl="8" marL="0" algn="r">
+            <a:lvl9pPr marL="0" lvl="8" indent="0" algn="r">
               <a:spcBef>
                 <a:spcPts val="0"/>
               </a:spcBef>
@@ -8038,7 +8226,7 @@
             </a:lvl9pPr>
           </a:lstStyle>
           <a:p>
-            <a:pPr indent="0" lvl="0" marL="0" rtl="0" algn="r">
+            <a:pPr marL="0" lvl="0" indent="0" algn="r" rtl="0">
               <a:spcBef>
                 <a:spcPts val="0"/>
               </a:spcBef>
@@ -8064,11 +8252,11 @@
 </file>
 
 <file path=ppt/slideLayouts/slideLayout8.xml><?xml version="1.0" encoding="utf-8"?>
-<p:sldLayout xmlns:a="http://schemas.openxmlformats.org/drawingml/2006/main" xmlns:r="http://schemas.openxmlformats.org/officeDocument/2006/relationships" xmlns:mc="http://schemas.openxmlformats.org/markup-compatibility/2006" xmlns:mv="urn:schemas-microsoft-com:mac:vml" xmlns:p="http://schemas.openxmlformats.org/presentationml/2006/main" xmlns:c="http://schemas.openxmlformats.org/drawingml/2006/chart" xmlns:dgm="http://schemas.openxmlformats.org/drawingml/2006/diagram" xmlns:o="urn:schemas-microsoft-com:office:office" xmlns:v="urn:schemas-microsoft-com:vml" xmlns:pvml="urn:schemas-microsoft-com:office:powerpoint" xmlns:com="http://schemas.openxmlformats.org/drawingml/2006/compatibility" xmlns:p14="http://schemas.microsoft.com/office/powerpoint/2010/main" xmlns:p15="http://schemas.microsoft.com/office/powerpoint/2012/main" xmlns:ahyp="http://schemas.microsoft.com/office/drawing/2018/hyperlinkcolor" matchingName="Content with Caption" showMasterSp="0" type="objTx">
+<p:sldLayout xmlns:a="http://schemas.openxmlformats.org/drawingml/2006/main" xmlns:r="http://schemas.openxmlformats.org/officeDocument/2006/relationships" xmlns:p="http://schemas.openxmlformats.org/presentationml/2006/main" showMasterSp="0" matchingName="Content with Caption" type="objTx">
   <p:cSld name="OBJECT_WITH_CAPTION_TEXT">
     <p:spTree>
       <p:nvGrpSpPr>
-        <p:cNvPr id="65" name="Shape 65"/>
+        <p:cNvPr id="1" name="Shape 65"/>
         <p:cNvGrpSpPr/>
         <p:nvPr/>
       </p:nvGrpSpPr>
@@ -8102,12 +8290,12 @@
           </a:ln>
         </p:spPr>
         <p:txBody>
-          <a:bodyPr anchorCtr="0" anchor="ctr" bIns="91425" lIns="91425" spcFirstLastPara="1" rIns="91425" wrap="square" tIns="91425">
+          <a:bodyPr spcFirstLastPara="1" wrap="square" lIns="91425" tIns="91425" rIns="91425" bIns="91425" anchor="ctr" anchorCtr="0">
             <a:noAutofit/>
           </a:bodyPr>
           <a:lstStyle/>
           <a:p>
-            <a:pPr indent="0" lvl="0" marL="0" rtl="0" algn="l">
+            <a:pPr marL="0" lvl="0" indent="0" algn="l" rtl="0">
               <a:spcBef>
                 <a:spcPts val="0"/>
               </a:spcBef>
@@ -8116,9 +8304,6 @@
               </a:spcAft>
               <a:buNone/>
             </a:pPr>
-            <a:r>
-              <a:t/>
-            </a:r>
             <a:endParaRPr/>
           </a:p>
         </p:txBody>
@@ -8145,12 +8330,12 @@
           </a:ln>
         </p:spPr>
         <p:txBody>
-          <a:bodyPr anchorCtr="0" anchor="ctr" bIns="91425" lIns="91425" spcFirstLastPara="1" rIns="91425" wrap="square" tIns="91425">
+          <a:bodyPr spcFirstLastPara="1" wrap="square" lIns="91425" tIns="91425" rIns="91425" bIns="91425" anchor="ctr" anchorCtr="0">
             <a:noAutofit/>
           </a:bodyPr>
           <a:lstStyle/>
           <a:p>
-            <a:pPr indent="0" lvl="0" marL="0" rtl="0" algn="l">
+            <a:pPr marL="0" lvl="0" indent="0" algn="l" rtl="0">
               <a:spcBef>
                 <a:spcPts val="0"/>
               </a:spcBef>
@@ -8159,9 +8344,6 @@
               </a:spcAft>
               <a:buNone/>
             </a:pPr>
-            <a:r>
-              <a:t/>
-            </a:r>
             <a:endParaRPr/>
           </a:p>
         </p:txBody>
@@ -8169,7 +8351,9 @@
       <p:sp>
         <p:nvSpPr>
           <p:cNvPr id="68" name="Google Shape;68;p15"/>
-          <p:cNvSpPr txBox="1"/>
+          <p:cNvSpPr txBox="1">
+            <a:spLocks noGrp="1"/>
+          </p:cNvSpPr>
           <p:nvPr>
             <p:ph type="title"/>
           </p:nvPr>
@@ -8188,7 +8372,7 @@
           </a:ln>
         </p:spPr>
         <p:txBody>
-          <a:bodyPr anchorCtr="0" anchor="b" bIns="45700" lIns="91425" spcFirstLastPara="1" rIns="91425" wrap="square" tIns="45700">
+          <a:bodyPr spcFirstLastPara="1" wrap="square" lIns="91425" tIns="45700" rIns="91425" bIns="45700" anchor="b" anchorCtr="0">
             <a:normAutofit/>
           </a:bodyPr>
           <a:lstStyle>
@@ -8208,7 +8392,7 @@
               <a:buSzPts val="3600"/>
               <a:buFont typeface="Calibri"/>
               <a:buNone/>
-              <a:defRPr b="0" sz="3600">
+              <a:defRPr sz="3600" b="0">
                 <a:solidFill>
                   <a:srgbClr val="FFFFFF"/>
                 </a:solidFill>
@@ -8303,15 +8487,19 @@
               <a:defRPr/>
             </a:lvl9pPr>
           </a:lstStyle>
-          <a:p/>
+          <a:p>
+            <a:endParaRPr/>
+          </a:p>
         </p:txBody>
       </p:sp>
       <p:sp>
         <p:nvSpPr>
           <p:cNvPr id="69" name="Google Shape;69;p15"/>
-          <p:cNvSpPr txBox="1"/>
+          <p:cNvSpPr txBox="1">
+            <a:spLocks noGrp="1"/>
+          </p:cNvSpPr>
           <p:nvPr>
-            <p:ph idx="1" type="body"/>
+            <p:ph type="body" idx="1"/>
           </p:nvPr>
         </p:nvSpPr>
         <p:spPr>
@@ -8328,11 +8516,11 @@
           </a:ln>
         </p:spPr>
         <p:txBody>
-          <a:bodyPr anchorCtr="0" anchor="t" bIns="45700" lIns="0" spcFirstLastPara="1" rIns="0" wrap="square" tIns="45700">
+          <a:bodyPr spcFirstLastPara="1" wrap="square" lIns="0" tIns="45700" rIns="0" bIns="45700" anchor="t" anchorCtr="0">
             <a:normAutofit/>
           </a:bodyPr>
           <a:lstStyle>
-            <a:lvl1pPr indent="-342900" lvl="0" marL="457200" algn="l">
+            <a:lvl1pPr marL="457200" lvl="0" indent="-342900" algn="l">
               <a:lnSpc>
                 <a:spcPct val="90000"/>
               </a:lnSpc>
@@ -8346,7 +8534,7 @@
               <a:buChar char=" "/>
               <a:defRPr/>
             </a:lvl1pPr>
-            <a:lvl2pPr indent="-342900" lvl="1" marL="914400" algn="l">
+            <a:lvl2pPr marL="914400" lvl="1" indent="-342900" algn="l">
               <a:lnSpc>
                 <a:spcPct val="90000"/>
               </a:lnSpc>
@@ -8360,7 +8548,7 @@
               <a:buChar char="◦"/>
               <a:defRPr/>
             </a:lvl2pPr>
-            <a:lvl3pPr indent="-342900" lvl="2" marL="1371600" algn="l">
+            <a:lvl3pPr marL="1371600" lvl="2" indent="-342900" algn="l">
               <a:lnSpc>
                 <a:spcPct val="90000"/>
               </a:lnSpc>
@@ -8374,7 +8562,7 @@
               <a:buChar char="◦"/>
               <a:defRPr/>
             </a:lvl3pPr>
-            <a:lvl4pPr indent="-342900" lvl="3" marL="1828800" algn="l">
+            <a:lvl4pPr marL="1828800" lvl="3" indent="-342900" algn="l">
               <a:lnSpc>
                 <a:spcPct val="90000"/>
               </a:lnSpc>
@@ -8388,7 +8576,7 @@
               <a:buChar char="◦"/>
               <a:defRPr/>
             </a:lvl4pPr>
-            <a:lvl5pPr indent="-342900" lvl="4" marL="2286000" algn="l">
+            <a:lvl5pPr marL="2286000" lvl="4" indent="-342900" algn="l">
               <a:lnSpc>
                 <a:spcPct val="90000"/>
               </a:lnSpc>
@@ -8402,7 +8590,7 @@
               <a:buChar char="◦"/>
               <a:defRPr/>
             </a:lvl5pPr>
-            <a:lvl6pPr indent="-342900" lvl="5" marL="2743200" algn="l">
+            <a:lvl6pPr marL="2743200" lvl="5" indent="-342900" algn="l">
               <a:lnSpc>
                 <a:spcPct val="90000"/>
               </a:lnSpc>
@@ -8416,7 +8604,7 @@
               <a:buChar char="◦"/>
               <a:defRPr/>
             </a:lvl6pPr>
-            <a:lvl7pPr indent="-342900" lvl="6" marL="3200400" algn="l">
+            <a:lvl7pPr marL="3200400" lvl="6" indent="-342900" algn="l">
               <a:lnSpc>
                 <a:spcPct val="90000"/>
               </a:lnSpc>
@@ -8430,7 +8618,7 @@
               <a:buChar char="◦"/>
               <a:defRPr/>
             </a:lvl7pPr>
-            <a:lvl8pPr indent="-342900" lvl="7" marL="3657600" algn="l">
+            <a:lvl8pPr marL="3657600" lvl="7" indent="-342900" algn="l">
               <a:lnSpc>
                 <a:spcPct val="90000"/>
               </a:lnSpc>
@@ -8444,7 +8632,7 @@
               <a:buChar char="◦"/>
               <a:defRPr/>
             </a:lvl8pPr>
-            <a:lvl9pPr indent="-342900" lvl="8" marL="4114800" algn="l">
+            <a:lvl9pPr marL="4114800" lvl="8" indent="-342900" algn="l">
               <a:lnSpc>
                 <a:spcPct val="90000"/>
               </a:lnSpc>
@@ -8459,15 +8647,19 @@
               <a:defRPr/>
             </a:lvl9pPr>
           </a:lstStyle>
-          <a:p/>
+          <a:p>
+            <a:endParaRPr/>
+          </a:p>
         </p:txBody>
       </p:sp>
       <p:sp>
         <p:nvSpPr>
           <p:cNvPr id="70" name="Google Shape;70;p15"/>
-          <p:cNvSpPr txBox="1"/>
+          <p:cNvSpPr txBox="1">
+            <a:spLocks noGrp="1"/>
+          </p:cNvSpPr>
           <p:nvPr>
-            <p:ph idx="2" type="body"/>
+            <p:ph type="body" idx="2"/>
           </p:nvPr>
         </p:nvSpPr>
         <p:spPr>
@@ -8484,11 +8676,11 @@
           </a:ln>
         </p:spPr>
         <p:txBody>
-          <a:bodyPr anchorCtr="0" anchor="t" bIns="45700" lIns="91425" spcFirstLastPara="1" rIns="91425" wrap="square" tIns="45700">
+          <a:bodyPr spcFirstLastPara="1" wrap="square" lIns="91425" tIns="45700" rIns="91425" bIns="45700" anchor="t" anchorCtr="0">
             <a:normAutofit/>
           </a:bodyPr>
           <a:lstStyle>
-            <a:lvl1pPr indent="-228600" lvl="0" marL="457200" algn="l">
+            <a:lvl1pPr marL="457200" lvl="0" indent="-228600" algn="l">
               <a:lnSpc>
                 <a:spcPct val="90000"/>
               </a:lnSpc>
@@ -8506,7 +8698,7 @@
                 </a:solidFill>
               </a:defRPr>
             </a:lvl1pPr>
-            <a:lvl2pPr indent="-228600" lvl="1" marL="914400" algn="l">
+            <a:lvl2pPr marL="914400" lvl="1" indent="-228600" algn="l">
               <a:lnSpc>
                 <a:spcPct val="90000"/>
               </a:lnSpc>
@@ -8520,7 +8712,7 @@
               <a:buNone/>
               <a:defRPr sz="1200"/>
             </a:lvl2pPr>
-            <a:lvl3pPr indent="-228600" lvl="2" marL="1371600" algn="l">
+            <a:lvl3pPr marL="1371600" lvl="2" indent="-228600" algn="l">
               <a:lnSpc>
                 <a:spcPct val="90000"/>
               </a:lnSpc>
@@ -8534,7 +8726,7 @@
               <a:buNone/>
               <a:defRPr sz="1000"/>
             </a:lvl3pPr>
-            <a:lvl4pPr indent="-228600" lvl="3" marL="1828800" algn="l">
+            <a:lvl4pPr marL="1828800" lvl="3" indent="-228600" algn="l">
               <a:lnSpc>
                 <a:spcPct val="90000"/>
               </a:lnSpc>
@@ -8548,7 +8740,7 @@
               <a:buNone/>
               <a:defRPr sz="900"/>
             </a:lvl4pPr>
-            <a:lvl5pPr indent="-228600" lvl="4" marL="2286000" algn="l">
+            <a:lvl5pPr marL="2286000" lvl="4" indent="-228600" algn="l">
               <a:lnSpc>
                 <a:spcPct val="90000"/>
               </a:lnSpc>
@@ -8562,7 +8754,7 @@
               <a:buNone/>
               <a:defRPr sz="900"/>
             </a:lvl5pPr>
-            <a:lvl6pPr indent="-228600" lvl="5" marL="2743200" algn="l">
+            <a:lvl6pPr marL="2743200" lvl="5" indent="-228600" algn="l">
               <a:lnSpc>
                 <a:spcPct val="90000"/>
               </a:lnSpc>
@@ -8576,7 +8768,7 @@
               <a:buNone/>
               <a:defRPr sz="900"/>
             </a:lvl6pPr>
-            <a:lvl7pPr indent="-228600" lvl="6" marL="3200400" algn="l">
+            <a:lvl7pPr marL="3200400" lvl="6" indent="-228600" algn="l">
               <a:lnSpc>
                 <a:spcPct val="90000"/>
               </a:lnSpc>
@@ -8590,7 +8782,7 @@
               <a:buNone/>
               <a:defRPr sz="900"/>
             </a:lvl7pPr>
-            <a:lvl8pPr indent="-228600" lvl="7" marL="3657600" algn="l">
+            <a:lvl8pPr marL="3657600" lvl="7" indent="-228600" algn="l">
               <a:lnSpc>
                 <a:spcPct val="90000"/>
               </a:lnSpc>
@@ -8604,7 +8796,7 @@
               <a:buNone/>
               <a:defRPr sz="900"/>
             </a:lvl8pPr>
-            <a:lvl9pPr indent="-228600" lvl="8" marL="4114800" algn="l">
+            <a:lvl9pPr marL="4114800" lvl="8" indent="-228600" algn="l">
               <a:lnSpc>
                 <a:spcPct val="90000"/>
               </a:lnSpc>
@@ -8619,15 +8811,19 @@
               <a:defRPr sz="900"/>
             </a:lvl9pPr>
           </a:lstStyle>
-          <a:p/>
+          <a:p>
+            <a:endParaRPr/>
+          </a:p>
         </p:txBody>
       </p:sp>
       <p:sp>
         <p:nvSpPr>
           <p:cNvPr id="71" name="Google Shape;71;p15"/>
-          <p:cNvSpPr txBox="1"/>
+          <p:cNvSpPr txBox="1">
+            <a:spLocks noGrp="1"/>
+          </p:cNvSpPr>
           <p:nvPr>
-            <p:ph idx="10" type="dt"/>
+            <p:ph type="dt" idx="10"/>
           </p:nvPr>
         </p:nvSpPr>
         <p:spPr>
@@ -8644,7 +8840,7 @@
           </a:ln>
         </p:spPr>
         <p:txBody>
-          <a:bodyPr anchorCtr="0" anchor="ctr" bIns="45700" lIns="91425" spcFirstLastPara="1" rIns="91425" wrap="square" tIns="45700">
+          <a:bodyPr spcFirstLastPara="1" wrap="square" lIns="91425" tIns="45700" rIns="91425" bIns="45700" anchor="ctr" anchorCtr="0">
             <a:noAutofit/>
           </a:bodyPr>
           <a:lstStyle>
@@ -8748,15 +8944,19 @@
               <a:defRPr/>
             </a:lvl9pPr>
           </a:lstStyle>
-          <a:p/>
+          <a:p>
+            <a:endParaRPr/>
+          </a:p>
         </p:txBody>
       </p:sp>
       <p:sp>
         <p:nvSpPr>
           <p:cNvPr id="72" name="Google Shape;72;p15"/>
-          <p:cNvSpPr txBox="1"/>
+          <p:cNvSpPr txBox="1">
+            <a:spLocks noGrp="1"/>
+          </p:cNvSpPr>
           <p:nvPr>
-            <p:ph idx="11" type="ftr"/>
+            <p:ph type="ftr" idx="11"/>
           </p:nvPr>
         </p:nvSpPr>
         <p:spPr>
@@ -8773,7 +8973,7 @@
           </a:ln>
         </p:spPr>
         <p:txBody>
-          <a:bodyPr anchorCtr="0" anchor="ctr" bIns="45700" lIns="91425" spcFirstLastPara="1" rIns="91425" wrap="square" tIns="45700">
+          <a:bodyPr spcFirstLastPara="1" wrap="square" lIns="91425" tIns="45700" rIns="91425" bIns="45700" anchor="ctr" anchorCtr="0">
             <a:noAutofit/>
           </a:bodyPr>
           <a:lstStyle>
@@ -8881,15 +9081,19 @@
               <a:defRPr/>
             </a:lvl9pPr>
           </a:lstStyle>
-          <a:p/>
+          <a:p>
+            <a:endParaRPr/>
+          </a:p>
         </p:txBody>
       </p:sp>
       <p:sp>
         <p:nvSpPr>
           <p:cNvPr id="73" name="Google Shape;73;p15"/>
-          <p:cNvSpPr txBox="1"/>
+          <p:cNvSpPr txBox="1">
+            <a:spLocks noGrp="1"/>
+          </p:cNvSpPr>
           <p:nvPr>
-            <p:ph idx="12" type="sldNum"/>
+            <p:ph type="sldNum" idx="12"/>
           </p:nvPr>
         </p:nvSpPr>
         <p:spPr>
@@ -8906,16 +9110,16 @@
           </a:ln>
         </p:spPr>
         <p:txBody>
-          <a:bodyPr anchorCtr="0" anchor="ctr" bIns="45700" lIns="91425" spcFirstLastPara="1" rIns="91425" wrap="square" tIns="45700">
+          <a:bodyPr spcFirstLastPara="1" wrap="square" lIns="91425" tIns="45700" rIns="91425" bIns="45700" anchor="ctr" anchorCtr="0">
             <a:noAutofit/>
           </a:bodyPr>
           <a:lstStyle>
-            <a:lvl1pPr indent="0" lvl="0" marL="0" algn="r">
-              <a:spcBef>
-                <a:spcPts val="0"/>
-              </a:spcBef>
-              <a:buNone/>
-              <a:defRPr b="0" i="0" sz="1050" u="none" cap="none" strike="noStrike">
+            <a:lvl1pPr marL="0" lvl="0" indent="0" algn="r">
+              <a:spcBef>
+                <a:spcPts val="0"/>
+              </a:spcBef>
+              <a:buNone/>
+              <a:defRPr sz="1050" b="0" i="0" u="none" strike="noStrike" cap="none">
                 <a:solidFill>
                   <a:schemeClr val="dk2"/>
                 </a:solidFill>
@@ -8925,12 +9129,12 @@
                 <a:sym typeface="Calibri"/>
               </a:defRPr>
             </a:lvl1pPr>
-            <a:lvl2pPr indent="0" lvl="1" marL="0" algn="r">
-              <a:spcBef>
-                <a:spcPts val="0"/>
-              </a:spcBef>
-              <a:buNone/>
-              <a:defRPr b="0" i="0" sz="1050" u="none" cap="none" strike="noStrike">
+            <a:lvl2pPr marL="0" lvl="1" indent="0" algn="r">
+              <a:spcBef>
+                <a:spcPts val="0"/>
+              </a:spcBef>
+              <a:buNone/>
+              <a:defRPr sz="1050" b="0" i="0" u="none" strike="noStrike" cap="none">
                 <a:solidFill>
                   <a:schemeClr val="dk2"/>
                 </a:solidFill>
@@ -8940,12 +9144,12 @@
                 <a:sym typeface="Calibri"/>
               </a:defRPr>
             </a:lvl2pPr>
-            <a:lvl3pPr indent="0" lvl="2" marL="0" algn="r">
-              <a:spcBef>
-                <a:spcPts val="0"/>
-              </a:spcBef>
-              <a:buNone/>
-              <a:defRPr b="0" i="0" sz="1050" u="none" cap="none" strike="noStrike">
+            <a:lvl3pPr marL="0" lvl="2" indent="0" algn="r">
+              <a:spcBef>
+                <a:spcPts val="0"/>
+              </a:spcBef>
+              <a:buNone/>
+              <a:defRPr sz="1050" b="0" i="0" u="none" strike="noStrike" cap="none">
                 <a:solidFill>
                   <a:schemeClr val="dk2"/>
                 </a:solidFill>
@@ -8955,12 +9159,12 @@
                 <a:sym typeface="Calibri"/>
               </a:defRPr>
             </a:lvl3pPr>
-            <a:lvl4pPr indent="0" lvl="3" marL="0" algn="r">
-              <a:spcBef>
-                <a:spcPts val="0"/>
-              </a:spcBef>
-              <a:buNone/>
-              <a:defRPr b="0" i="0" sz="1050" u="none" cap="none" strike="noStrike">
+            <a:lvl4pPr marL="0" lvl="3" indent="0" algn="r">
+              <a:spcBef>
+                <a:spcPts val="0"/>
+              </a:spcBef>
+              <a:buNone/>
+              <a:defRPr sz="1050" b="0" i="0" u="none" strike="noStrike" cap="none">
                 <a:solidFill>
                   <a:schemeClr val="dk2"/>
                 </a:solidFill>
@@ -8970,12 +9174,12 @@
                 <a:sym typeface="Calibri"/>
               </a:defRPr>
             </a:lvl4pPr>
-            <a:lvl5pPr indent="0" lvl="4" marL="0" algn="r">
-              <a:spcBef>
-                <a:spcPts val="0"/>
-              </a:spcBef>
-              <a:buNone/>
-              <a:defRPr b="0" i="0" sz="1050" u="none" cap="none" strike="noStrike">
+            <a:lvl5pPr marL="0" lvl="4" indent="0" algn="r">
+              <a:spcBef>
+                <a:spcPts val="0"/>
+              </a:spcBef>
+              <a:buNone/>
+              <a:defRPr sz="1050" b="0" i="0" u="none" strike="noStrike" cap="none">
                 <a:solidFill>
                   <a:schemeClr val="dk2"/>
                 </a:solidFill>
@@ -8985,12 +9189,12 @@
                 <a:sym typeface="Calibri"/>
               </a:defRPr>
             </a:lvl5pPr>
-            <a:lvl6pPr indent="0" lvl="5" marL="0" algn="r">
-              <a:spcBef>
-                <a:spcPts val="0"/>
-              </a:spcBef>
-              <a:buNone/>
-              <a:defRPr b="0" i="0" sz="1050" u="none" cap="none" strike="noStrike">
+            <a:lvl6pPr marL="0" lvl="5" indent="0" algn="r">
+              <a:spcBef>
+                <a:spcPts val="0"/>
+              </a:spcBef>
+              <a:buNone/>
+              <a:defRPr sz="1050" b="0" i="0" u="none" strike="noStrike" cap="none">
                 <a:solidFill>
                   <a:schemeClr val="dk2"/>
                 </a:solidFill>
@@ -9000,12 +9204,12 @@
                 <a:sym typeface="Calibri"/>
               </a:defRPr>
             </a:lvl6pPr>
-            <a:lvl7pPr indent="0" lvl="6" marL="0" algn="r">
-              <a:spcBef>
-                <a:spcPts val="0"/>
-              </a:spcBef>
-              <a:buNone/>
-              <a:defRPr b="0" i="0" sz="1050" u="none" cap="none" strike="noStrike">
+            <a:lvl7pPr marL="0" lvl="6" indent="0" algn="r">
+              <a:spcBef>
+                <a:spcPts val="0"/>
+              </a:spcBef>
+              <a:buNone/>
+              <a:defRPr sz="1050" b="0" i="0" u="none" strike="noStrike" cap="none">
                 <a:solidFill>
                   <a:schemeClr val="dk2"/>
                 </a:solidFill>
@@ -9015,12 +9219,12 @@
                 <a:sym typeface="Calibri"/>
               </a:defRPr>
             </a:lvl7pPr>
-            <a:lvl8pPr indent="0" lvl="7" marL="0" algn="r">
-              <a:spcBef>
-                <a:spcPts val="0"/>
-              </a:spcBef>
-              <a:buNone/>
-              <a:defRPr b="0" i="0" sz="1050" u="none" cap="none" strike="noStrike">
+            <a:lvl8pPr marL="0" lvl="7" indent="0" algn="r">
+              <a:spcBef>
+                <a:spcPts val="0"/>
+              </a:spcBef>
+              <a:buNone/>
+              <a:defRPr sz="1050" b="0" i="0" u="none" strike="noStrike" cap="none">
                 <a:solidFill>
                   <a:schemeClr val="dk2"/>
                 </a:solidFill>
@@ -9030,12 +9234,12 @@
                 <a:sym typeface="Calibri"/>
               </a:defRPr>
             </a:lvl8pPr>
-            <a:lvl9pPr indent="0" lvl="8" marL="0" algn="r">
-              <a:spcBef>
-                <a:spcPts val="0"/>
-              </a:spcBef>
-              <a:buNone/>
-              <a:defRPr b="0" i="0" sz="1050" u="none" cap="none" strike="noStrike">
+            <a:lvl9pPr marL="0" lvl="8" indent="0" algn="r">
+              <a:spcBef>
+                <a:spcPts val="0"/>
+              </a:spcBef>
+              <a:buNone/>
+              <a:defRPr sz="1050" b="0" i="0" u="none" strike="noStrike" cap="none">
                 <a:solidFill>
                   <a:schemeClr val="dk2"/>
                 </a:solidFill>
@@ -9047,7 +9251,7 @@
             </a:lvl9pPr>
           </a:lstStyle>
           <a:p>
-            <a:pPr indent="0" lvl="0" marL="0" rtl="0" algn="r">
+            <a:pPr marL="0" lvl="0" indent="0" algn="r" rtl="0">
               <a:spcBef>
                 <a:spcPts val="0"/>
               </a:spcBef>
@@ -9073,11 +9277,11 @@
 </file>
 
 <file path=ppt/slideLayouts/slideLayout9.xml><?xml version="1.0" encoding="utf-8"?>
-<p:sldLayout xmlns:a="http://schemas.openxmlformats.org/drawingml/2006/main" xmlns:r="http://schemas.openxmlformats.org/officeDocument/2006/relationships" xmlns:mc="http://schemas.openxmlformats.org/markup-compatibility/2006" xmlns:mv="urn:schemas-microsoft-com:mac:vml" xmlns:p="http://schemas.openxmlformats.org/presentationml/2006/main" xmlns:c="http://schemas.openxmlformats.org/drawingml/2006/chart" xmlns:dgm="http://schemas.openxmlformats.org/drawingml/2006/diagram" xmlns:o="urn:schemas-microsoft-com:office:office" xmlns:v="urn:schemas-microsoft-com:vml" xmlns:pvml="urn:schemas-microsoft-com:office:powerpoint" xmlns:com="http://schemas.openxmlformats.org/drawingml/2006/compatibility" xmlns:p14="http://schemas.microsoft.com/office/powerpoint/2010/main" xmlns:p15="http://schemas.microsoft.com/office/powerpoint/2012/main" xmlns:ahyp="http://schemas.microsoft.com/office/drawing/2018/hyperlinkcolor" matchingName="Picture with Caption" showMasterSp="0" type="picTx">
+<p:sldLayout xmlns:a="http://schemas.openxmlformats.org/drawingml/2006/main" xmlns:r="http://schemas.openxmlformats.org/officeDocument/2006/relationships" xmlns:p="http://schemas.openxmlformats.org/presentationml/2006/main" showMasterSp="0" matchingName="Picture with Caption" type="picTx">
   <p:cSld name="PICTURE_WITH_CAPTION_TEXT">
     <p:spTree>
       <p:nvGrpSpPr>
-        <p:cNvPr id="74" name="Shape 74"/>
+        <p:cNvPr id="1" name="Shape 74"/>
         <p:cNvGrpSpPr/>
         <p:nvPr/>
       </p:nvGrpSpPr>
@@ -9111,12 +9315,12 @@
           </a:ln>
         </p:spPr>
         <p:txBody>
-          <a:bodyPr anchorCtr="0" anchor="ctr" bIns="91425" lIns="91425" spcFirstLastPara="1" rIns="91425" wrap="square" tIns="91425">
+          <a:bodyPr spcFirstLastPara="1" wrap="square" lIns="91425" tIns="91425" rIns="91425" bIns="91425" anchor="ctr" anchorCtr="0">
             <a:noAutofit/>
           </a:bodyPr>
           <a:lstStyle/>
           <a:p>
-            <a:pPr indent="0" lvl="0" marL="0" rtl="0" algn="l">
+            <a:pPr marL="0" lvl="0" indent="0" algn="l" rtl="0">
               <a:spcBef>
                 <a:spcPts val="0"/>
               </a:spcBef>
@@ -9125,9 +9329,6 @@
               </a:spcAft>
               <a:buNone/>
             </a:pPr>
-            <a:r>
-              <a:t/>
-            </a:r>
             <a:endParaRPr/>
           </a:p>
         </p:txBody>
@@ -9154,12 +9355,12 @@
           </a:ln>
         </p:spPr>
         <p:txBody>
-          <a:bodyPr anchorCtr="0" anchor="ctr" bIns="91425" lIns="91425" spcFirstLastPara="1" rIns="91425" wrap="square" tIns="91425">
+          <a:bodyPr spcFirstLastPara="1" wrap="square" lIns="91425" tIns="91425" rIns="91425" bIns="91425" anchor="ctr" anchorCtr="0">
             <a:noAutofit/>
           </a:bodyPr>
           <a:lstStyle/>
           <a:p>
-            <a:pPr indent="0" lvl="0" marL="0" rtl="0" algn="l">
+            <a:pPr marL="0" lvl="0" indent="0" algn="l" rtl="0">
               <a:spcBef>
                 <a:spcPts val="0"/>
               </a:spcBef>
@@ -9168,9 +9369,6 @@
               </a:spcAft>
               <a:buNone/>
             </a:pPr>
-            <a:r>
-              <a:t/>
-            </a:r>
             <a:endParaRPr/>
           </a:p>
         </p:txBody>
@@ -9178,7 +9376,9 @@
       <p:sp>
         <p:nvSpPr>
           <p:cNvPr id="77" name="Google Shape;77;p16"/>
-          <p:cNvSpPr txBox="1"/>
+          <p:cNvSpPr txBox="1">
+            <a:spLocks noGrp="1"/>
+          </p:cNvSpPr>
           <p:nvPr>
             <p:ph type="title"/>
           </p:nvPr>
@@ -9197,7 +9397,7 @@
           </a:ln>
         </p:spPr>
         <p:txBody>
-          <a:bodyPr anchorCtr="0" anchor="b" bIns="0" lIns="91425" spcFirstLastPara="1" rIns="91425" wrap="square" tIns="0">
+          <a:bodyPr spcFirstLastPara="1" wrap="square" lIns="91425" tIns="0" rIns="91425" bIns="0" anchor="b" anchorCtr="0">
             <a:noAutofit/>
           </a:bodyPr>
           <a:lstStyle>
@@ -9217,7 +9417,7 @@
               <a:buSzPts val="3600"/>
               <a:buFont typeface="Calibri"/>
               <a:buNone/>
-              <a:defRPr b="0" sz="3600">
+              <a:defRPr sz="3600" b="0">
                 <a:solidFill>
                   <a:srgbClr val="FFFFFF"/>
                 </a:solidFill>
@@ -9312,15 +9512,19 @@
               <a:defRPr/>
             </a:lvl9pPr>
           </a:lstStyle>
-          <a:p/>
+          <a:p>
+            <a:endParaRPr/>
+          </a:p>
         </p:txBody>
       </p:sp>
       <p:sp>
         <p:nvSpPr>
           <p:cNvPr id="78" name="Google Shape;78;p16"/>
-          <p:cNvSpPr/>
+          <p:cNvSpPr>
+            <a:spLocks noGrp="1"/>
+          </p:cNvSpPr>
           <p:nvPr>
-            <p:ph idx="2" type="pic"/>
+            <p:ph type="pic" idx="2"/>
           </p:nvPr>
         </p:nvSpPr>
         <p:spPr>
@@ -9336,7 +9540,7 @@
               <a:alphaModFix/>
             </a:blip>
             <a:stretch>
-              <a:fillRect b="0" l="0" r="0" t="0"/>
+              <a:fillRect/>
             </a:stretch>
           </a:blipFill>
           <a:ln>
@@ -9344,11 +9548,11 @@
           </a:ln>
         </p:spPr>
         <p:txBody>
-          <a:bodyPr anchorCtr="0" anchor="t" bIns="45700" lIns="457200" spcFirstLastPara="1" rIns="0" wrap="square" tIns="457200">
+          <a:bodyPr spcFirstLastPara="1" wrap="square" lIns="457200" tIns="457200" rIns="0" bIns="45700" anchor="t" anchorCtr="0">
             <a:normAutofit/>
           </a:bodyPr>
           <a:lstStyle>
-            <a:lvl1pPr lvl="0" marR="0" rtl="0" algn="l">
+            <a:lvl1pPr marR="0" lvl="0" algn="l" rtl="0">
               <a:lnSpc>
                 <a:spcPct val="90000"/>
               </a:lnSpc>
@@ -9364,7 +9568,7 @@
               <a:buSzPts val="3200"/>
               <a:buFont typeface="Calibri"/>
               <a:buNone/>
-              <a:defRPr b="0" i="0" sz="3200" u="none" cap="none" strike="noStrike">
+              <a:defRPr sz="3200" b="0" i="0" u="none" strike="noStrike" cap="none">
                 <a:solidFill>
                   <a:schemeClr val="lt1"/>
                 </a:solidFill>
@@ -9374,7 +9578,7 @@
                 <a:sym typeface="Calibri"/>
               </a:defRPr>
             </a:lvl1pPr>
-            <a:lvl2pPr lvl="1" marR="0" rtl="0" algn="l">
+            <a:lvl2pPr marR="0" lvl="1" algn="l" rtl="0">
               <a:lnSpc>
                 <a:spcPct val="90000"/>
               </a:lnSpc>
@@ -9390,7 +9594,7 @@
               <a:buSzPts val="2800"/>
               <a:buFont typeface="Calibri"/>
               <a:buNone/>
-              <a:defRPr b="0" i="0" sz="2800" u="none" cap="none" strike="noStrike">
+              <a:defRPr sz="2800" b="0" i="0" u="none" strike="noStrike" cap="none">
                 <a:solidFill>
                   <a:srgbClr val="3F3F3F"/>
                 </a:solidFill>
@@ -9400,7 +9604,7 @@
                 <a:sym typeface="Calibri"/>
               </a:defRPr>
             </a:lvl2pPr>
-            <a:lvl3pPr lvl="2" marR="0" rtl="0" algn="l">
+            <a:lvl3pPr marR="0" lvl="2" algn="l" rtl="0">
               <a:lnSpc>
                 <a:spcPct val="90000"/>
               </a:lnSpc>
@@ -9416,7 +9620,7 @@
               <a:buSzPts val="2400"/>
               <a:buFont typeface="Calibri"/>
               <a:buNone/>
-              <a:defRPr b="0" i="0" sz="2400" u="none" cap="none" strike="noStrike">
+              <a:defRPr sz="2400" b="0" i="0" u="none" strike="noStrike" cap="none">
                 <a:solidFill>
                   <a:srgbClr val="3F3F3F"/>
                 </a:solidFill>
@@ -9426,7 +9630,7 @@
                 <a:sym typeface="Calibri"/>
               </a:defRPr>
             </a:lvl3pPr>
-            <a:lvl4pPr lvl="3" marR="0" rtl="0" algn="l">
+            <a:lvl4pPr marR="0" lvl="3" algn="l" rtl="0">
               <a:lnSpc>
                 <a:spcPct val="90000"/>
               </a:lnSpc>
@@ -9442,7 +9646,7 @@
               <a:buSzPts val="2000"/>
               <a:buFont typeface="Calibri"/>
               <a:buNone/>
-              <a:defRPr b="0" i="0" sz="2000" u="none" cap="none" strike="noStrike">
+              <a:defRPr sz="2000" b="0" i="0" u="none" strike="noStrike" cap="none">
                 <a:solidFill>
                   <a:srgbClr val="3F3F3F"/>
                 </a:solidFill>
@@ -9452,7 +9656,7 @@
                 <a:sym typeface="Calibri"/>
               </a:defRPr>
             </a:lvl4pPr>
-            <a:lvl5pPr lvl="4" marR="0" rtl="0" algn="l">
+            <a:lvl5pPr marR="0" lvl="4" algn="l" rtl="0">
               <a:lnSpc>
                 <a:spcPct val="90000"/>
               </a:lnSpc>
@@ -9468,7 +9672,7 @@
               <a:buSzPts val="2000"/>
               <a:buFont typeface="Calibri"/>
               <a:buNone/>
-              <a:defRPr b="0" i="0" sz="2000" u="none" cap="none" strike="noStrike">
+              <a:defRPr sz="2000" b="0" i="0" u="none" strike="noStrike" cap="none">
                 <a:solidFill>
                   <a:srgbClr val="3F3F3F"/>
                 </a:solidFill>
@@ -9478,7 +9682,7 @@
                 <a:sym typeface="Calibri"/>
               </a:defRPr>
             </a:lvl5pPr>
-            <a:lvl6pPr lvl="5" marR="0" rtl="0" algn="l">
+            <a:lvl6pPr marR="0" lvl="5" algn="l" rtl="0">
               <a:lnSpc>
                 <a:spcPct val="90000"/>
               </a:lnSpc>
@@ -9494,7 +9698,7 @@
               <a:buSzPts val="2000"/>
               <a:buFont typeface="Calibri"/>
               <a:buNone/>
-              <a:defRPr b="0" i="0" sz="2000" u="none" cap="none" strike="noStrike">
+              <a:defRPr sz="2000" b="0" i="0" u="none" strike="noStrike" cap="none">
                 <a:solidFill>
                   <a:srgbClr val="3F3F3F"/>
                 </a:solidFill>
@@ -9504,7 +9708,7 @@
                 <a:sym typeface="Calibri"/>
               </a:defRPr>
             </a:lvl6pPr>
-            <a:lvl7pPr lvl="6" marR="0" rtl="0" algn="l">
+            <a:lvl7pPr marR="0" lvl="6" algn="l" rtl="0">
               <a:lnSpc>
                 <a:spcPct val="90000"/>
               </a:lnSpc>
@@ -9520,7 +9724,7 @@
               <a:buSzPts val="2000"/>
               <a:buFont typeface="Calibri"/>
               <a:buNone/>
-              <a:defRPr b="0" i="0" sz="2000" u="none" cap="none" strike="noStrike">
+              <a:defRPr sz="2000" b="0" i="0" u="none" strike="noStrike" cap="none">
                 <a:solidFill>
                   <a:srgbClr val="3F3F3F"/>
                 </a:solidFill>
@@ -9530,7 +9734,7 @@
                 <a:sym typeface="Calibri"/>
               </a:defRPr>
             </a:lvl7pPr>
-            <a:lvl8pPr lvl="7" marR="0" rtl="0" algn="l">
+            <a:lvl8pPr marR="0" lvl="7" algn="l" rtl="0">
               <a:lnSpc>
                 <a:spcPct val="90000"/>
               </a:lnSpc>
@@ -9546,7 +9750,7 @@
               <a:buSzPts val="2000"/>
               <a:buFont typeface="Calibri"/>
               <a:buNone/>
-              <a:defRPr b="0" i="0" sz="2000" u="none" cap="none" strike="noStrike">
+              <a:defRPr sz="2000" b="0" i="0" u="none" strike="noStrike" cap="none">
                 <a:solidFill>
                   <a:srgbClr val="3F3F3F"/>
                 </a:solidFill>
@@ -9556,7 +9760,7 @@
                 <a:sym typeface="Calibri"/>
               </a:defRPr>
             </a:lvl8pPr>
-            <a:lvl9pPr lvl="8" marR="0" rtl="0" algn="l">
+            <a:lvl9pPr marR="0" lvl="8" algn="l" rtl="0">
               <a:lnSpc>
                 <a:spcPct val="90000"/>
               </a:lnSpc>
@@ -9572,7 +9776,7 @@
               <a:buSzPts val="2000"/>
               <a:buFont typeface="Calibri"/>
               <a:buNone/>
-              <a:defRPr b="0" i="0" sz="2000" u="none" cap="none" strike="noStrike">
+              <a:defRPr sz="2000" b="0" i="0" u="none" strike="noStrike" cap="none">
                 <a:solidFill>
                   <a:srgbClr val="3F3F3F"/>
                 </a:solidFill>
@@ -9583,15 +9787,19 @@
               </a:defRPr>
             </a:lvl9pPr>
           </a:lstStyle>
-          <a:p/>
+          <a:p>
+            <a:endParaRPr/>
+          </a:p>
         </p:txBody>
       </p:sp>
       <p:sp>
         <p:nvSpPr>
           <p:cNvPr id="79" name="Google Shape;79;p16"/>
-          <p:cNvSpPr txBox="1"/>
+          <p:cNvSpPr txBox="1">
+            <a:spLocks noGrp="1"/>
+          </p:cNvSpPr>
           <p:nvPr>
-            <p:ph idx="1" type="body"/>
+            <p:ph type="body" idx="1"/>
           </p:nvPr>
         </p:nvSpPr>
         <p:spPr>
@@ -9608,11 +9816,11 @@
           </a:ln>
         </p:spPr>
         <p:txBody>
-          <a:bodyPr anchorCtr="0" anchor="t" bIns="0" lIns="91425" spcFirstLastPara="1" rIns="91425" wrap="square" tIns="0">
+          <a:bodyPr spcFirstLastPara="1" wrap="square" lIns="91425" tIns="0" rIns="91425" bIns="0" anchor="t" anchorCtr="0">
             <a:normAutofit/>
           </a:bodyPr>
           <a:lstStyle>
-            <a:lvl1pPr indent="-228600" lvl="0" marL="457200" algn="l">
+            <a:lvl1pPr marL="457200" lvl="0" indent="-228600" algn="l">
               <a:lnSpc>
                 <a:spcPct val="90000"/>
               </a:lnSpc>
@@ -9630,7 +9838,7 @@
                 </a:solidFill>
               </a:defRPr>
             </a:lvl1pPr>
-            <a:lvl2pPr indent="-228600" lvl="1" marL="914400" algn="l">
+            <a:lvl2pPr marL="914400" lvl="1" indent="-228600" algn="l">
               <a:lnSpc>
                 <a:spcPct val="90000"/>
               </a:lnSpc>
@@ -9644,7 +9852,7 @@
               <a:buNone/>
               <a:defRPr sz="1200"/>
             </a:lvl2pPr>
-            <a:lvl3pPr indent="-228600" lvl="2" marL="1371600" algn="l">
+            <a:lvl3pPr marL="1371600" lvl="2" indent="-228600" algn="l">
               <a:lnSpc>
                 <a:spcPct val="90000"/>
               </a:lnSpc>
@@ -9658,7 +9866,7 @@
               <a:buNone/>
               <a:defRPr sz="1000"/>
             </a:lvl3pPr>
-            <a:lvl4pPr indent="-228600" lvl="3" marL="1828800" algn="l">
+            <a:lvl4pPr marL="1828800" lvl="3" indent="-228600" algn="l">
               <a:lnSpc>
                 <a:spcPct val="90000"/>
               </a:lnSpc>
@@ -9672,7 +9880,7 @@
               <a:buNone/>
               <a:defRPr sz="900"/>
             </a:lvl4pPr>
-            <a:lvl5pPr indent="-228600" lvl="4" marL="2286000" algn="l">
+            <a:lvl5pPr marL="2286000" lvl="4" indent="-228600" algn="l">
               <a:lnSpc>
                 <a:spcPct val="90000"/>
               </a:lnSpc>
@@ -9686,7 +9894,7 @@
               <a:buNone/>
               <a:defRPr sz="900"/>
             </a:lvl5pPr>
-            <a:lvl6pPr indent="-228600" lvl="5" marL="2743200" algn="l">
+            <a:lvl6pPr marL="2743200" lvl="5" indent="-228600" algn="l">
               <a:lnSpc>
                 <a:spcPct val="90000"/>
               </a:lnSpc>
@@ -9700,7 +9908,7 @@
               <a:buNone/>
               <a:defRPr sz="900"/>
             </a:lvl6pPr>
-            <a:lvl7pPr indent="-228600" lvl="6" marL="3200400" algn="l">
+            <a:lvl7pPr marL="3200400" lvl="6" indent="-228600" algn="l">
               <a:lnSpc>
                 <a:spcPct val="90000"/>
               </a:lnSpc>
@@ -9714,7 +9922,7 @@
               <a:buNone/>
               <a:defRPr sz="900"/>
             </a:lvl7pPr>
-            <a:lvl8pPr indent="-228600" lvl="7" marL="3657600" algn="l">
+            <a:lvl8pPr marL="3657600" lvl="7" indent="-228600" algn="l">
               <a:lnSpc>
                 <a:spcPct val="90000"/>
               </a:lnSpc>
@@ -9728,7 +9936,7 @@
               <a:buNone/>
               <a:defRPr sz="900"/>
             </a:lvl8pPr>
-            <a:lvl9pPr indent="-228600" lvl="8" marL="4114800" algn="l">
+            <a:lvl9pPr marL="4114800" lvl="8" indent="-228600" algn="l">
               <a:lnSpc>
                 <a:spcPct val="90000"/>
               </a:lnSpc>
@@ -9743,15 +9951,19 @@
               <a:defRPr sz="900"/>
             </a:lvl9pPr>
           </a:lstStyle>
-          <a:p/>
+          <a:p>
+            <a:endParaRPr/>
+          </a:p>
         </p:txBody>
       </p:sp>
       <p:sp>
         <p:nvSpPr>
           <p:cNvPr id="80" name="Google Shape;80;p16"/>
-          <p:cNvSpPr txBox="1"/>
+          <p:cNvSpPr txBox="1">
+            <a:spLocks noGrp="1"/>
+          </p:cNvSpPr>
           <p:nvPr>
-            <p:ph idx="10" type="dt"/>
+            <p:ph type="dt" idx="10"/>
           </p:nvPr>
         </p:nvSpPr>
         <p:spPr>
@@ -9768,7 +9980,7 @@
           </a:ln>
         </p:spPr>
         <p:txBody>
-          <a:bodyPr anchorCtr="0" anchor="ctr" bIns="45700" lIns="91425" spcFirstLastPara="1" rIns="91425" wrap="square" tIns="45700">
+          <a:bodyPr spcFirstLastPara="1" wrap="square" lIns="91425" tIns="45700" rIns="91425" bIns="45700" anchor="ctr" anchorCtr="0">
             <a:noAutofit/>
           </a:bodyPr>
           <a:lstStyle>
@@ -9872,15 +10084,19 @@
               <a:defRPr/>
             </a:lvl9pPr>
           </a:lstStyle>
-          <a:p/>
+          <a:p>
+            <a:endParaRPr/>
+          </a:p>
         </p:txBody>
       </p:sp>
       <p:sp>
         <p:nvSpPr>
           <p:cNvPr id="81" name="Google Shape;81;p16"/>
-          <p:cNvSpPr txBox="1"/>
+          <p:cNvSpPr txBox="1">
+            <a:spLocks noGrp="1"/>
+          </p:cNvSpPr>
           <p:nvPr>
-            <p:ph idx="11" type="ftr"/>
+            <p:ph type="ftr" idx="11"/>
           </p:nvPr>
         </p:nvSpPr>
         <p:spPr>
@@ -9897,7 +10113,7 @@
           </a:ln>
         </p:spPr>
         <p:txBody>
-          <a:bodyPr anchorCtr="0" anchor="ctr" bIns="45700" lIns="91425" spcFirstLastPara="1" rIns="91425" wrap="square" tIns="45700">
+          <a:bodyPr spcFirstLastPara="1" wrap="square" lIns="91425" tIns="45700" rIns="91425" bIns="45700" anchor="ctr" anchorCtr="0">
             <a:noAutofit/>
           </a:bodyPr>
           <a:lstStyle>
@@ -10001,15 +10217,19 @@
               <a:defRPr/>
             </a:lvl9pPr>
           </a:lstStyle>
-          <a:p/>
+          <a:p>
+            <a:endParaRPr/>
+          </a:p>
         </p:txBody>
       </p:sp>
       <p:sp>
         <p:nvSpPr>
           <p:cNvPr id="82" name="Google Shape;82;p16"/>
-          <p:cNvSpPr txBox="1"/>
+          <p:cNvSpPr txBox="1">
+            <a:spLocks noGrp="1"/>
+          </p:cNvSpPr>
           <p:nvPr>
-            <p:ph idx="12" type="sldNum"/>
+            <p:ph type="sldNum" idx="12"/>
           </p:nvPr>
         </p:nvSpPr>
         <p:spPr>
@@ -10026,67 +10246,67 @@
           </a:ln>
         </p:spPr>
         <p:txBody>
-          <a:bodyPr anchorCtr="0" anchor="ctr" bIns="45700" lIns="91425" spcFirstLastPara="1" rIns="91425" wrap="square" tIns="45700">
+          <a:bodyPr spcFirstLastPara="1" wrap="square" lIns="91425" tIns="45700" rIns="91425" bIns="45700" anchor="ctr" anchorCtr="0">
             <a:noAutofit/>
           </a:bodyPr>
           <a:lstStyle>
-            <a:lvl1pPr indent="0" lvl="0" marL="0" algn="r">
+            <a:lvl1pPr marL="0" lvl="0" indent="0" algn="r">
               <a:spcBef>
                 <a:spcPts val="0"/>
               </a:spcBef>
               <a:buNone/>
               <a:defRPr/>
             </a:lvl1pPr>
-            <a:lvl2pPr indent="0" lvl="1" marL="0" algn="r">
+            <a:lvl2pPr marL="0" lvl="1" indent="0" algn="r">
               <a:spcBef>
                 <a:spcPts val="0"/>
               </a:spcBef>
               <a:buNone/>
               <a:defRPr/>
             </a:lvl2pPr>
-            <a:lvl3pPr indent="0" lvl="2" marL="0" algn="r">
+            <a:lvl3pPr marL="0" lvl="2" indent="0" algn="r">
               <a:spcBef>
                 <a:spcPts val="0"/>
               </a:spcBef>
               <a:buNone/>
               <a:defRPr/>
             </a:lvl3pPr>
-            <a:lvl4pPr indent="0" lvl="3" marL="0" algn="r">
+            <a:lvl4pPr marL="0" lvl="3" indent="0" algn="r">
               <a:spcBef>
                 <a:spcPts val="0"/>
               </a:spcBef>
               <a:buNone/>
               <a:defRPr/>
             </a:lvl4pPr>
-            <a:lvl5pPr indent="0" lvl="4" marL="0" algn="r">
+            <a:lvl5pPr marL="0" lvl="4" indent="0" algn="r">
               <a:spcBef>
                 <a:spcPts val="0"/>
               </a:spcBef>
               <a:buNone/>
               <a:defRPr/>
             </a:lvl5pPr>
-            <a:lvl6pPr indent="0" lvl="5" marL="0" algn="r">
+            <a:lvl6pPr marL="0" lvl="5" indent="0" algn="r">
               <a:spcBef>
                 <a:spcPts val="0"/>
               </a:spcBef>
               <a:buNone/>
               <a:defRPr/>
             </a:lvl6pPr>
-            <a:lvl7pPr indent="0" lvl="6" marL="0" algn="r">
+            <a:lvl7pPr marL="0" lvl="6" indent="0" algn="r">
               <a:spcBef>
                 <a:spcPts val="0"/>
               </a:spcBef>
               <a:buNone/>
               <a:defRPr/>
             </a:lvl7pPr>
-            <a:lvl8pPr indent="0" lvl="7" marL="0" algn="r">
+            <a:lvl8pPr marL="0" lvl="7" indent="0" algn="r">
               <a:spcBef>
                 <a:spcPts val="0"/>
               </a:spcBef>
               <a:buNone/>
               <a:defRPr/>
             </a:lvl8pPr>
-            <a:lvl9pPr indent="0" lvl="8" marL="0" algn="r">
+            <a:lvl9pPr marL="0" lvl="8" indent="0" algn="r">
               <a:spcBef>
                 <a:spcPts val="0"/>
               </a:spcBef>
@@ -10095,7 +10315,7 @@
             </a:lvl9pPr>
           </a:lstStyle>
           <a:p>
-            <a:pPr indent="0" lvl="0" marL="0" rtl="0" algn="r">
+            <a:pPr marL="0" lvl="0" indent="0" algn="r" rtl="0">
               <a:spcBef>
                 <a:spcPts val="0"/>
               </a:spcBef>
@@ -10121,18 +10341,19 @@
 </file>
 
 <file path=ppt/slideMasters/slideMaster1.xml><?xml version="1.0" encoding="utf-8"?>
-<p:sldMaster xmlns:a="http://schemas.openxmlformats.org/drawingml/2006/main" xmlns:r="http://schemas.openxmlformats.org/officeDocument/2006/relationships" xmlns:mc="http://schemas.openxmlformats.org/markup-compatibility/2006" xmlns:mv="urn:schemas-microsoft-com:mac:vml" xmlns:p="http://schemas.openxmlformats.org/presentationml/2006/main" xmlns:c="http://schemas.openxmlformats.org/drawingml/2006/chart" xmlns:dgm="http://schemas.openxmlformats.org/drawingml/2006/diagram" xmlns:o="urn:schemas-microsoft-com:office:office" xmlns:v="urn:schemas-microsoft-com:vml" xmlns:pvml="urn:schemas-microsoft-com:office:powerpoint" xmlns:com="http://schemas.openxmlformats.org/drawingml/2006/compatibility" xmlns:p14="http://schemas.microsoft.com/office/powerpoint/2010/main" xmlns:p15="http://schemas.microsoft.com/office/powerpoint/2012/main" xmlns:ahyp="http://schemas.microsoft.com/office/drawing/2018/hyperlinkcolor">
+<p:sldMaster xmlns:a="http://schemas.openxmlformats.org/drawingml/2006/main" xmlns:r="http://schemas.openxmlformats.org/officeDocument/2006/relationships" xmlns:p="http://schemas.openxmlformats.org/presentationml/2006/main">
   <p:cSld>
     <p:bg>
       <p:bgPr>
         <a:solidFill>
           <a:schemeClr val="lt1"/>
         </a:solidFill>
+        <a:effectLst/>
       </p:bgPr>
     </p:bg>
     <p:spTree>
       <p:nvGrpSpPr>
-        <p:cNvPr id="5" name="Shape 5"/>
+        <p:cNvPr id="1" name="Shape 5"/>
         <p:cNvGrpSpPr/>
         <p:nvPr/>
       </p:nvGrpSpPr>
@@ -10166,12 +10387,12 @@
           </a:ln>
         </p:spPr>
         <p:txBody>
-          <a:bodyPr anchorCtr="0" anchor="ctr" bIns="91425" lIns="91425" spcFirstLastPara="1" rIns="91425" wrap="square" tIns="91425">
+          <a:bodyPr spcFirstLastPara="1" wrap="square" lIns="91425" tIns="91425" rIns="91425" bIns="91425" anchor="ctr" anchorCtr="0">
             <a:noAutofit/>
           </a:bodyPr>
           <a:lstStyle/>
           <a:p>
-            <a:pPr indent="0" lvl="0" marL="0" rtl="0" algn="l">
+            <a:pPr marL="0" lvl="0" indent="0" algn="l" rtl="0">
               <a:spcBef>
                 <a:spcPts val="0"/>
               </a:spcBef>
@@ -10180,9 +10401,6 @@
               </a:spcAft>
               <a:buNone/>
             </a:pPr>
-            <a:r>
-              <a:t/>
-            </a:r>
             <a:endParaRPr/>
           </a:p>
         </p:txBody>
@@ -10209,12 +10427,12 @@
           </a:ln>
         </p:spPr>
         <p:txBody>
-          <a:bodyPr anchorCtr="0" anchor="ctr" bIns="91425" lIns="91425" spcFirstLastPara="1" rIns="91425" wrap="square" tIns="91425">
+          <a:bodyPr spcFirstLastPara="1" wrap="square" lIns="91425" tIns="91425" rIns="91425" bIns="91425" anchor="ctr" anchorCtr="0">
             <a:noAutofit/>
           </a:bodyPr>
           <a:lstStyle/>
           <a:p>
-            <a:pPr indent="0" lvl="0" marL="0" rtl="0" algn="l">
+            <a:pPr marL="0" lvl="0" indent="0" algn="l" rtl="0">
               <a:spcBef>
                 <a:spcPts val="0"/>
               </a:spcBef>
@@ -10223,9 +10441,6 @@
               </a:spcAft>
               <a:buNone/>
             </a:pPr>
-            <a:r>
-              <a:t/>
-            </a:r>
             <a:endParaRPr/>
           </a:p>
         </p:txBody>
@@ -10233,7 +10448,9 @@
       <p:sp>
         <p:nvSpPr>
           <p:cNvPr id="8" name="Google Shape;8;p7"/>
-          <p:cNvSpPr txBox="1"/>
+          <p:cNvSpPr txBox="1">
+            <a:spLocks noGrp="1"/>
+          </p:cNvSpPr>
           <p:nvPr>
             <p:ph type="title"/>
           </p:nvPr>
@@ -10252,11 +10469,11 @@
           </a:ln>
         </p:spPr>
         <p:txBody>
-          <a:bodyPr anchorCtr="0" anchor="b" bIns="45700" lIns="91425" spcFirstLastPara="1" rIns="91425" wrap="square" tIns="45700">
+          <a:bodyPr spcFirstLastPara="1" wrap="square" lIns="91425" tIns="45700" rIns="91425" bIns="45700" anchor="b" anchorCtr="0">
             <a:normAutofit/>
           </a:bodyPr>
           <a:lstStyle>
-            <a:lvl1pPr lvl="0" marR="0" rtl="0" algn="l">
+            <a:lvl1pPr marR="0" lvl="0" algn="l" rtl="0">
               <a:lnSpc>
                 <a:spcPct val="85000"/>
               </a:lnSpc>
@@ -10272,7 +10489,7 @@
               <a:buSzPts val="4800"/>
               <a:buFont typeface="Calibri"/>
               <a:buNone/>
-              <a:defRPr b="0" i="0" sz="4800" u="none" cap="none" strike="noStrike">
+              <a:defRPr sz="4800" b="0" i="0" u="none" strike="noStrike" cap="none">
                 <a:solidFill>
                   <a:srgbClr val="3F3F3F"/>
                 </a:solidFill>
@@ -10371,15 +10588,19 @@
               <a:defRPr sz="1800"/>
             </a:lvl9pPr>
           </a:lstStyle>
-          <a:p/>
+          <a:p>
+            <a:endParaRPr/>
+          </a:p>
         </p:txBody>
       </p:sp>
       <p:sp>
         <p:nvSpPr>
           <p:cNvPr id="9" name="Google Shape;9;p7"/>
-          <p:cNvSpPr txBox="1"/>
+          <p:cNvSpPr txBox="1">
+            <a:spLocks noGrp="1"/>
+          </p:cNvSpPr>
           <p:nvPr>
-            <p:ph idx="1" type="body"/>
+            <p:ph type="body" idx="1"/>
           </p:nvPr>
         </p:nvSpPr>
         <p:spPr>
@@ -10396,11 +10617,11 @@
           </a:ln>
         </p:spPr>
         <p:txBody>
-          <a:bodyPr anchorCtr="0" anchor="t" bIns="45700" lIns="0" spcFirstLastPara="1" rIns="0" wrap="square" tIns="45700">
+          <a:bodyPr spcFirstLastPara="1" wrap="square" lIns="0" tIns="45700" rIns="0" bIns="45700" anchor="t" anchorCtr="0">
             <a:normAutofit/>
           </a:bodyPr>
           <a:lstStyle>
-            <a:lvl1pPr indent="-355600" lvl="0" marL="457200" marR="0" rtl="0" algn="l">
+            <a:lvl1pPr marL="457200" marR="0" lvl="0" indent="-355600" algn="l" rtl="0">
               <a:lnSpc>
                 <a:spcPct val="90000"/>
               </a:lnSpc>
@@ -10416,7 +10637,7 @@
               <a:buSzPts val="2000"/>
               <a:buFont typeface="Calibri"/>
               <a:buChar char=" "/>
-              <a:defRPr b="0" i="0" sz="2000" u="none" cap="none" strike="noStrike">
+              <a:defRPr sz="2000" b="0" i="0" u="none" strike="noStrike" cap="none">
                 <a:solidFill>
                   <a:srgbClr val="3F3F3F"/>
                 </a:solidFill>
@@ -10426,7 +10647,7 @@
                 <a:sym typeface="Calibri"/>
               </a:defRPr>
             </a:lvl1pPr>
-            <a:lvl2pPr indent="-342900" lvl="1" marL="914400" marR="0" rtl="0" algn="l">
+            <a:lvl2pPr marL="914400" marR="0" lvl="1" indent="-342900" algn="l" rtl="0">
               <a:lnSpc>
                 <a:spcPct val="90000"/>
               </a:lnSpc>
@@ -10442,7 +10663,7 @@
               <a:buSzPts val="1800"/>
               <a:buFont typeface="Calibri"/>
               <a:buChar char="◦"/>
-              <a:defRPr b="0" i="0" sz="1800" u="none" cap="none" strike="noStrike">
+              <a:defRPr sz="1800" b="0" i="0" u="none" strike="noStrike" cap="none">
                 <a:solidFill>
                   <a:srgbClr val="3F3F3F"/>
                 </a:solidFill>
@@ -10452,7 +10673,7 @@
                 <a:sym typeface="Calibri"/>
               </a:defRPr>
             </a:lvl2pPr>
-            <a:lvl3pPr indent="-317500" lvl="2" marL="1371600" marR="0" rtl="0" algn="l">
+            <a:lvl3pPr marL="1371600" marR="0" lvl="2" indent="-317500" algn="l" rtl="0">
               <a:lnSpc>
                 <a:spcPct val="90000"/>
               </a:lnSpc>
@@ -10468,7 +10689,7 @@
               <a:buSzPts val="1400"/>
               <a:buFont typeface="Calibri"/>
               <a:buChar char="◦"/>
-              <a:defRPr b="0" i="0" sz="1400" u="none" cap="none" strike="noStrike">
+              <a:defRPr sz="1400" b="0" i="0" u="none" strike="noStrike" cap="none">
                 <a:solidFill>
                   <a:srgbClr val="3F3F3F"/>
                 </a:solidFill>
@@ -10478,7 +10699,7 @@
                 <a:sym typeface="Calibri"/>
               </a:defRPr>
             </a:lvl3pPr>
-            <a:lvl4pPr indent="-317500" lvl="3" marL="1828800" marR="0" rtl="0" algn="l">
+            <a:lvl4pPr marL="1828800" marR="0" lvl="3" indent="-317500" algn="l" rtl="0">
               <a:lnSpc>
                 <a:spcPct val="90000"/>
               </a:lnSpc>
@@ -10494,7 +10715,7 @@
               <a:buSzPts val="1400"/>
               <a:buFont typeface="Calibri"/>
               <a:buChar char="◦"/>
-              <a:defRPr b="0" i="0" sz="1400" u="none" cap="none" strike="noStrike">
+              <a:defRPr sz="1400" b="0" i="0" u="none" strike="noStrike" cap="none">
                 <a:solidFill>
                   <a:srgbClr val="3F3F3F"/>
                 </a:solidFill>
@@ -10504,7 +10725,7 @@
                 <a:sym typeface="Calibri"/>
               </a:defRPr>
             </a:lvl4pPr>
-            <a:lvl5pPr indent="-317500" lvl="4" marL="2286000" marR="0" rtl="0" algn="l">
+            <a:lvl5pPr marL="2286000" marR="0" lvl="4" indent="-317500" algn="l" rtl="0">
               <a:lnSpc>
                 <a:spcPct val="90000"/>
               </a:lnSpc>
@@ -10520,7 +10741,7 @@
               <a:buSzPts val="1400"/>
               <a:buFont typeface="Calibri"/>
               <a:buChar char="◦"/>
-              <a:defRPr b="0" i="0" sz="1400" u="none" cap="none" strike="noStrike">
+              <a:defRPr sz="1400" b="0" i="0" u="none" strike="noStrike" cap="none">
                 <a:solidFill>
                   <a:srgbClr val="3F3F3F"/>
                 </a:solidFill>
@@ -10530,7 +10751,7 @@
                 <a:sym typeface="Calibri"/>
               </a:defRPr>
             </a:lvl5pPr>
-            <a:lvl6pPr indent="-317500" lvl="5" marL="2743200" marR="0" rtl="0" algn="l">
+            <a:lvl6pPr marL="2743200" marR="0" lvl="5" indent="-317500" algn="l" rtl="0">
               <a:lnSpc>
                 <a:spcPct val="90000"/>
               </a:lnSpc>
@@ -10546,7 +10767,7 @@
               <a:buSzPts val="1400"/>
               <a:buFont typeface="Calibri"/>
               <a:buChar char="◦"/>
-              <a:defRPr b="0" i="0" sz="1400" u="none" cap="none" strike="noStrike">
+              <a:defRPr sz="1400" b="0" i="0" u="none" strike="noStrike" cap="none">
                 <a:solidFill>
                   <a:srgbClr val="3F3F3F"/>
                 </a:solidFill>
@@ -10556,7 +10777,7 @@
                 <a:sym typeface="Calibri"/>
               </a:defRPr>
             </a:lvl6pPr>
-            <a:lvl7pPr indent="-317500" lvl="6" marL="3200400" marR="0" rtl="0" algn="l">
+            <a:lvl7pPr marL="3200400" marR="0" lvl="6" indent="-317500" algn="l" rtl="0">
               <a:lnSpc>
                 <a:spcPct val="90000"/>
               </a:lnSpc>
@@ -10572,7 +10793,7 @@
               <a:buSzPts val="1400"/>
               <a:buFont typeface="Calibri"/>
               <a:buChar char="◦"/>
-              <a:defRPr b="0" i="0" sz="1400" u="none" cap="none" strike="noStrike">
+              <a:defRPr sz="1400" b="0" i="0" u="none" strike="noStrike" cap="none">
                 <a:solidFill>
                   <a:srgbClr val="3F3F3F"/>
                 </a:solidFill>
@@ -10582,7 +10803,7 @@
                 <a:sym typeface="Calibri"/>
               </a:defRPr>
             </a:lvl7pPr>
-            <a:lvl8pPr indent="-317500" lvl="7" marL="3657600" marR="0" rtl="0" algn="l">
+            <a:lvl8pPr marL="3657600" marR="0" lvl="7" indent="-317500" algn="l" rtl="0">
               <a:lnSpc>
                 <a:spcPct val="90000"/>
               </a:lnSpc>
@@ -10598,7 +10819,7 @@
               <a:buSzPts val="1400"/>
               <a:buFont typeface="Calibri"/>
               <a:buChar char="◦"/>
-              <a:defRPr b="0" i="0" sz="1400" u="none" cap="none" strike="noStrike">
+              <a:defRPr sz="1400" b="0" i="0" u="none" strike="noStrike" cap="none">
                 <a:solidFill>
                   <a:srgbClr val="3F3F3F"/>
                 </a:solidFill>
@@ -10608,7 +10829,7 @@
                 <a:sym typeface="Calibri"/>
               </a:defRPr>
             </a:lvl8pPr>
-            <a:lvl9pPr indent="-317500" lvl="8" marL="4114800" marR="0" rtl="0" algn="l">
+            <a:lvl9pPr marL="4114800" marR="0" lvl="8" indent="-317500" algn="l" rtl="0">
               <a:lnSpc>
                 <a:spcPct val="90000"/>
               </a:lnSpc>
@@ -10624,7 +10845,7 @@
               <a:buSzPts val="1400"/>
               <a:buFont typeface="Calibri"/>
               <a:buChar char="◦"/>
-              <a:defRPr b="0" i="0" sz="1400" u="none" cap="none" strike="noStrike">
+              <a:defRPr sz="1400" b="0" i="0" u="none" strike="noStrike" cap="none">
                 <a:solidFill>
                   <a:srgbClr val="3F3F3F"/>
                 </a:solidFill>
@@ -10635,15 +10856,19 @@
               </a:defRPr>
             </a:lvl9pPr>
           </a:lstStyle>
-          <a:p/>
+          <a:p>
+            <a:endParaRPr/>
+          </a:p>
         </p:txBody>
       </p:sp>
       <p:sp>
         <p:nvSpPr>
           <p:cNvPr id="10" name="Google Shape;10;p7"/>
-          <p:cNvSpPr txBox="1"/>
+          <p:cNvSpPr txBox="1">
+            <a:spLocks noGrp="1"/>
+          </p:cNvSpPr>
           <p:nvPr>
-            <p:ph idx="10" type="dt"/>
+            <p:ph type="dt" idx="10"/>
           </p:nvPr>
         </p:nvSpPr>
         <p:spPr>
@@ -10660,20 +10885,20 @@
           </a:ln>
         </p:spPr>
         <p:txBody>
-          <a:bodyPr anchorCtr="0" anchor="ctr" bIns="45700" lIns="91425" spcFirstLastPara="1" rIns="91425" wrap="square" tIns="45700">
+          <a:bodyPr spcFirstLastPara="1" wrap="square" lIns="91425" tIns="45700" rIns="91425" bIns="45700" anchor="ctr" anchorCtr="0">
             <a:noAutofit/>
           </a:bodyPr>
           <a:lstStyle>
-            <a:lvl1pPr lvl="0" marR="0" rtl="0" algn="l">
-              <a:spcBef>
-                <a:spcPts val="0"/>
-              </a:spcBef>
-              <a:spcAft>
-                <a:spcPts val="0"/>
-              </a:spcAft>
-              <a:buSzPts val="1400"/>
-              <a:buNone/>
-              <a:defRPr b="0" i="0" sz="900" u="none" cap="none" strike="noStrike">
+            <a:lvl1pPr marR="0" lvl="0" algn="l" rtl="0">
+              <a:spcBef>
+                <a:spcPts val="0"/>
+              </a:spcBef>
+              <a:spcAft>
+                <a:spcPts val="0"/>
+              </a:spcAft>
+              <a:buSzPts val="1400"/>
+              <a:buNone/>
+              <a:defRPr sz="900" b="0" i="0" u="none" strike="noStrike" cap="none">
                 <a:solidFill>
                   <a:srgbClr val="FFFFFF"/>
                 </a:solidFill>
@@ -10683,16 +10908,16 @@
                 <a:sym typeface="Calibri"/>
               </a:defRPr>
             </a:lvl1pPr>
-            <a:lvl2pPr lvl="1" marR="0" rtl="0" algn="l">
-              <a:spcBef>
-                <a:spcPts val="0"/>
-              </a:spcBef>
-              <a:spcAft>
-                <a:spcPts val="0"/>
-              </a:spcAft>
-              <a:buSzPts val="1400"/>
-              <a:buNone/>
-              <a:defRPr b="0" i="0" sz="1800" u="none" cap="none" strike="noStrike">
+            <a:lvl2pPr marR="0" lvl="1" algn="l" rtl="0">
+              <a:spcBef>
+                <a:spcPts val="0"/>
+              </a:spcBef>
+              <a:spcAft>
+                <a:spcPts val="0"/>
+              </a:spcAft>
+              <a:buSzPts val="1400"/>
+              <a:buNone/>
+              <a:defRPr sz="1800" b="0" i="0" u="none" strike="noStrike" cap="none">
                 <a:solidFill>
                   <a:schemeClr val="dk1"/>
                 </a:solidFill>
@@ -10702,16 +10927,16 @@
                 <a:sym typeface="Calibri"/>
               </a:defRPr>
             </a:lvl2pPr>
-            <a:lvl3pPr lvl="2" marR="0" rtl="0" algn="l">
-              <a:spcBef>
-                <a:spcPts val="0"/>
-              </a:spcBef>
-              <a:spcAft>
-                <a:spcPts val="0"/>
-              </a:spcAft>
-              <a:buSzPts val="1400"/>
-              <a:buNone/>
-              <a:defRPr b="0" i="0" sz="1800" u="none" cap="none" strike="noStrike">
+            <a:lvl3pPr marR="0" lvl="2" algn="l" rtl="0">
+              <a:spcBef>
+                <a:spcPts val="0"/>
+              </a:spcBef>
+              <a:spcAft>
+                <a:spcPts val="0"/>
+              </a:spcAft>
+              <a:buSzPts val="1400"/>
+              <a:buNone/>
+              <a:defRPr sz="1800" b="0" i="0" u="none" strike="noStrike" cap="none">
                 <a:solidFill>
                   <a:schemeClr val="dk1"/>
                 </a:solidFill>
@@ -10721,16 +10946,16 @@
                 <a:sym typeface="Calibri"/>
               </a:defRPr>
             </a:lvl3pPr>
-            <a:lvl4pPr lvl="3" marR="0" rtl="0" algn="l">
-              <a:spcBef>
-                <a:spcPts val="0"/>
-              </a:spcBef>
-              <a:spcAft>
-                <a:spcPts val="0"/>
-              </a:spcAft>
-              <a:buSzPts val="1400"/>
-              <a:buNone/>
-              <a:defRPr b="0" i="0" sz="1800" u="none" cap="none" strike="noStrike">
+            <a:lvl4pPr marR="0" lvl="3" algn="l" rtl="0">
+              <a:spcBef>
+                <a:spcPts val="0"/>
+              </a:spcBef>
+              <a:spcAft>
+                <a:spcPts val="0"/>
+              </a:spcAft>
+              <a:buSzPts val="1400"/>
+              <a:buNone/>
+              <a:defRPr sz="1800" b="0" i="0" u="none" strike="noStrike" cap="none">
                 <a:solidFill>
                   <a:schemeClr val="dk1"/>
                 </a:solidFill>
@@ -10740,16 +10965,16 @@
                 <a:sym typeface="Calibri"/>
               </a:defRPr>
             </a:lvl4pPr>
-            <a:lvl5pPr lvl="4" marR="0" rtl="0" algn="l">
-              <a:spcBef>
-                <a:spcPts val="0"/>
-              </a:spcBef>
-              <a:spcAft>
-                <a:spcPts val="0"/>
-              </a:spcAft>
-              <a:buSzPts val="1400"/>
-              <a:buNone/>
-              <a:defRPr b="0" i="0" sz="1800" u="none" cap="none" strike="noStrike">
+            <a:lvl5pPr marR="0" lvl="4" algn="l" rtl="0">
+              <a:spcBef>
+                <a:spcPts val="0"/>
+              </a:spcBef>
+              <a:spcAft>
+                <a:spcPts val="0"/>
+              </a:spcAft>
+              <a:buSzPts val="1400"/>
+              <a:buNone/>
+              <a:defRPr sz="1800" b="0" i="0" u="none" strike="noStrike" cap="none">
                 <a:solidFill>
                   <a:schemeClr val="dk1"/>
                 </a:solidFill>
@@ -10759,16 +10984,16 @@
                 <a:sym typeface="Calibri"/>
               </a:defRPr>
             </a:lvl5pPr>
-            <a:lvl6pPr lvl="5" marR="0" rtl="0" algn="l">
-              <a:spcBef>
-                <a:spcPts val="0"/>
-              </a:spcBef>
-              <a:spcAft>
-                <a:spcPts val="0"/>
-              </a:spcAft>
-              <a:buSzPts val="1400"/>
-              <a:buNone/>
-              <a:defRPr b="0" i="0" sz="1800" u="none" cap="none" strike="noStrike">
+            <a:lvl6pPr marR="0" lvl="5" algn="l" rtl="0">
+              <a:spcBef>
+                <a:spcPts val="0"/>
+              </a:spcBef>
+              <a:spcAft>
+                <a:spcPts val="0"/>
+              </a:spcAft>
+              <a:buSzPts val="1400"/>
+              <a:buNone/>
+              <a:defRPr sz="1800" b="0" i="0" u="none" strike="noStrike" cap="none">
                 <a:solidFill>
                   <a:schemeClr val="dk1"/>
                 </a:solidFill>
@@ -10778,16 +11003,16 @@
                 <a:sym typeface="Calibri"/>
               </a:defRPr>
             </a:lvl6pPr>
-            <a:lvl7pPr lvl="6" marR="0" rtl="0" algn="l">
-              <a:spcBef>
-                <a:spcPts val="0"/>
-              </a:spcBef>
-              <a:spcAft>
-                <a:spcPts val="0"/>
-              </a:spcAft>
-              <a:buSzPts val="1400"/>
-              <a:buNone/>
-              <a:defRPr b="0" i="0" sz="1800" u="none" cap="none" strike="noStrike">
+            <a:lvl7pPr marR="0" lvl="6" algn="l" rtl="0">
+              <a:spcBef>
+                <a:spcPts val="0"/>
+              </a:spcBef>
+              <a:spcAft>
+                <a:spcPts val="0"/>
+              </a:spcAft>
+              <a:buSzPts val="1400"/>
+              <a:buNone/>
+              <a:defRPr sz="1800" b="0" i="0" u="none" strike="noStrike" cap="none">
                 <a:solidFill>
                   <a:schemeClr val="dk1"/>
                 </a:solidFill>
@@ -10797,16 +11022,16 @@
                 <a:sym typeface="Calibri"/>
               </a:defRPr>
             </a:lvl7pPr>
-            <a:lvl8pPr lvl="7" marR="0" rtl="0" algn="l">
-              <a:spcBef>
-                <a:spcPts val="0"/>
-              </a:spcBef>
-              <a:spcAft>
-                <a:spcPts val="0"/>
-              </a:spcAft>
-              <a:buSzPts val="1400"/>
-              <a:buNone/>
-              <a:defRPr b="0" i="0" sz="1800" u="none" cap="none" strike="noStrike">
+            <a:lvl8pPr marR="0" lvl="7" algn="l" rtl="0">
+              <a:spcBef>
+                <a:spcPts val="0"/>
+              </a:spcBef>
+              <a:spcAft>
+                <a:spcPts val="0"/>
+              </a:spcAft>
+              <a:buSzPts val="1400"/>
+              <a:buNone/>
+              <a:defRPr sz="1800" b="0" i="0" u="none" strike="noStrike" cap="none">
                 <a:solidFill>
                   <a:schemeClr val="dk1"/>
                 </a:solidFill>
@@ -10816,16 +11041,16 @@
                 <a:sym typeface="Calibri"/>
               </a:defRPr>
             </a:lvl8pPr>
-            <a:lvl9pPr lvl="8" marR="0" rtl="0" algn="l">
-              <a:spcBef>
-                <a:spcPts val="0"/>
-              </a:spcBef>
-              <a:spcAft>
-                <a:spcPts val="0"/>
-              </a:spcAft>
-              <a:buSzPts val="1400"/>
-              <a:buNone/>
-              <a:defRPr b="0" i="0" sz="1800" u="none" cap="none" strike="noStrike">
+            <a:lvl9pPr marR="0" lvl="8" algn="l" rtl="0">
+              <a:spcBef>
+                <a:spcPts val="0"/>
+              </a:spcBef>
+              <a:spcAft>
+                <a:spcPts val="0"/>
+              </a:spcAft>
+              <a:buSzPts val="1400"/>
+              <a:buNone/>
+              <a:defRPr sz="1800" b="0" i="0" u="none" strike="noStrike" cap="none">
                 <a:solidFill>
                   <a:schemeClr val="dk1"/>
                 </a:solidFill>
@@ -10836,15 +11061,19 @@
               </a:defRPr>
             </a:lvl9pPr>
           </a:lstStyle>
-          <a:p/>
+          <a:p>
+            <a:endParaRPr/>
+          </a:p>
         </p:txBody>
       </p:sp>
       <p:sp>
         <p:nvSpPr>
           <p:cNvPr id="11" name="Google Shape;11;p7"/>
-          <p:cNvSpPr txBox="1"/>
+          <p:cNvSpPr txBox="1">
+            <a:spLocks noGrp="1"/>
+          </p:cNvSpPr>
           <p:nvPr>
-            <p:ph idx="11" type="ftr"/>
+            <p:ph type="ftr" idx="11"/>
           </p:nvPr>
         </p:nvSpPr>
         <p:spPr>
@@ -10861,20 +11090,20 @@
           </a:ln>
         </p:spPr>
         <p:txBody>
-          <a:bodyPr anchorCtr="0" anchor="ctr" bIns="45700" lIns="91425" spcFirstLastPara="1" rIns="91425" wrap="square" tIns="45700">
+          <a:bodyPr spcFirstLastPara="1" wrap="square" lIns="91425" tIns="45700" rIns="91425" bIns="45700" anchor="ctr" anchorCtr="0">
             <a:noAutofit/>
           </a:bodyPr>
           <a:lstStyle>
-            <a:lvl1pPr lvl="0" marR="0" rtl="0" algn="ctr">
-              <a:spcBef>
-                <a:spcPts val="0"/>
-              </a:spcBef>
-              <a:spcAft>
-                <a:spcPts val="0"/>
-              </a:spcAft>
-              <a:buSzPts val="1400"/>
-              <a:buNone/>
-              <a:defRPr b="0" i="0" sz="900" u="none" cap="none" strike="noStrike">
+            <a:lvl1pPr marR="0" lvl="0" algn="ctr" rtl="0">
+              <a:spcBef>
+                <a:spcPts val="0"/>
+              </a:spcBef>
+              <a:spcAft>
+                <a:spcPts val="0"/>
+              </a:spcAft>
+              <a:buSzPts val="1400"/>
+              <a:buNone/>
+              <a:defRPr sz="900" b="0" i="0" u="none" strike="noStrike" cap="none">
                 <a:solidFill>
                   <a:srgbClr val="FFFFFF"/>
                 </a:solidFill>
@@ -10884,16 +11113,16 @@
                 <a:sym typeface="Calibri"/>
               </a:defRPr>
             </a:lvl1pPr>
-            <a:lvl2pPr lvl="1" marR="0" rtl="0" algn="l">
-              <a:spcBef>
-                <a:spcPts val="0"/>
-              </a:spcBef>
-              <a:spcAft>
-                <a:spcPts val="0"/>
-              </a:spcAft>
-              <a:buSzPts val="1400"/>
-              <a:buNone/>
-              <a:defRPr b="0" i="0" sz="1800" u="none" cap="none" strike="noStrike">
+            <a:lvl2pPr marR="0" lvl="1" algn="l" rtl="0">
+              <a:spcBef>
+                <a:spcPts val="0"/>
+              </a:spcBef>
+              <a:spcAft>
+                <a:spcPts val="0"/>
+              </a:spcAft>
+              <a:buSzPts val="1400"/>
+              <a:buNone/>
+              <a:defRPr sz="1800" b="0" i="0" u="none" strike="noStrike" cap="none">
                 <a:solidFill>
                   <a:schemeClr val="dk1"/>
                 </a:solidFill>
@@ -10903,16 +11132,16 @@
                 <a:sym typeface="Calibri"/>
               </a:defRPr>
             </a:lvl2pPr>
-            <a:lvl3pPr lvl="2" marR="0" rtl="0" algn="l">
-              <a:spcBef>
-                <a:spcPts val="0"/>
-              </a:spcBef>
-              <a:spcAft>
-                <a:spcPts val="0"/>
-              </a:spcAft>
-              <a:buSzPts val="1400"/>
-              <a:buNone/>
-              <a:defRPr b="0" i="0" sz="1800" u="none" cap="none" strike="noStrike">
+            <a:lvl3pPr marR="0" lvl="2" algn="l" rtl="0">
+              <a:spcBef>
+                <a:spcPts val="0"/>
+              </a:spcBef>
+              <a:spcAft>
+                <a:spcPts val="0"/>
+              </a:spcAft>
+              <a:buSzPts val="1400"/>
+              <a:buNone/>
+              <a:defRPr sz="1800" b="0" i="0" u="none" strike="noStrike" cap="none">
                 <a:solidFill>
                   <a:schemeClr val="dk1"/>
                 </a:solidFill>
@@ -10922,16 +11151,16 @@
                 <a:sym typeface="Calibri"/>
               </a:defRPr>
             </a:lvl3pPr>
-            <a:lvl4pPr lvl="3" marR="0" rtl="0" algn="l">
-              <a:spcBef>
-                <a:spcPts val="0"/>
-              </a:spcBef>
-              <a:spcAft>
-                <a:spcPts val="0"/>
-              </a:spcAft>
-              <a:buSzPts val="1400"/>
-              <a:buNone/>
-              <a:defRPr b="0" i="0" sz="1800" u="none" cap="none" strike="noStrike">
+            <a:lvl4pPr marR="0" lvl="3" algn="l" rtl="0">
+              <a:spcBef>
+                <a:spcPts val="0"/>
+              </a:spcBef>
+              <a:spcAft>
+                <a:spcPts val="0"/>
+              </a:spcAft>
+              <a:buSzPts val="1400"/>
+              <a:buNone/>
+              <a:defRPr sz="1800" b="0" i="0" u="none" strike="noStrike" cap="none">
                 <a:solidFill>
                   <a:schemeClr val="dk1"/>
                 </a:solidFill>
@@ -10941,16 +11170,16 @@
                 <a:sym typeface="Calibri"/>
               </a:defRPr>
             </a:lvl4pPr>
-            <a:lvl5pPr lvl="4" marR="0" rtl="0" algn="l">
-              <a:spcBef>
-                <a:spcPts val="0"/>
-              </a:spcBef>
-              <a:spcAft>
-                <a:spcPts val="0"/>
-              </a:spcAft>
-              <a:buSzPts val="1400"/>
-              <a:buNone/>
-              <a:defRPr b="0" i="0" sz="1800" u="none" cap="none" strike="noStrike">
+            <a:lvl5pPr marR="0" lvl="4" algn="l" rtl="0">
+              <a:spcBef>
+                <a:spcPts val="0"/>
+              </a:spcBef>
+              <a:spcAft>
+                <a:spcPts val="0"/>
+              </a:spcAft>
+              <a:buSzPts val="1400"/>
+              <a:buNone/>
+              <a:defRPr sz="1800" b="0" i="0" u="none" strike="noStrike" cap="none">
                 <a:solidFill>
                   <a:schemeClr val="dk1"/>
                 </a:solidFill>
@@ -10960,16 +11189,16 @@
                 <a:sym typeface="Calibri"/>
               </a:defRPr>
             </a:lvl5pPr>
-            <a:lvl6pPr lvl="5" marR="0" rtl="0" algn="l">
-              <a:spcBef>
-                <a:spcPts val="0"/>
-              </a:spcBef>
-              <a:spcAft>
-                <a:spcPts val="0"/>
-              </a:spcAft>
-              <a:buSzPts val="1400"/>
-              <a:buNone/>
-              <a:defRPr b="0" i="0" sz="1800" u="none" cap="none" strike="noStrike">
+            <a:lvl6pPr marR="0" lvl="5" algn="l" rtl="0">
+              <a:spcBef>
+                <a:spcPts val="0"/>
+              </a:spcBef>
+              <a:spcAft>
+                <a:spcPts val="0"/>
+              </a:spcAft>
+              <a:buSzPts val="1400"/>
+              <a:buNone/>
+              <a:defRPr sz="1800" b="0" i="0" u="none" strike="noStrike" cap="none">
                 <a:solidFill>
                   <a:schemeClr val="dk1"/>
                 </a:solidFill>
@@ -10979,16 +11208,16 @@
                 <a:sym typeface="Calibri"/>
               </a:defRPr>
             </a:lvl6pPr>
-            <a:lvl7pPr lvl="6" marR="0" rtl="0" algn="l">
-              <a:spcBef>
-                <a:spcPts val="0"/>
-              </a:spcBef>
-              <a:spcAft>
-                <a:spcPts val="0"/>
-              </a:spcAft>
-              <a:buSzPts val="1400"/>
-              <a:buNone/>
-              <a:defRPr b="0" i="0" sz="1800" u="none" cap="none" strike="noStrike">
+            <a:lvl7pPr marR="0" lvl="6" algn="l" rtl="0">
+              <a:spcBef>
+                <a:spcPts val="0"/>
+              </a:spcBef>
+              <a:spcAft>
+                <a:spcPts val="0"/>
+              </a:spcAft>
+              <a:buSzPts val="1400"/>
+              <a:buNone/>
+              <a:defRPr sz="1800" b="0" i="0" u="none" strike="noStrike" cap="none">
                 <a:solidFill>
                   <a:schemeClr val="dk1"/>
                 </a:solidFill>
@@ -10998,16 +11227,16 @@
                 <a:sym typeface="Calibri"/>
               </a:defRPr>
             </a:lvl7pPr>
-            <a:lvl8pPr lvl="7" marR="0" rtl="0" algn="l">
-              <a:spcBef>
-                <a:spcPts val="0"/>
-              </a:spcBef>
-              <a:spcAft>
-                <a:spcPts val="0"/>
-              </a:spcAft>
-              <a:buSzPts val="1400"/>
-              <a:buNone/>
-              <a:defRPr b="0" i="0" sz="1800" u="none" cap="none" strike="noStrike">
+            <a:lvl8pPr marR="0" lvl="7" algn="l" rtl="0">
+              <a:spcBef>
+                <a:spcPts val="0"/>
+              </a:spcBef>
+              <a:spcAft>
+                <a:spcPts val="0"/>
+              </a:spcAft>
+              <a:buSzPts val="1400"/>
+              <a:buNone/>
+              <a:defRPr sz="1800" b="0" i="0" u="none" strike="noStrike" cap="none">
                 <a:solidFill>
                   <a:schemeClr val="dk1"/>
                 </a:solidFill>
@@ -11017,16 +11246,16 @@
                 <a:sym typeface="Calibri"/>
               </a:defRPr>
             </a:lvl8pPr>
-            <a:lvl9pPr lvl="8" marR="0" rtl="0" algn="l">
-              <a:spcBef>
-                <a:spcPts val="0"/>
-              </a:spcBef>
-              <a:spcAft>
-                <a:spcPts val="0"/>
-              </a:spcAft>
-              <a:buSzPts val="1400"/>
-              <a:buNone/>
-              <a:defRPr b="0" i="0" sz="1800" u="none" cap="none" strike="noStrike">
+            <a:lvl9pPr marR="0" lvl="8" algn="l" rtl="0">
+              <a:spcBef>
+                <a:spcPts val="0"/>
+              </a:spcBef>
+              <a:spcAft>
+                <a:spcPts val="0"/>
+              </a:spcAft>
+              <a:buSzPts val="1400"/>
+              <a:buNone/>
+              <a:defRPr sz="1800" b="0" i="0" u="none" strike="noStrike" cap="none">
                 <a:solidFill>
                   <a:schemeClr val="dk1"/>
                 </a:solidFill>
@@ -11037,15 +11266,19 @@
               </a:defRPr>
             </a:lvl9pPr>
           </a:lstStyle>
-          <a:p/>
+          <a:p>
+            <a:endParaRPr/>
+          </a:p>
         </p:txBody>
       </p:sp>
       <p:sp>
         <p:nvSpPr>
           <p:cNvPr id="12" name="Google Shape;12;p7"/>
-          <p:cNvSpPr txBox="1"/>
+          <p:cNvSpPr txBox="1">
+            <a:spLocks noGrp="1"/>
+          </p:cNvSpPr>
           <p:nvPr>
-            <p:ph idx="12" type="sldNum"/>
+            <p:ph type="sldNum" idx="12"/>
           </p:nvPr>
         </p:nvSpPr>
         <p:spPr>
@@ -11062,16 +11295,16 @@
           </a:ln>
         </p:spPr>
         <p:txBody>
-          <a:bodyPr anchorCtr="0" anchor="ctr" bIns="45700" lIns="91425" spcFirstLastPara="1" rIns="91425" wrap="square" tIns="45700">
+          <a:bodyPr spcFirstLastPara="1" wrap="square" lIns="91425" tIns="45700" rIns="91425" bIns="45700" anchor="ctr" anchorCtr="0">
             <a:noAutofit/>
           </a:bodyPr>
           <a:lstStyle>
-            <a:lvl1pPr indent="0" lvl="0" marL="0" marR="0" rtl="0" algn="r">
-              <a:spcBef>
-                <a:spcPts val="0"/>
-              </a:spcBef>
-              <a:buNone/>
-              <a:defRPr b="0" i="0" sz="1050" u="none" cap="none" strike="noStrike">
+            <a:lvl1pPr marL="0" marR="0" lvl="0" indent="0" algn="r" rtl="0">
+              <a:spcBef>
+                <a:spcPts val="0"/>
+              </a:spcBef>
+              <a:buNone/>
+              <a:defRPr sz="1050" b="0" i="0" u="none" strike="noStrike" cap="none">
                 <a:solidFill>
                   <a:srgbClr val="FFFFFF"/>
                 </a:solidFill>
@@ -11081,12 +11314,12 @@
                 <a:sym typeface="Calibri"/>
               </a:defRPr>
             </a:lvl1pPr>
-            <a:lvl2pPr indent="0" lvl="1" marL="0" marR="0" rtl="0" algn="r">
-              <a:spcBef>
-                <a:spcPts val="0"/>
-              </a:spcBef>
-              <a:buNone/>
-              <a:defRPr b="0" i="0" sz="1050" u="none" cap="none" strike="noStrike">
+            <a:lvl2pPr marL="0" marR="0" lvl="1" indent="0" algn="r" rtl="0">
+              <a:spcBef>
+                <a:spcPts val="0"/>
+              </a:spcBef>
+              <a:buNone/>
+              <a:defRPr sz="1050" b="0" i="0" u="none" strike="noStrike" cap="none">
                 <a:solidFill>
                   <a:srgbClr val="FFFFFF"/>
                 </a:solidFill>
@@ -11096,12 +11329,12 @@
                 <a:sym typeface="Calibri"/>
               </a:defRPr>
             </a:lvl2pPr>
-            <a:lvl3pPr indent="0" lvl="2" marL="0" marR="0" rtl="0" algn="r">
-              <a:spcBef>
-                <a:spcPts val="0"/>
-              </a:spcBef>
-              <a:buNone/>
-              <a:defRPr b="0" i="0" sz="1050" u="none" cap="none" strike="noStrike">
+            <a:lvl3pPr marL="0" marR="0" lvl="2" indent="0" algn="r" rtl="0">
+              <a:spcBef>
+                <a:spcPts val="0"/>
+              </a:spcBef>
+              <a:buNone/>
+              <a:defRPr sz="1050" b="0" i="0" u="none" strike="noStrike" cap="none">
                 <a:solidFill>
                   <a:srgbClr val="FFFFFF"/>
                 </a:solidFill>
@@ -11111,12 +11344,12 @@
                 <a:sym typeface="Calibri"/>
               </a:defRPr>
             </a:lvl3pPr>
-            <a:lvl4pPr indent="0" lvl="3" marL="0" marR="0" rtl="0" algn="r">
-              <a:spcBef>
-                <a:spcPts val="0"/>
-              </a:spcBef>
-              <a:buNone/>
-              <a:defRPr b="0" i="0" sz="1050" u="none" cap="none" strike="noStrike">
+            <a:lvl4pPr marL="0" marR="0" lvl="3" indent="0" algn="r" rtl="0">
+              <a:spcBef>
+                <a:spcPts val="0"/>
+              </a:spcBef>
+              <a:buNone/>
+              <a:defRPr sz="1050" b="0" i="0" u="none" strike="noStrike" cap="none">
                 <a:solidFill>
                   <a:srgbClr val="FFFFFF"/>
                 </a:solidFill>
@@ -11126,12 +11359,12 @@
                 <a:sym typeface="Calibri"/>
               </a:defRPr>
             </a:lvl4pPr>
-            <a:lvl5pPr indent="0" lvl="4" marL="0" marR="0" rtl="0" algn="r">
-              <a:spcBef>
-                <a:spcPts val="0"/>
-              </a:spcBef>
-              <a:buNone/>
-              <a:defRPr b="0" i="0" sz="1050" u="none" cap="none" strike="noStrike">
+            <a:lvl5pPr marL="0" marR="0" lvl="4" indent="0" algn="r" rtl="0">
+              <a:spcBef>
+                <a:spcPts val="0"/>
+              </a:spcBef>
+              <a:buNone/>
+              <a:defRPr sz="1050" b="0" i="0" u="none" strike="noStrike" cap="none">
                 <a:solidFill>
                   <a:srgbClr val="FFFFFF"/>
                 </a:solidFill>
@@ -11141,12 +11374,12 @@
                 <a:sym typeface="Calibri"/>
               </a:defRPr>
             </a:lvl5pPr>
-            <a:lvl6pPr indent="0" lvl="5" marL="0" marR="0" rtl="0" algn="r">
-              <a:spcBef>
-                <a:spcPts val="0"/>
-              </a:spcBef>
-              <a:buNone/>
-              <a:defRPr b="0" i="0" sz="1050" u="none" cap="none" strike="noStrike">
+            <a:lvl6pPr marL="0" marR="0" lvl="5" indent="0" algn="r" rtl="0">
+              <a:spcBef>
+                <a:spcPts val="0"/>
+              </a:spcBef>
+              <a:buNone/>
+              <a:defRPr sz="1050" b="0" i="0" u="none" strike="noStrike" cap="none">
                 <a:solidFill>
                   <a:srgbClr val="FFFFFF"/>
                 </a:solidFill>
@@ -11156,12 +11389,12 @@
                 <a:sym typeface="Calibri"/>
               </a:defRPr>
             </a:lvl6pPr>
-            <a:lvl7pPr indent="0" lvl="6" marL="0" marR="0" rtl="0" algn="r">
-              <a:spcBef>
-                <a:spcPts val="0"/>
-              </a:spcBef>
-              <a:buNone/>
-              <a:defRPr b="0" i="0" sz="1050" u="none" cap="none" strike="noStrike">
+            <a:lvl7pPr marL="0" marR="0" lvl="6" indent="0" algn="r" rtl="0">
+              <a:spcBef>
+                <a:spcPts val="0"/>
+              </a:spcBef>
+              <a:buNone/>
+              <a:defRPr sz="1050" b="0" i="0" u="none" strike="noStrike" cap="none">
                 <a:solidFill>
                   <a:srgbClr val="FFFFFF"/>
                 </a:solidFill>
@@ -11171,12 +11404,12 @@
                 <a:sym typeface="Calibri"/>
               </a:defRPr>
             </a:lvl7pPr>
-            <a:lvl8pPr indent="0" lvl="7" marL="0" marR="0" rtl="0" algn="r">
-              <a:spcBef>
-                <a:spcPts val="0"/>
-              </a:spcBef>
-              <a:buNone/>
-              <a:defRPr b="0" i="0" sz="1050" u="none" cap="none" strike="noStrike">
+            <a:lvl8pPr marL="0" marR="0" lvl="7" indent="0" algn="r" rtl="0">
+              <a:spcBef>
+                <a:spcPts val="0"/>
+              </a:spcBef>
+              <a:buNone/>
+              <a:defRPr sz="1050" b="0" i="0" u="none" strike="noStrike" cap="none">
                 <a:solidFill>
                   <a:srgbClr val="FFFFFF"/>
                 </a:solidFill>
@@ -11186,12 +11419,12 @@
                 <a:sym typeface="Calibri"/>
               </a:defRPr>
             </a:lvl8pPr>
-            <a:lvl9pPr indent="0" lvl="8" marL="0" marR="0" rtl="0" algn="r">
-              <a:spcBef>
-                <a:spcPts val="0"/>
-              </a:spcBef>
-              <a:buNone/>
-              <a:defRPr b="0" i="0" sz="1050" u="none" cap="none" strike="noStrike">
+            <a:lvl9pPr marL="0" marR="0" lvl="8" indent="0" algn="r" rtl="0">
+              <a:spcBef>
+                <a:spcPts val="0"/>
+              </a:spcBef>
+              <a:buNone/>
+              <a:defRPr sz="1050" b="0" i="0" u="none" strike="noStrike" cap="none">
                 <a:solidFill>
                   <a:srgbClr val="FFFFFF"/>
                 </a:solidFill>
@@ -11203,7 +11436,7 @@
             </a:lvl9pPr>
           </a:lstStyle>
           <a:p>
-            <a:pPr indent="0" lvl="0" marL="0" rtl="0" algn="r">
+            <a:pPr marL="0" lvl="0" indent="0" algn="r" rtl="0">
               <a:spcBef>
                 <a:spcPts val="0"/>
               </a:spcBef>
@@ -11235,20 +11468,20 @@
             <a:avLst/>
           </a:prstGeom>
           <a:noFill/>
-          <a:ln cap="flat" cmpd="sng" w="9525">
+          <a:ln w="9525" cap="flat" cmpd="sng">
             <a:solidFill>
               <a:srgbClr val="7F7F7F"/>
             </a:solidFill>
             <a:prstDash val="solid"/>
             <a:round/>
-            <a:headEnd len="sm" w="sm" type="none"/>
-            <a:tailEnd len="sm" w="sm" type="none"/>
+            <a:headEnd type="none" w="sm" len="sm"/>
+            <a:tailEnd type="none" w="sm" len="sm"/>
           </a:ln>
         </p:spPr>
       </p:cxnSp>
     </p:spTree>
   </p:cSld>
-  <p:clrMap accent1="accent1" accent2="accent2" accent3="accent3" accent4="accent4" accent5="accent5" accent6="accent6" bg1="lt1" bg2="dk2" tx1="dk1" tx2="lt2" folHlink="folHlink" hlink="hlink"/>
+  <p:clrMap bg1="lt1" tx1="dk1" bg2="dk2" tx2="lt2" accent1="accent1" accent2="accent2" accent3="accent3" accent4="accent4" accent5="accent5" accent6="accent6" hlink="hlink" folHlink="folHlink"/>
   <p:sldLayoutIdLst>
     <p:sldLayoutId id="2147483649" r:id="rId1"/>
     <p:sldLayoutId id="2147483650" r:id="rId2"/>
@@ -11262,10 +11495,10 @@
     <p:sldLayoutId id="2147483658" r:id="rId10"/>
     <p:sldLayoutId id="2147483659" r:id="rId11"/>
   </p:sldLayoutIdLst>
-  <p:hf dt="0" ftr="0" hdr="0" sldNum="0"/>
+  <p:hf sldNum="0" hdr="0" ftr="0" dt="0"/>
   <p:txStyles>
     <p:titleStyle>
-      <a:defPPr lvl="0" marR="0" rtl="0" algn="l">
+      <a:defPPr marR="0" lvl="0" algn="l" rtl="0">
         <a:lnSpc>
           <a:spcPct val="100000"/>
         </a:lnSpc>
@@ -11276,7 +11509,7 @@
           <a:spcPts val="0"/>
         </a:spcAft>
       </a:defPPr>
-      <a:lvl1pPr lvl="0" marR="0" rtl="0" algn="l">
+      <a:lvl1pPr marR="0" lvl="0" algn="l" rtl="0">
         <a:lnSpc>
           <a:spcPct val="100000"/>
         </a:lnSpc>
@@ -11290,7 +11523,7 @@
           <a:srgbClr val="000000"/>
         </a:buClr>
         <a:buFont typeface="Arial"/>
-        <a:defRPr b="0" i="0" sz="1400" u="none" cap="none" strike="noStrike">
+        <a:defRPr sz="1400" b="0" i="0" u="none" strike="noStrike" cap="none">
           <a:solidFill>
             <a:srgbClr val="000000"/>
           </a:solidFill>
@@ -11300,7 +11533,7 @@
           <a:sym typeface="Arial"/>
         </a:defRPr>
       </a:lvl1pPr>
-      <a:lvl2pPr lvl="1" marR="0" rtl="0" algn="l">
+      <a:lvl2pPr marR="0" lvl="1" algn="l" rtl="0">
         <a:lnSpc>
           <a:spcPct val="100000"/>
         </a:lnSpc>
@@ -11314,7 +11547,7 @@
           <a:srgbClr val="000000"/>
         </a:buClr>
         <a:buFont typeface="Arial"/>
-        <a:defRPr b="0" i="0" sz="1400" u="none" cap="none" strike="noStrike">
+        <a:defRPr sz="1400" b="0" i="0" u="none" strike="noStrike" cap="none">
           <a:solidFill>
             <a:srgbClr val="000000"/>
           </a:solidFill>
@@ -11324,7 +11557,7 @@
           <a:sym typeface="Arial"/>
         </a:defRPr>
       </a:lvl2pPr>
-      <a:lvl3pPr lvl="2" marR="0" rtl="0" algn="l">
+      <a:lvl3pPr marR="0" lvl="2" algn="l" rtl="0">
         <a:lnSpc>
           <a:spcPct val="100000"/>
         </a:lnSpc>
@@ -11338,7 +11571,7 @@
           <a:srgbClr val="000000"/>
         </a:buClr>
         <a:buFont typeface="Arial"/>
-        <a:defRPr b="0" i="0" sz="1400" u="none" cap="none" strike="noStrike">
+        <a:defRPr sz="1400" b="0" i="0" u="none" strike="noStrike" cap="none">
           <a:solidFill>
             <a:srgbClr val="000000"/>
           </a:solidFill>
@@ -11348,7 +11581,7 @@
           <a:sym typeface="Arial"/>
         </a:defRPr>
       </a:lvl3pPr>
-      <a:lvl4pPr lvl="3" marR="0" rtl="0" algn="l">
+      <a:lvl4pPr marR="0" lvl="3" algn="l" rtl="0">
         <a:lnSpc>
           <a:spcPct val="100000"/>
         </a:lnSpc>
@@ -11362,7 +11595,7 @@
           <a:srgbClr val="000000"/>
         </a:buClr>
         <a:buFont typeface="Arial"/>
-        <a:defRPr b="0" i="0" sz="1400" u="none" cap="none" strike="noStrike">
+        <a:defRPr sz="1400" b="0" i="0" u="none" strike="noStrike" cap="none">
           <a:solidFill>
             <a:srgbClr val="000000"/>
           </a:solidFill>
@@ -11372,7 +11605,7 @@
           <a:sym typeface="Arial"/>
         </a:defRPr>
       </a:lvl4pPr>
-      <a:lvl5pPr lvl="4" marR="0" rtl="0" algn="l">
+      <a:lvl5pPr marR="0" lvl="4" algn="l" rtl="0">
         <a:lnSpc>
           <a:spcPct val="100000"/>
         </a:lnSpc>
@@ -11386,7 +11619,7 @@
           <a:srgbClr val="000000"/>
         </a:buClr>
         <a:buFont typeface="Arial"/>
-        <a:defRPr b="0" i="0" sz="1400" u="none" cap="none" strike="noStrike">
+        <a:defRPr sz="1400" b="0" i="0" u="none" strike="noStrike" cap="none">
           <a:solidFill>
             <a:srgbClr val="000000"/>
           </a:solidFill>
@@ -11396,7 +11629,7 @@
           <a:sym typeface="Arial"/>
         </a:defRPr>
       </a:lvl5pPr>
-      <a:lvl6pPr lvl="5" marR="0" rtl="0" algn="l">
+      <a:lvl6pPr marR="0" lvl="5" algn="l" rtl="0">
         <a:lnSpc>
           <a:spcPct val="100000"/>
         </a:lnSpc>
@@ -11410,7 +11643,7 @@
           <a:srgbClr val="000000"/>
         </a:buClr>
         <a:buFont typeface="Arial"/>
-        <a:defRPr b="0" i="0" sz="1400" u="none" cap="none" strike="noStrike">
+        <a:defRPr sz="1400" b="0" i="0" u="none" strike="noStrike" cap="none">
           <a:solidFill>
             <a:srgbClr val="000000"/>
           </a:solidFill>
@@ -11420,7 +11653,7 @@
           <a:sym typeface="Arial"/>
         </a:defRPr>
       </a:lvl6pPr>
-      <a:lvl7pPr lvl="6" marR="0" rtl="0" algn="l">
+      <a:lvl7pPr marR="0" lvl="6" algn="l" rtl="0">
         <a:lnSpc>
           <a:spcPct val="100000"/>
         </a:lnSpc>
@@ -11434,7 +11667,7 @@
           <a:srgbClr val="000000"/>
         </a:buClr>
         <a:buFont typeface="Arial"/>
-        <a:defRPr b="0" i="0" sz="1400" u="none" cap="none" strike="noStrike">
+        <a:defRPr sz="1400" b="0" i="0" u="none" strike="noStrike" cap="none">
           <a:solidFill>
             <a:srgbClr val="000000"/>
           </a:solidFill>
@@ -11444,7 +11677,7 @@
           <a:sym typeface="Arial"/>
         </a:defRPr>
       </a:lvl7pPr>
-      <a:lvl8pPr lvl="7" marR="0" rtl="0" algn="l">
+      <a:lvl8pPr marR="0" lvl="7" algn="l" rtl="0">
         <a:lnSpc>
           <a:spcPct val="100000"/>
         </a:lnSpc>
@@ -11458,7 +11691,7 @@
           <a:srgbClr val="000000"/>
         </a:buClr>
         <a:buFont typeface="Arial"/>
-        <a:defRPr b="0" i="0" sz="1400" u="none" cap="none" strike="noStrike">
+        <a:defRPr sz="1400" b="0" i="0" u="none" strike="noStrike" cap="none">
           <a:solidFill>
             <a:srgbClr val="000000"/>
           </a:solidFill>
@@ -11468,7 +11701,7 @@
           <a:sym typeface="Arial"/>
         </a:defRPr>
       </a:lvl8pPr>
-      <a:lvl9pPr lvl="8" marR="0" rtl="0" algn="l">
+      <a:lvl9pPr marR="0" lvl="8" algn="l" rtl="0">
         <a:lnSpc>
           <a:spcPct val="100000"/>
         </a:lnSpc>
@@ -11482,7 +11715,7 @@
           <a:srgbClr val="000000"/>
         </a:buClr>
         <a:buFont typeface="Arial"/>
-        <a:defRPr b="0" i="0" sz="1400" u="none" cap="none" strike="noStrike">
+        <a:defRPr sz="1400" b="0" i="0" u="none" strike="noStrike" cap="none">
           <a:solidFill>
             <a:srgbClr val="000000"/>
           </a:solidFill>
@@ -11494,7 +11727,7 @@
       </a:lvl9pPr>
     </p:titleStyle>
     <p:bodyStyle>
-      <a:defPPr lvl="0" marR="0" rtl="0" algn="l">
+      <a:defPPr marR="0" lvl="0" algn="l" rtl="0">
         <a:lnSpc>
           <a:spcPct val="100000"/>
         </a:lnSpc>
@@ -11505,7 +11738,7 @@
           <a:spcPts val="0"/>
         </a:spcAft>
       </a:defPPr>
-      <a:lvl1pPr lvl="0" marR="0" rtl="0" algn="l">
+      <a:lvl1pPr marR="0" lvl="0" algn="l" rtl="0">
         <a:lnSpc>
           <a:spcPct val="100000"/>
         </a:lnSpc>
@@ -11519,7 +11752,7 @@
           <a:srgbClr val="000000"/>
         </a:buClr>
         <a:buFont typeface="Arial"/>
-        <a:defRPr b="0" i="0" sz="1400" u="none" cap="none" strike="noStrike">
+        <a:defRPr sz="1400" b="0" i="0" u="none" strike="noStrike" cap="none">
           <a:solidFill>
             <a:srgbClr val="000000"/>
           </a:solidFill>
@@ -11529,7 +11762,7 @@
           <a:sym typeface="Arial"/>
         </a:defRPr>
       </a:lvl1pPr>
-      <a:lvl2pPr lvl="1" marR="0" rtl="0" algn="l">
+      <a:lvl2pPr marR="0" lvl="1" algn="l" rtl="0">
         <a:lnSpc>
           <a:spcPct val="100000"/>
         </a:lnSpc>
@@ -11543,7 +11776,7 @@
           <a:srgbClr val="000000"/>
         </a:buClr>
         <a:buFont typeface="Arial"/>
-        <a:defRPr b="0" i="0" sz="1400" u="none" cap="none" strike="noStrike">
+        <a:defRPr sz="1400" b="0" i="0" u="none" strike="noStrike" cap="none">
           <a:solidFill>
             <a:srgbClr val="000000"/>
           </a:solidFill>
@@ -11553,7 +11786,7 @@
           <a:sym typeface="Arial"/>
         </a:defRPr>
       </a:lvl2pPr>
-      <a:lvl3pPr lvl="2" marR="0" rtl="0" algn="l">
+      <a:lvl3pPr marR="0" lvl="2" algn="l" rtl="0">
         <a:lnSpc>
           <a:spcPct val="100000"/>
         </a:lnSpc>
@@ -11567,7 +11800,7 @@
           <a:srgbClr val="000000"/>
         </a:buClr>
         <a:buFont typeface="Arial"/>
-        <a:defRPr b="0" i="0" sz="1400" u="none" cap="none" strike="noStrike">
+        <a:defRPr sz="1400" b="0" i="0" u="none" strike="noStrike" cap="none">
           <a:solidFill>
             <a:srgbClr val="000000"/>
           </a:solidFill>
@@ -11577,7 +11810,7 @@
           <a:sym typeface="Arial"/>
         </a:defRPr>
       </a:lvl3pPr>
-      <a:lvl4pPr lvl="3" marR="0" rtl="0" algn="l">
+      <a:lvl4pPr marR="0" lvl="3" algn="l" rtl="0">
         <a:lnSpc>
           <a:spcPct val="100000"/>
         </a:lnSpc>
@@ -11591,7 +11824,7 @@
           <a:srgbClr val="000000"/>
         </a:buClr>
         <a:buFont typeface="Arial"/>
-        <a:defRPr b="0" i="0" sz="1400" u="none" cap="none" strike="noStrike">
+        <a:defRPr sz="1400" b="0" i="0" u="none" strike="noStrike" cap="none">
           <a:solidFill>
             <a:srgbClr val="000000"/>
           </a:solidFill>
@@ -11601,7 +11834,7 @@
           <a:sym typeface="Arial"/>
         </a:defRPr>
       </a:lvl4pPr>
-      <a:lvl5pPr lvl="4" marR="0" rtl="0" algn="l">
+      <a:lvl5pPr marR="0" lvl="4" algn="l" rtl="0">
         <a:lnSpc>
           <a:spcPct val="100000"/>
         </a:lnSpc>
@@ -11615,7 +11848,7 @@
           <a:srgbClr val="000000"/>
         </a:buClr>
         <a:buFont typeface="Arial"/>
-        <a:defRPr b="0" i="0" sz="1400" u="none" cap="none" strike="noStrike">
+        <a:defRPr sz="1400" b="0" i="0" u="none" strike="noStrike" cap="none">
           <a:solidFill>
             <a:srgbClr val="000000"/>
           </a:solidFill>
@@ -11625,7 +11858,7 @@
           <a:sym typeface="Arial"/>
         </a:defRPr>
       </a:lvl5pPr>
-      <a:lvl6pPr lvl="5" marR="0" rtl="0" algn="l">
+      <a:lvl6pPr marR="0" lvl="5" algn="l" rtl="0">
         <a:lnSpc>
           <a:spcPct val="100000"/>
         </a:lnSpc>
@@ -11639,7 +11872,7 @@
           <a:srgbClr val="000000"/>
         </a:buClr>
         <a:buFont typeface="Arial"/>
-        <a:defRPr b="0" i="0" sz="1400" u="none" cap="none" strike="noStrike">
+        <a:defRPr sz="1400" b="0" i="0" u="none" strike="noStrike" cap="none">
           <a:solidFill>
             <a:srgbClr val="000000"/>
           </a:solidFill>
@@ -11649,7 +11882,7 @@
           <a:sym typeface="Arial"/>
         </a:defRPr>
       </a:lvl6pPr>
-      <a:lvl7pPr lvl="6" marR="0" rtl="0" algn="l">
+      <a:lvl7pPr marR="0" lvl="6" algn="l" rtl="0">
         <a:lnSpc>
           <a:spcPct val="100000"/>
         </a:lnSpc>
@@ -11663,7 +11896,7 @@
           <a:srgbClr val="000000"/>
         </a:buClr>
         <a:buFont typeface="Arial"/>
-        <a:defRPr b="0" i="0" sz="1400" u="none" cap="none" strike="noStrike">
+        <a:defRPr sz="1400" b="0" i="0" u="none" strike="noStrike" cap="none">
           <a:solidFill>
             <a:srgbClr val="000000"/>
           </a:solidFill>
@@ -11673,7 +11906,7 @@
           <a:sym typeface="Arial"/>
         </a:defRPr>
       </a:lvl7pPr>
-      <a:lvl8pPr lvl="7" marR="0" rtl="0" algn="l">
+      <a:lvl8pPr marR="0" lvl="7" algn="l" rtl="0">
         <a:lnSpc>
           <a:spcPct val="100000"/>
         </a:lnSpc>
@@ -11687,7 +11920,7 @@
           <a:srgbClr val="000000"/>
         </a:buClr>
         <a:buFont typeface="Arial"/>
-        <a:defRPr b="0" i="0" sz="1400" u="none" cap="none" strike="noStrike">
+        <a:defRPr sz="1400" b="0" i="0" u="none" strike="noStrike" cap="none">
           <a:solidFill>
             <a:srgbClr val="000000"/>
           </a:solidFill>
@@ -11697,7 +11930,7 @@
           <a:sym typeface="Arial"/>
         </a:defRPr>
       </a:lvl8pPr>
-      <a:lvl9pPr lvl="8" marR="0" rtl="0" algn="l">
+      <a:lvl9pPr marR="0" lvl="8" algn="l" rtl="0">
         <a:lnSpc>
           <a:spcPct val="100000"/>
         </a:lnSpc>
@@ -11711,7 +11944,7 @@
           <a:srgbClr val="000000"/>
         </a:buClr>
         <a:buFont typeface="Arial"/>
-        <a:defRPr b="0" i="0" sz="1400" u="none" cap="none" strike="noStrike">
+        <a:defRPr sz="1400" b="0" i="0" u="none" strike="noStrike" cap="none">
           <a:solidFill>
             <a:srgbClr val="000000"/>
           </a:solidFill>
@@ -11723,7 +11956,7 @@
       </a:lvl9pPr>
     </p:bodyStyle>
     <p:otherStyle>
-      <a:defPPr lvl="0" marR="0" rtl="0" algn="l">
+      <a:defPPr marR="0" lvl="0" algn="l" rtl="0">
         <a:lnSpc>
           <a:spcPct val="100000"/>
         </a:lnSpc>
@@ -11734,7 +11967,7 @@
           <a:spcPts val="0"/>
         </a:spcAft>
       </a:defPPr>
-      <a:lvl1pPr lvl="0" marR="0" rtl="0" algn="l">
+      <a:lvl1pPr marR="0" lvl="0" algn="l" rtl="0">
         <a:lnSpc>
           <a:spcPct val="100000"/>
         </a:lnSpc>
@@ -11748,7 +11981,7 @@
           <a:srgbClr val="000000"/>
         </a:buClr>
         <a:buFont typeface="Arial"/>
-        <a:defRPr b="0" i="0" sz="1400" u="none" cap="none" strike="noStrike">
+        <a:defRPr sz="1400" b="0" i="0" u="none" strike="noStrike" cap="none">
           <a:solidFill>
             <a:srgbClr val="000000"/>
           </a:solidFill>
@@ -11758,7 +11991,7 @@
           <a:sym typeface="Arial"/>
         </a:defRPr>
       </a:lvl1pPr>
-      <a:lvl2pPr lvl="1" marR="0" rtl="0" algn="l">
+      <a:lvl2pPr marR="0" lvl="1" algn="l" rtl="0">
         <a:lnSpc>
           <a:spcPct val="100000"/>
         </a:lnSpc>
@@ -11772,7 +12005,7 @@
           <a:srgbClr val="000000"/>
         </a:buClr>
         <a:buFont typeface="Arial"/>
-        <a:defRPr b="0" i="0" sz="1400" u="none" cap="none" strike="noStrike">
+        <a:defRPr sz="1400" b="0" i="0" u="none" strike="noStrike" cap="none">
           <a:solidFill>
             <a:srgbClr val="000000"/>
           </a:solidFill>
@@ -11782,7 +12015,7 @@
           <a:sym typeface="Arial"/>
         </a:defRPr>
       </a:lvl2pPr>
-      <a:lvl3pPr lvl="2" marR="0" rtl="0" algn="l">
+      <a:lvl3pPr marR="0" lvl="2" algn="l" rtl="0">
         <a:lnSpc>
           <a:spcPct val="100000"/>
         </a:lnSpc>
@@ -11796,7 +12029,7 @@
           <a:srgbClr val="000000"/>
         </a:buClr>
         <a:buFont typeface="Arial"/>
-        <a:defRPr b="0" i="0" sz="1400" u="none" cap="none" strike="noStrike">
+        <a:defRPr sz="1400" b="0" i="0" u="none" strike="noStrike" cap="none">
           <a:solidFill>
             <a:srgbClr val="000000"/>
           </a:solidFill>
@@ -11806,7 +12039,7 @@
           <a:sym typeface="Arial"/>
         </a:defRPr>
       </a:lvl3pPr>
-      <a:lvl4pPr lvl="3" marR="0" rtl="0" algn="l">
+      <a:lvl4pPr marR="0" lvl="3" algn="l" rtl="0">
         <a:lnSpc>
           <a:spcPct val="100000"/>
         </a:lnSpc>
@@ -11820,7 +12053,7 @@
           <a:srgbClr val="000000"/>
         </a:buClr>
         <a:buFont typeface="Arial"/>
-        <a:defRPr b="0" i="0" sz="1400" u="none" cap="none" strike="noStrike">
+        <a:defRPr sz="1400" b="0" i="0" u="none" strike="noStrike" cap="none">
           <a:solidFill>
             <a:srgbClr val="000000"/>
           </a:solidFill>
@@ -11830,7 +12063,7 @@
           <a:sym typeface="Arial"/>
         </a:defRPr>
       </a:lvl4pPr>
-      <a:lvl5pPr lvl="4" marR="0" rtl="0" algn="l">
+      <a:lvl5pPr marR="0" lvl="4" algn="l" rtl="0">
         <a:lnSpc>
           <a:spcPct val="100000"/>
         </a:lnSpc>
@@ -11844,7 +12077,7 @@
           <a:srgbClr val="000000"/>
         </a:buClr>
         <a:buFont typeface="Arial"/>
-        <a:defRPr b="0" i="0" sz="1400" u="none" cap="none" strike="noStrike">
+        <a:defRPr sz="1400" b="0" i="0" u="none" strike="noStrike" cap="none">
           <a:solidFill>
             <a:srgbClr val="000000"/>
           </a:solidFill>
@@ -11854,7 +12087,7 @@
           <a:sym typeface="Arial"/>
         </a:defRPr>
       </a:lvl5pPr>
-      <a:lvl6pPr lvl="5" marR="0" rtl="0" algn="l">
+      <a:lvl6pPr marR="0" lvl="5" algn="l" rtl="0">
         <a:lnSpc>
           <a:spcPct val="100000"/>
         </a:lnSpc>
@@ -11868,7 +12101,7 @@
           <a:srgbClr val="000000"/>
         </a:buClr>
         <a:buFont typeface="Arial"/>
-        <a:defRPr b="0" i="0" sz="1400" u="none" cap="none" strike="noStrike">
+        <a:defRPr sz="1400" b="0" i="0" u="none" strike="noStrike" cap="none">
           <a:solidFill>
             <a:srgbClr val="000000"/>
           </a:solidFill>
@@ -11878,7 +12111,7 @@
           <a:sym typeface="Arial"/>
         </a:defRPr>
       </a:lvl6pPr>
-      <a:lvl7pPr lvl="6" marR="0" rtl="0" algn="l">
+      <a:lvl7pPr marR="0" lvl="6" algn="l" rtl="0">
         <a:lnSpc>
           <a:spcPct val="100000"/>
         </a:lnSpc>
@@ -11892,7 +12125,7 @@
           <a:srgbClr val="000000"/>
         </a:buClr>
         <a:buFont typeface="Arial"/>
-        <a:defRPr b="0" i="0" sz="1400" u="none" cap="none" strike="noStrike">
+        <a:defRPr sz="1400" b="0" i="0" u="none" strike="noStrike" cap="none">
           <a:solidFill>
             <a:srgbClr val="000000"/>
           </a:solidFill>
@@ -11902,7 +12135,7 @@
           <a:sym typeface="Arial"/>
         </a:defRPr>
       </a:lvl7pPr>
-      <a:lvl8pPr lvl="7" marR="0" rtl="0" algn="l">
+      <a:lvl8pPr marR="0" lvl="7" algn="l" rtl="0">
         <a:lnSpc>
           <a:spcPct val="100000"/>
         </a:lnSpc>
@@ -11916,7 +12149,7 @@
           <a:srgbClr val="000000"/>
         </a:buClr>
         <a:buFont typeface="Arial"/>
-        <a:defRPr b="0" i="0" sz="1400" u="none" cap="none" strike="noStrike">
+        <a:defRPr sz="1400" b="0" i="0" u="none" strike="noStrike" cap="none">
           <a:solidFill>
             <a:srgbClr val="000000"/>
           </a:solidFill>
@@ -11926,7 +12159,7 @@
           <a:sym typeface="Arial"/>
         </a:defRPr>
       </a:lvl8pPr>
-      <a:lvl9pPr lvl="8" marR="0" rtl="0" algn="l">
+      <a:lvl9pPr marR="0" lvl="8" algn="l" rtl="0">
         <a:lnSpc>
           <a:spcPct val="100000"/>
         </a:lnSpc>
@@ -11940,7 +12173,7 @@
           <a:srgbClr val="000000"/>
         </a:buClr>
         <a:buFont typeface="Arial"/>
-        <a:defRPr b="0" i="0" sz="1400" u="none" cap="none" strike="noStrike">
+        <a:defRPr sz="1400" b="0" i="0" u="none" strike="noStrike" cap="none">
           <a:solidFill>
             <a:srgbClr val="000000"/>
           </a:solidFill>
@@ -11956,11 +12189,11 @@
 </file>
 
 <file path=ppt/slides/slide1.xml><?xml version="1.0" encoding="utf-8"?>
-<p:sld xmlns:a="http://schemas.openxmlformats.org/drawingml/2006/main" xmlns:r="http://schemas.openxmlformats.org/officeDocument/2006/relationships" xmlns:mc="http://schemas.openxmlformats.org/markup-compatibility/2006" xmlns:mv="urn:schemas-microsoft-com:mac:vml" xmlns:p="http://schemas.openxmlformats.org/presentationml/2006/main" xmlns:c="http://schemas.openxmlformats.org/drawingml/2006/chart" xmlns:dgm="http://schemas.openxmlformats.org/drawingml/2006/diagram" xmlns:o="urn:schemas-microsoft-com:office:office" xmlns:v="urn:schemas-microsoft-com:vml" xmlns:pvml="urn:schemas-microsoft-com:office:powerpoint" xmlns:com="http://schemas.openxmlformats.org/drawingml/2006/compatibility" xmlns:p14="http://schemas.microsoft.com/office/powerpoint/2010/main" xmlns:p15="http://schemas.microsoft.com/office/powerpoint/2012/main" xmlns:ahyp="http://schemas.microsoft.com/office/drawing/2018/hyperlinkcolor">
+<p:sld xmlns:a="http://schemas.openxmlformats.org/drawingml/2006/main" xmlns:r="http://schemas.openxmlformats.org/officeDocument/2006/relationships" xmlns:p="http://schemas.openxmlformats.org/presentationml/2006/main">
   <p:cSld>
     <p:spTree>
       <p:nvGrpSpPr>
-        <p:cNvPr id="100" name="Shape 100"/>
+        <p:cNvPr id="1" name="Shape 100"/>
         <p:cNvGrpSpPr/>
         <p:nvPr/>
       </p:nvGrpSpPr>
@@ -11975,7 +12208,9 @@
       <p:sp>
         <p:nvSpPr>
           <p:cNvPr id="101" name="Google Shape;101;p1"/>
-          <p:cNvSpPr txBox="1"/>
+          <p:cNvSpPr txBox="1">
+            <a:spLocks noGrp="1"/>
+          </p:cNvSpPr>
           <p:nvPr>
             <p:ph type="ctrTitle"/>
           </p:nvPr>
@@ -11994,12 +12229,12 @@
           </a:ln>
         </p:spPr>
         <p:txBody>
-          <a:bodyPr anchorCtr="0" anchor="b" bIns="45700" lIns="91425" spcFirstLastPara="1" rIns="91425" wrap="square" tIns="45700">
+          <a:bodyPr spcFirstLastPara="1" wrap="square" lIns="91425" tIns="45700" rIns="91425" bIns="45700" anchor="b" anchorCtr="0">
             <a:normAutofit/>
           </a:bodyPr>
           <a:lstStyle/>
           <a:p>
-            <a:pPr indent="0" lvl="0" marL="0" rtl="0" algn="l">
+            <a:pPr marL="0" lvl="0" indent="0" algn="l" rtl="0">
               <a:lnSpc>
                 <a:spcPct val="85000"/>
               </a:lnSpc>
@@ -12027,9 +12262,11 @@
       <p:sp>
         <p:nvSpPr>
           <p:cNvPr id="102" name="Google Shape;102;p1"/>
-          <p:cNvSpPr txBox="1"/>
+          <p:cNvSpPr txBox="1">
+            <a:spLocks noGrp="1"/>
+          </p:cNvSpPr>
           <p:nvPr>
-            <p:ph idx="1" type="subTitle"/>
+            <p:ph type="subTitle" idx="1"/>
           </p:nvPr>
         </p:nvSpPr>
         <p:spPr>
@@ -12046,12 +12283,12 @@
           </a:ln>
         </p:spPr>
         <p:txBody>
-          <a:bodyPr anchorCtr="0" anchor="t" bIns="45700" lIns="91425" spcFirstLastPara="1" rIns="91425" wrap="square" tIns="45700">
+          <a:bodyPr spcFirstLastPara="1" wrap="square" lIns="91425" tIns="45700" rIns="91425" bIns="45700" anchor="t" anchorCtr="0">
             <a:normAutofit/>
           </a:bodyPr>
           <a:lstStyle/>
           <a:p>
-            <a:pPr indent="0" lvl="0" marL="0" rtl="0" algn="l">
+            <a:pPr marL="0" lvl="0" indent="0" algn="l" rtl="0">
               <a:lnSpc>
                 <a:spcPct val="90000"/>
               </a:lnSpc>
@@ -12081,11 +12318,11 @@
 </file>
 
 <file path=ppt/slides/slide2.xml><?xml version="1.0" encoding="utf-8"?>
-<p:sld xmlns:a="http://schemas.openxmlformats.org/drawingml/2006/main" xmlns:r="http://schemas.openxmlformats.org/officeDocument/2006/relationships" xmlns:mc="http://schemas.openxmlformats.org/markup-compatibility/2006" xmlns:mv="urn:schemas-microsoft-com:mac:vml" xmlns:p="http://schemas.openxmlformats.org/presentationml/2006/main" xmlns:c="http://schemas.openxmlformats.org/drawingml/2006/chart" xmlns:dgm="http://schemas.openxmlformats.org/drawingml/2006/diagram" xmlns:o="urn:schemas-microsoft-com:office:office" xmlns:v="urn:schemas-microsoft-com:vml" xmlns:pvml="urn:schemas-microsoft-com:office:powerpoint" xmlns:com="http://schemas.openxmlformats.org/drawingml/2006/compatibility" xmlns:p14="http://schemas.microsoft.com/office/powerpoint/2010/main" xmlns:p15="http://schemas.microsoft.com/office/powerpoint/2012/main" xmlns:ahyp="http://schemas.microsoft.com/office/drawing/2018/hyperlinkcolor">
+<p:sld xmlns:a="http://schemas.openxmlformats.org/drawingml/2006/main" xmlns:r="http://schemas.openxmlformats.org/officeDocument/2006/relationships" xmlns:p="http://schemas.openxmlformats.org/presentationml/2006/main">
   <p:cSld>
     <p:spTree>
       <p:nvGrpSpPr>
-        <p:cNvPr id="106" name="Shape 106"/>
+        <p:cNvPr id="1" name="Shape 106"/>
         <p:cNvGrpSpPr/>
         <p:nvPr/>
       </p:nvGrpSpPr>
@@ -12100,7 +12337,520 @@
       <p:sp>
         <p:nvSpPr>
           <p:cNvPr id="107" name="Google Shape;107;p2"/>
-          <p:cNvSpPr txBox="1"/>
+          <p:cNvSpPr txBox="1">
+            <a:spLocks noGrp="1"/>
+          </p:cNvSpPr>
+          <p:nvPr>
+            <p:ph type="title"/>
+          </p:nvPr>
+        </p:nvSpPr>
+        <p:spPr>
+          <a:xfrm>
+            <a:off x="1097280" y="286603"/>
+            <a:ext cx="10058400" cy="909151"/>
+          </a:xfrm>
+          <a:prstGeom prst="rect">
+            <a:avLst/>
+          </a:prstGeom>
+          <a:noFill/>
+          <a:ln>
+            <a:noFill/>
+          </a:ln>
+        </p:spPr>
+        <p:txBody>
+          <a:bodyPr spcFirstLastPara="1" wrap="square" lIns="91425" tIns="45700" rIns="91425" bIns="45700" anchor="b" anchorCtr="0">
+            <a:normAutofit/>
+          </a:bodyPr>
+          <a:lstStyle/>
+          <a:p>
+            <a:pPr marL="0" lvl="0" indent="0" algn="l" rtl="0">
+              <a:lnSpc>
+                <a:spcPct val="85000"/>
+              </a:lnSpc>
+              <a:spcBef>
+                <a:spcPts val="0"/>
+              </a:spcBef>
+              <a:spcAft>
+                <a:spcPts val="0"/>
+              </a:spcAft>
+              <a:buClr>
+                <a:srgbClr val="3F3F3F"/>
+              </a:buClr>
+              <a:buSzPts val="4800"/>
+              <a:buFont typeface="Calibri"/>
+              <a:buNone/>
+            </a:pPr>
+            <a:r>
+              <a:rPr lang="en-US" dirty="0" err="1"/>
+              <a:t>Идея</a:t>
+            </a:r>
+            <a:endParaRPr dirty="0"/>
+          </a:p>
+        </p:txBody>
+      </p:sp>
+      <p:sp>
+        <p:nvSpPr>
+          <p:cNvPr id="108" name="Google Shape;108;p2"/>
+          <p:cNvSpPr txBox="1">
+            <a:spLocks noGrp="1"/>
+          </p:cNvSpPr>
+          <p:nvPr>
+            <p:ph type="body" idx="1"/>
+          </p:nvPr>
+        </p:nvSpPr>
+        <p:spPr>
+          <a:xfrm>
+            <a:off x="611945" y="1719125"/>
+            <a:ext cx="4895557" cy="4023360"/>
+          </a:xfrm>
+          <a:prstGeom prst="rect">
+            <a:avLst/>
+          </a:prstGeom>
+          <a:noFill/>
+          <a:ln>
+            <a:noFill/>
+          </a:ln>
+        </p:spPr>
+        <p:txBody>
+          <a:bodyPr spcFirstLastPara="1" wrap="square" lIns="0" tIns="45700" rIns="0" bIns="45700" anchor="t" anchorCtr="0">
+            <a:normAutofit/>
+          </a:bodyPr>
+          <a:lstStyle/>
+          <a:p>
+            <a:pPr marL="91440" lvl="0" indent="-127000" algn="l" rtl="0">
+              <a:lnSpc>
+                <a:spcPct val="90000"/>
+              </a:lnSpc>
+              <a:spcBef>
+                <a:spcPts val="0"/>
+              </a:spcBef>
+              <a:spcAft>
+                <a:spcPts val="0"/>
+              </a:spcAft>
+              <a:buSzPts val="2000"/>
+              <a:buChar char=" "/>
+            </a:pPr>
+            <a:r>
+              <a:rPr lang="en-US" dirty="0" err="1"/>
+              <a:t>Това</a:t>
+            </a:r>
+            <a:r>
+              <a:rPr lang="en-US" dirty="0"/>
+              <a:t> </a:t>
+            </a:r>
+            <a:r>
+              <a:rPr lang="en-US" dirty="0" err="1"/>
+              <a:t>приложение</a:t>
+            </a:r>
+            <a:r>
+              <a:rPr lang="en-US" dirty="0"/>
+              <a:t> </a:t>
+            </a:r>
+            <a:r>
+              <a:rPr lang="en-US" dirty="0" err="1"/>
+              <a:t>ви</a:t>
+            </a:r>
+            <a:r>
+              <a:rPr lang="en-US" dirty="0"/>
+              <a:t> </a:t>
+            </a:r>
+            <a:r>
+              <a:rPr lang="en-US" dirty="0" err="1"/>
+              <a:t>помага</a:t>
+            </a:r>
+            <a:r>
+              <a:rPr lang="en-US" dirty="0"/>
+              <a:t> </a:t>
+            </a:r>
+            <a:r>
+              <a:rPr lang="en-US" dirty="0" err="1"/>
+              <a:t>да</a:t>
+            </a:r>
+            <a:r>
+              <a:rPr lang="en-US" dirty="0"/>
+              <a:t> </a:t>
+            </a:r>
+            <a:r>
+              <a:rPr lang="en-US" dirty="0" err="1"/>
+              <a:t>намерите</a:t>
+            </a:r>
+            <a:r>
+              <a:rPr lang="en-US" dirty="0"/>
+              <a:t> </a:t>
+            </a:r>
+            <a:r>
+              <a:rPr lang="en-US" dirty="0" err="1"/>
+              <a:t>най-подходящата</a:t>
+            </a:r>
+            <a:r>
+              <a:rPr lang="en-US" dirty="0"/>
+              <a:t> </a:t>
+            </a:r>
+            <a:r>
+              <a:rPr lang="en-US" dirty="0" err="1"/>
+              <a:t>ваканция</a:t>
+            </a:r>
+            <a:r>
+              <a:rPr lang="en-US" dirty="0"/>
+              <a:t> </a:t>
+            </a:r>
+            <a:r>
+              <a:rPr lang="en-US" dirty="0" err="1"/>
+              <a:t>за</a:t>
+            </a:r>
+            <a:r>
+              <a:rPr lang="en-US" dirty="0"/>
+              <a:t> </a:t>
+            </a:r>
+            <a:r>
+              <a:rPr lang="en-US" dirty="0" err="1"/>
+              <a:t>вас</a:t>
+            </a:r>
+            <a:r>
+              <a:rPr lang="en-US" dirty="0"/>
+              <a:t>. </a:t>
+            </a:r>
+            <a:r>
+              <a:rPr lang="en-US" dirty="0" err="1"/>
+              <a:t>Предлага</a:t>
+            </a:r>
+            <a:r>
+              <a:rPr lang="en-US" dirty="0"/>
+              <a:t> </a:t>
+            </a:r>
+            <a:r>
+              <a:rPr lang="en-US" dirty="0" err="1"/>
+              <a:t>търсене</a:t>
+            </a:r>
+            <a:r>
+              <a:rPr lang="en-US" dirty="0"/>
+              <a:t> </a:t>
+            </a:r>
+            <a:r>
+              <a:rPr lang="en-US" dirty="0" err="1"/>
+              <a:t>на</a:t>
+            </a:r>
+            <a:r>
+              <a:rPr lang="en-US" dirty="0"/>
+              <a:t> </a:t>
+            </a:r>
+            <a:r>
+              <a:rPr lang="en-US" dirty="0" err="1"/>
+              <a:t>локации</a:t>
+            </a:r>
+            <a:r>
+              <a:rPr lang="en-US" dirty="0"/>
+              <a:t> </a:t>
+            </a:r>
+            <a:r>
+              <a:rPr lang="en-US" dirty="0" err="1"/>
+              <a:t>по</a:t>
+            </a:r>
+            <a:r>
+              <a:rPr lang="en-US" dirty="0"/>
+              <a:t> </a:t>
+            </a:r>
+            <a:r>
+              <a:rPr lang="en-US" dirty="0" err="1"/>
+              <a:t>цял</a:t>
+            </a:r>
+            <a:r>
+              <a:rPr lang="en-US" dirty="0"/>
+              <a:t> </a:t>
+            </a:r>
+            <a:r>
+              <a:rPr lang="en-US" dirty="0" err="1"/>
+              <a:t>свят</a:t>
+            </a:r>
+            <a:r>
+              <a:rPr lang="en-US" dirty="0"/>
+              <a:t>, и </a:t>
+            </a:r>
+            <a:r>
+              <a:rPr lang="en-US" dirty="0" err="1"/>
+              <a:t>предоставяне</a:t>
+            </a:r>
+            <a:r>
+              <a:rPr lang="en-US" dirty="0"/>
+              <a:t> </a:t>
+            </a:r>
+            <a:r>
+              <a:rPr lang="en-US" dirty="0" err="1"/>
+              <a:t>на</a:t>
+            </a:r>
+            <a:r>
+              <a:rPr lang="en-US" dirty="0"/>
+              <a:t> </a:t>
+            </a:r>
+            <a:r>
+              <a:rPr lang="en-US" dirty="0" err="1"/>
+              <a:t>Атракции</a:t>
+            </a:r>
+            <a:r>
+              <a:rPr lang="en-US" dirty="0"/>
+              <a:t>, </a:t>
+            </a:r>
+            <a:r>
+              <a:rPr lang="en-US" dirty="0" err="1"/>
+              <a:t>Екскурзии</a:t>
+            </a:r>
+            <a:r>
+              <a:rPr lang="en-US" dirty="0"/>
+              <a:t>  и </a:t>
+            </a:r>
+            <a:r>
+              <a:rPr lang="en-US" dirty="0" err="1"/>
+              <a:t>Хотели</a:t>
+            </a:r>
+            <a:r>
+              <a:rPr lang="en-US" dirty="0"/>
+              <a:t>. </a:t>
+            </a:r>
+            <a:r>
+              <a:rPr lang="en-US" dirty="0" err="1"/>
+              <a:t>При</a:t>
+            </a:r>
+            <a:r>
+              <a:rPr lang="en-US" dirty="0"/>
+              <a:t> </a:t>
+            </a:r>
+            <a:r>
+              <a:rPr lang="en-US" dirty="0" err="1"/>
+              <a:t>прегледане</a:t>
+            </a:r>
+            <a:r>
+              <a:rPr lang="en-US" dirty="0"/>
+              <a:t> </a:t>
+            </a:r>
+            <a:r>
+              <a:rPr lang="en-US" dirty="0" err="1"/>
+              <a:t>дестинация</a:t>
+            </a:r>
+            <a:r>
+              <a:rPr lang="en-US" dirty="0"/>
+              <a:t> </a:t>
+            </a:r>
+            <a:r>
+              <a:rPr lang="en-US" dirty="0" err="1"/>
+              <a:t>тя</a:t>
+            </a:r>
+            <a:r>
+              <a:rPr lang="en-US" dirty="0"/>
+              <a:t> </a:t>
+            </a:r>
+            <a:r>
+              <a:rPr lang="en-US" dirty="0" err="1"/>
+              <a:t>се</a:t>
+            </a:r>
+            <a:r>
+              <a:rPr lang="en-US" dirty="0"/>
+              <a:t> </a:t>
+            </a:r>
+            <a:r>
+              <a:rPr lang="en-US" dirty="0" err="1"/>
+              <a:t>запазва</a:t>
+            </a:r>
+            <a:r>
+              <a:rPr lang="en-US" dirty="0"/>
+              <a:t> в redux </a:t>
+            </a:r>
+            <a:r>
+              <a:rPr lang="en-US" dirty="0" err="1"/>
+              <a:t>стейт</a:t>
+            </a:r>
+            <a:r>
+              <a:rPr lang="en-US" dirty="0"/>
+              <a:t> и </a:t>
+            </a:r>
+            <a:r>
+              <a:rPr lang="en-US" dirty="0" err="1"/>
+              <a:t>на</a:t>
+            </a:r>
+            <a:r>
+              <a:rPr lang="en-US" dirty="0"/>
+              <a:t> </a:t>
+            </a:r>
+            <a:r>
+              <a:rPr lang="en-US" dirty="0" err="1"/>
+              <a:t>база</a:t>
+            </a:r>
+            <a:r>
+              <a:rPr lang="en-US" dirty="0"/>
+              <a:t> </a:t>
+            </a:r>
+            <a:r>
+              <a:rPr lang="en-US" dirty="0" err="1"/>
+              <a:t>на</a:t>
+            </a:r>
+            <a:r>
+              <a:rPr lang="en-US" dirty="0"/>
+              <a:t> </a:t>
+            </a:r>
+            <a:r>
+              <a:rPr lang="en-US" dirty="0" err="1"/>
+              <a:t>търсените</a:t>
+            </a:r>
+            <a:r>
+              <a:rPr lang="en-US" dirty="0"/>
+              <a:t> </a:t>
+            </a:r>
+            <a:r>
+              <a:rPr lang="en-US" dirty="0" err="1"/>
+              <a:t>локации</a:t>
+            </a:r>
+            <a:r>
+              <a:rPr lang="en-US" dirty="0"/>
+              <a:t>, </a:t>
+            </a:r>
+            <a:r>
+              <a:rPr lang="en-US" dirty="0" err="1"/>
+              <a:t>предлага</a:t>
+            </a:r>
+            <a:r>
+              <a:rPr lang="en-US" dirty="0"/>
+              <a:t> </a:t>
+            </a:r>
+            <a:r>
+              <a:rPr lang="en-US" dirty="0" err="1"/>
+              <a:t>нови</a:t>
+            </a:r>
+            <a:r>
+              <a:rPr lang="en-US" dirty="0"/>
+              <a:t> </a:t>
+            </a:r>
+            <a:r>
+              <a:rPr lang="en-US" dirty="0" err="1"/>
+              <a:t>локации</a:t>
+            </a:r>
+            <a:r>
+              <a:rPr lang="en-US" dirty="0"/>
+              <a:t>, </a:t>
+            </a:r>
+            <a:r>
+              <a:rPr lang="en-US" dirty="0" err="1"/>
+              <a:t>от</a:t>
+            </a:r>
+            <a:r>
+              <a:rPr lang="en-US" dirty="0"/>
+              <a:t> </a:t>
+            </a:r>
+            <a:r>
+              <a:rPr lang="en-US" dirty="0" err="1"/>
+              <a:t>които</a:t>
+            </a:r>
+            <a:r>
+              <a:rPr lang="en-US" dirty="0"/>
+              <a:t> </a:t>
+            </a:r>
+            <a:r>
+              <a:rPr lang="en-US" dirty="0" err="1"/>
+              <a:t>юзъра</a:t>
+            </a:r>
+            <a:r>
+              <a:rPr lang="en-US" dirty="0"/>
+              <a:t> </a:t>
+            </a:r>
+            <a:r>
+              <a:rPr lang="en-US" dirty="0" err="1"/>
+              <a:t>може</a:t>
+            </a:r>
+            <a:r>
+              <a:rPr lang="en-US" dirty="0"/>
+              <a:t> </a:t>
+            </a:r>
+            <a:r>
+              <a:rPr lang="en-US" dirty="0" err="1"/>
+              <a:t>да</a:t>
+            </a:r>
+            <a:r>
+              <a:rPr lang="en-US" dirty="0"/>
+              <a:t> </a:t>
+            </a:r>
+            <a:r>
+              <a:rPr lang="en-US" dirty="0" err="1"/>
+              <a:t>се</a:t>
+            </a:r>
+            <a:r>
+              <a:rPr lang="en-US" dirty="0"/>
+              <a:t> </a:t>
+            </a:r>
+            <a:r>
+              <a:rPr lang="en-US" dirty="0" err="1"/>
+              <a:t>възползва</a:t>
+            </a:r>
+            <a:r>
+              <a:rPr lang="en-US" dirty="0"/>
+              <a:t>. </a:t>
+            </a:r>
+            <a:r>
+              <a:rPr lang="bg-BG" dirty="0"/>
+              <a:t>Потребителя може да филтрира по три критерия: Дата, Бюджет и тип на локация</a:t>
+            </a:r>
+            <a:endParaRPr dirty="0"/>
+          </a:p>
+        </p:txBody>
+      </p:sp>
+      <p:pic>
+        <p:nvPicPr>
+          <p:cNvPr id="3" name="Picture 2">
+            <a:extLst>
+              <a:ext uri="{FF2B5EF4-FFF2-40B4-BE49-F238E27FC236}">
+                <a16:creationId xmlns:a16="http://schemas.microsoft.com/office/drawing/2014/main" id="{F609A5AE-B5F9-4CB9-8D76-D7BC8AABF19E}"/>
+              </a:ext>
+            </a:extLst>
+          </p:cNvPr>
+          <p:cNvPicPr>
+            <a:picLocks noChangeAspect="1"/>
+          </p:cNvPicPr>
+          <p:nvPr/>
+        </p:nvPicPr>
+        <p:blipFill>
+          <a:blip r:embed="rId3"/>
+          <a:stretch>
+            <a:fillRect/>
+          </a:stretch>
+        </p:blipFill>
+        <p:spPr>
+          <a:xfrm>
+            <a:off x="5756450" y="3094008"/>
+            <a:ext cx="6038894" cy="3171848"/>
+          </a:xfrm>
+          <a:prstGeom prst="rect">
+            <a:avLst/>
+          </a:prstGeom>
+        </p:spPr>
+      </p:pic>
+    </p:spTree>
+  </p:cSld>
+  <p:clrMapOvr>
+    <a:masterClrMapping/>
+  </p:clrMapOvr>
+</p:sld>
+</file>
+
+<file path=ppt/slides/slide3.xml><?xml version="1.0" encoding="utf-8"?>
+<p:sld xmlns:a="http://schemas.openxmlformats.org/drawingml/2006/main" xmlns:r="http://schemas.openxmlformats.org/officeDocument/2006/relationships" xmlns:p="http://schemas.openxmlformats.org/presentationml/2006/main">
+  <p:cSld>
+    <p:spTree>
+      <p:nvGrpSpPr>
+        <p:cNvPr id="1" name="Shape 112"/>
+        <p:cNvGrpSpPr/>
+        <p:nvPr/>
+      </p:nvGrpSpPr>
+      <p:grpSpPr>
+        <a:xfrm>
+          <a:off x="0" y="0"/>
+          <a:ext cx="0" cy="0"/>
+          <a:chOff x="0" y="0"/>
+          <a:chExt cx="0" cy="0"/>
+        </a:xfrm>
+      </p:grpSpPr>
+      <p:sp>
+        <p:nvSpPr>
+          <p:cNvPr id="113" name="Google Shape;113;p3"/>
+          <p:cNvSpPr txBox="1">
+            <a:spLocks noGrp="1"/>
+          </p:cNvSpPr>
           <p:nvPr>
             <p:ph type="title"/>
           </p:nvPr>
@@ -12119,137 +12869,12 @@
           </a:ln>
         </p:spPr>
         <p:txBody>
-          <a:bodyPr anchorCtr="0" anchor="b" bIns="45700" lIns="91425" spcFirstLastPara="1" rIns="91425" wrap="square" tIns="45700">
+          <a:bodyPr spcFirstLastPara="1" wrap="square" lIns="91425" tIns="45700" rIns="91425" bIns="45700" anchor="b" anchorCtr="0">
             <a:normAutofit/>
           </a:bodyPr>
           <a:lstStyle/>
           <a:p>
-            <a:pPr indent="0" lvl="0" marL="0" rtl="0" algn="l">
-              <a:lnSpc>
-                <a:spcPct val="85000"/>
-              </a:lnSpc>
-              <a:spcBef>
-                <a:spcPts val="0"/>
-              </a:spcBef>
-              <a:spcAft>
-                <a:spcPts val="0"/>
-              </a:spcAft>
-              <a:buClr>
-                <a:srgbClr val="3F3F3F"/>
-              </a:buClr>
-              <a:buSzPts val="4800"/>
-              <a:buFont typeface="Calibri"/>
-              <a:buNone/>
-            </a:pPr>
-            <a:r>
-              <a:rPr lang="en-US"/>
-              <a:t>Идея</a:t>
-            </a:r>
-            <a:endParaRPr/>
-          </a:p>
-        </p:txBody>
-      </p:sp>
-      <p:sp>
-        <p:nvSpPr>
-          <p:cNvPr id="108" name="Google Shape;108;p2"/>
-          <p:cNvSpPr txBox="1"/>
-          <p:nvPr>
-            <p:ph idx="1" type="body"/>
-          </p:nvPr>
-        </p:nvSpPr>
-        <p:spPr>
-          <a:xfrm>
-            <a:off x="1097280" y="1845734"/>
-            <a:ext cx="10058400" cy="4023360"/>
-          </a:xfrm>
-          <a:prstGeom prst="rect">
-            <a:avLst/>
-          </a:prstGeom>
-          <a:noFill/>
-          <a:ln>
-            <a:noFill/>
-          </a:ln>
-        </p:spPr>
-        <p:txBody>
-          <a:bodyPr anchorCtr="0" anchor="t" bIns="45700" lIns="0" spcFirstLastPara="1" rIns="0" wrap="square" tIns="45700">
-            <a:normAutofit/>
-          </a:bodyPr>
-          <a:lstStyle/>
-          <a:p>
-            <a:pPr indent="-127000" lvl="0" marL="91440" rtl="0" algn="l">
-              <a:lnSpc>
-                <a:spcPct val="90000"/>
-              </a:lnSpc>
-              <a:spcBef>
-                <a:spcPts val="0"/>
-              </a:spcBef>
-              <a:spcAft>
-                <a:spcPts val="0"/>
-              </a:spcAft>
-              <a:buSzPts val="2000"/>
-              <a:buChar char=" "/>
-            </a:pPr>
-            <a:r>
-              <a:rPr lang="en-US"/>
-              <a:t>Това приложение ви помага да намерите най-подходящата ваканция за вас. Предлага търсене на локации по цял свят, и предоставяне на Атракции, Екскурзии  и Хотели. При прегледане дестинация тя се запазва в редукс стейт и на база на търсените локации, предлага нови локации, от които юзъра може да се възползва</a:t>
-            </a:r>
-            <a:endParaRPr/>
-          </a:p>
-        </p:txBody>
-      </p:sp>
-    </p:spTree>
-  </p:cSld>
-  <p:clrMapOvr>
-    <a:masterClrMapping/>
-  </p:clrMapOvr>
-</p:sld>
-</file>
-
-<file path=ppt/slides/slide3.xml><?xml version="1.0" encoding="utf-8"?>
-<p:sld xmlns:a="http://schemas.openxmlformats.org/drawingml/2006/main" xmlns:r="http://schemas.openxmlformats.org/officeDocument/2006/relationships" xmlns:mc="http://schemas.openxmlformats.org/markup-compatibility/2006" xmlns:mv="urn:schemas-microsoft-com:mac:vml" xmlns:p="http://schemas.openxmlformats.org/presentationml/2006/main" xmlns:c="http://schemas.openxmlformats.org/drawingml/2006/chart" xmlns:dgm="http://schemas.openxmlformats.org/drawingml/2006/diagram" xmlns:o="urn:schemas-microsoft-com:office:office" xmlns:v="urn:schemas-microsoft-com:vml" xmlns:pvml="urn:schemas-microsoft-com:office:powerpoint" xmlns:com="http://schemas.openxmlformats.org/drawingml/2006/compatibility" xmlns:p14="http://schemas.microsoft.com/office/powerpoint/2010/main" xmlns:p15="http://schemas.microsoft.com/office/powerpoint/2012/main" xmlns:ahyp="http://schemas.microsoft.com/office/drawing/2018/hyperlinkcolor">
-  <p:cSld>
-    <p:spTree>
-      <p:nvGrpSpPr>
-        <p:cNvPr id="112" name="Shape 112"/>
-        <p:cNvGrpSpPr/>
-        <p:nvPr/>
-      </p:nvGrpSpPr>
-      <p:grpSpPr>
-        <a:xfrm>
-          <a:off x="0" y="0"/>
-          <a:ext cx="0" cy="0"/>
-          <a:chOff x="0" y="0"/>
-          <a:chExt cx="0" cy="0"/>
-        </a:xfrm>
-      </p:grpSpPr>
-      <p:sp>
-        <p:nvSpPr>
-          <p:cNvPr id="113" name="Google Shape;113;p3"/>
-          <p:cNvSpPr txBox="1"/>
-          <p:nvPr>
-            <p:ph type="title"/>
-          </p:nvPr>
-        </p:nvSpPr>
-        <p:spPr>
-          <a:xfrm>
-            <a:off x="1097280" y="286603"/>
-            <a:ext cx="10058400" cy="1450757"/>
-          </a:xfrm>
-          <a:prstGeom prst="rect">
-            <a:avLst/>
-          </a:prstGeom>
-          <a:noFill/>
-          <a:ln>
-            <a:noFill/>
-          </a:ln>
-        </p:spPr>
-        <p:txBody>
-          <a:bodyPr anchorCtr="0" anchor="b" bIns="45700" lIns="91425" spcFirstLastPara="1" rIns="91425" wrap="square" tIns="45700">
-            <a:normAutofit/>
-          </a:bodyPr>
-          <a:lstStyle/>
-          <a:p>
-            <a:pPr indent="0" lvl="0" marL="0" rtl="0" algn="l">
+            <a:pPr marL="0" lvl="0" indent="0" algn="l" rtl="0">
               <a:lnSpc>
                 <a:spcPct val="85000"/>
               </a:lnSpc>
@@ -12277,9 +12902,11 @@
       <p:sp>
         <p:nvSpPr>
           <p:cNvPr id="114" name="Google Shape;114;p3"/>
-          <p:cNvSpPr txBox="1"/>
+          <p:cNvSpPr txBox="1">
+            <a:spLocks noGrp="1"/>
+          </p:cNvSpPr>
           <p:nvPr>
-            <p:ph idx="1" type="body"/>
+            <p:ph type="body" idx="1"/>
           </p:nvPr>
         </p:nvSpPr>
         <p:spPr>
@@ -12296,12 +12923,12 @@
           </a:ln>
         </p:spPr>
         <p:txBody>
-          <a:bodyPr anchorCtr="0" anchor="t" bIns="45700" lIns="0" spcFirstLastPara="1" rIns="0" wrap="square" tIns="45700">
+          <a:bodyPr spcFirstLastPara="1" wrap="square" lIns="0" tIns="45700" rIns="0" bIns="45700" anchor="t" anchorCtr="0">
             <a:normAutofit/>
           </a:bodyPr>
           <a:lstStyle/>
           <a:p>
-            <a:pPr indent="-127000" lvl="0" marL="91440" rtl="0" algn="l">
+            <a:pPr marL="91440" lvl="0" indent="-127000" algn="l" rtl="0">
               <a:lnSpc>
                 <a:spcPct val="90000"/>
               </a:lnSpc>
@@ -12322,7 +12949,7 @@
             <a:endParaRPr/>
           </a:p>
           <a:p>
-            <a:pPr indent="-127000" lvl="0" marL="91440" rtl="0" algn="l">
+            <a:pPr marL="91440" lvl="0" indent="-127000" algn="l" rtl="0">
               <a:lnSpc>
                 <a:spcPct val="90000"/>
               </a:lnSpc>
@@ -12353,11 +12980,11 @@
 </file>
 
 <file path=ppt/slides/slide4.xml><?xml version="1.0" encoding="utf-8"?>
-<p:sld xmlns:a="http://schemas.openxmlformats.org/drawingml/2006/main" xmlns:r="http://schemas.openxmlformats.org/officeDocument/2006/relationships" xmlns:mc="http://schemas.openxmlformats.org/markup-compatibility/2006" xmlns:mv="urn:schemas-microsoft-com:mac:vml" xmlns:p="http://schemas.openxmlformats.org/presentationml/2006/main" xmlns:c="http://schemas.openxmlformats.org/drawingml/2006/chart" xmlns:dgm="http://schemas.openxmlformats.org/drawingml/2006/diagram" xmlns:o="urn:schemas-microsoft-com:office:office" xmlns:v="urn:schemas-microsoft-com:vml" xmlns:pvml="urn:schemas-microsoft-com:office:powerpoint" xmlns:com="http://schemas.openxmlformats.org/drawingml/2006/compatibility" xmlns:p14="http://schemas.microsoft.com/office/powerpoint/2010/main" xmlns:p15="http://schemas.microsoft.com/office/powerpoint/2012/main" xmlns:ahyp="http://schemas.microsoft.com/office/drawing/2018/hyperlinkcolor">
+<p:sld xmlns:a="http://schemas.openxmlformats.org/drawingml/2006/main" xmlns:r="http://schemas.openxmlformats.org/officeDocument/2006/relationships" xmlns:p="http://schemas.openxmlformats.org/presentationml/2006/main">
   <p:cSld>
     <p:spTree>
       <p:nvGrpSpPr>
-        <p:cNvPr id="118" name="Shape 118"/>
+        <p:cNvPr id="1" name="Shape 118"/>
         <p:cNvGrpSpPr/>
         <p:nvPr/>
       </p:nvGrpSpPr>
@@ -12372,7 +12999,9 @@
       <p:sp>
         <p:nvSpPr>
           <p:cNvPr id="119" name="Google Shape;119;p4"/>
-          <p:cNvSpPr txBox="1"/>
+          <p:cNvSpPr txBox="1">
+            <a:spLocks noGrp="1"/>
+          </p:cNvSpPr>
           <p:nvPr>
             <p:ph type="title"/>
           </p:nvPr>
@@ -12391,12 +13020,12 @@
           </a:ln>
         </p:spPr>
         <p:txBody>
-          <a:bodyPr anchorCtr="0" anchor="b" bIns="45700" lIns="91425" spcFirstLastPara="1" rIns="91425" wrap="square" tIns="45700">
+          <a:bodyPr spcFirstLastPara="1" wrap="square" lIns="91425" tIns="45700" rIns="91425" bIns="45700" anchor="b" anchorCtr="0">
             <a:normAutofit/>
           </a:bodyPr>
           <a:lstStyle/>
           <a:p>
-            <a:pPr indent="0" lvl="0" marL="0" rtl="0" algn="l">
+            <a:pPr marL="0" lvl="0" indent="0" algn="l" rtl="0">
               <a:lnSpc>
                 <a:spcPct val="85000"/>
               </a:lnSpc>
@@ -12424,9 +13053,11 @@
       <p:sp>
         <p:nvSpPr>
           <p:cNvPr id="120" name="Google Shape;120;p4"/>
-          <p:cNvSpPr txBox="1"/>
+          <p:cNvSpPr txBox="1">
+            <a:spLocks noGrp="1"/>
+          </p:cNvSpPr>
           <p:nvPr>
-            <p:ph idx="1" type="body"/>
+            <p:ph type="body" idx="1"/>
           </p:nvPr>
         </p:nvSpPr>
         <p:spPr>
@@ -12443,12 +13074,12 @@
           </a:ln>
         </p:spPr>
         <p:txBody>
-          <a:bodyPr anchorCtr="0" anchor="t" bIns="45700" lIns="0" spcFirstLastPara="1" rIns="0" wrap="square" tIns="45700">
+          <a:bodyPr spcFirstLastPara="1" wrap="square" lIns="0" tIns="45700" rIns="0" bIns="45700" anchor="t" anchorCtr="0">
             <a:normAutofit/>
           </a:bodyPr>
           <a:lstStyle/>
           <a:p>
-            <a:pPr indent="-127000" lvl="0" marL="91440" rtl="0" algn="l">
+            <a:pPr marL="91440" lvl="0" indent="-127000" algn="l" rtl="0">
               <a:spcBef>
                 <a:spcPts val="1400"/>
               </a:spcBef>
@@ -12466,7 +13097,7 @@
             <a:endParaRPr/>
           </a:p>
           <a:p>
-            <a:pPr indent="-127000" lvl="0" marL="91440" rtl="0" algn="l">
+            <a:pPr marL="91440" lvl="0" indent="-127000" algn="l" rtl="0">
               <a:spcBef>
                 <a:spcPts val="1400"/>
               </a:spcBef>
@@ -12484,7 +13115,7 @@
             <a:endParaRPr/>
           </a:p>
           <a:p>
-            <a:pPr indent="-127000" lvl="0" marL="91440" rtl="0" algn="l">
+            <a:pPr marL="91440" lvl="0" indent="-127000" algn="l" rtl="0">
               <a:spcBef>
                 <a:spcPts val="1400"/>
               </a:spcBef>
@@ -12502,7 +13133,7 @@
             <a:endParaRPr/>
           </a:p>
           <a:p>
-            <a:pPr indent="-127000" lvl="0" marL="91440" rtl="0" algn="l">
+            <a:pPr marL="91440" lvl="0" indent="-127000" algn="l" rtl="0">
               <a:spcBef>
                 <a:spcPts val="1400"/>
               </a:spcBef>
@@ -12520,7 +13151,7 @@
             <a:endParaRPr/>
           </a:p>
           <a:p>
-            <a:pPr indent="-127000" lvl="0" marL="91440" rtl="0" algn="l">
+            <a:pPr marL="91440" lvl="0" indent="-127000" algn="l" rtl="0">
               <a:lnSpc>
                 <a:spcPct val="90000"/>
               </a:lnSpc>
@@ -12541,7 +13172,7 @@
             <a:endParaRPr/>
           </a:p>
           <a:p>
-            <a:pPr indent="-114300" lvl="0" marL="91440" rtl="0" algn="l">
+            <a:pPr marL="91440" lvl="0" indent="-114300" algn="l" rtl="0">
               <a:lnSpc>
                 <a:spcPct val="90000"/>
               </a:lnSpc>
@@ -12561,7 +13192,7 @@
             <a:endParaRPr/>
           </a:p>
           <a:p>
-            <a:pPr indent="-127000" lvl="0" marL="91440" rtl="0" algn="l">
+            <a:pPr marL="91440" lvl="0" indent="-127000" algn="l" rtl="0">
               <a:lnSpc>
                 <a:spcPct val="90000"/>
               </a:lnSpc>
@@ -12582,7 +13213,7 @@
             <a:endParaRPr/>
           </a:p>
           <a:p>
-            <a:pPr indent="-114300" lvl="0" marL="91440" rtl="0" algn="l">
+            <a:pPr marL="91440" lvl="0" indent="-114300" algn="l" rtl="0">
               <a:lnSpc>
                 <a:spcPct val="90000"/>
               </a:lnSpc>
@@ -12602,7 +13233,7 @@
             <a:endParaRPr/>
           </a:p>
           <a:p>
-            <a:pPr indent="-127000" lvl="0" marL="91440" rtl="0" algn="l">
+            <a:pPr marL="91440" lvl="0" indent="-127000" algn="l" rtl="0">
               <a:lnSpc>
                 <a:spcPct val="90000"/>
               </a:lnSpc>
@@ -12633,11 +13264,11 @@
 </file>
 
 <file path=ppt/slides/slide5.xml><?xml version="1.0" encoding="utf-8"?>
-<p:sld xmlns:a="http://schemas.openxmlformats.org/drawingml/2006/main" xmlns:r="http://schemas.openxmlformats.org/officeDocument/2006/relationships" xmlns:mc="http://schemas.openxmlformats.org/markup-compatibility/2006" xmlns:mv="urn:schemas-microsoft-com:mac:vml" xmlns:p="http://schemas.openxmlformats.org/presentationml/2006/main" xmlns:c="http://schemas.openxmlformats.org/drawingml/2006/chart" xmlns:dgm="http://schemas.openxmlformats.org/drawingml/2006/diagram" xmlns:o="urn:schemas-microsoft-com:office:office" xmlns:v="urn:schemas-microsoft-com:vml" xmlns:pvml="urn:schemas-microsoft-com:office:powerpoint" xmlns:com="http://schemas.openxmlformats.org/drawingml/2006/compatibility" xmlns:p14="http://schemas.microsoft.com/office/powerpoint/2010/main" xmlns:p15="http://schemas.microsoft.com/office/powerpoint/2012/main" xmlns:ahyp="http://schemas.microsoft.com/office/drawing/2018/hyperlinkcolor">
+<p:sld xmlns:a="http://schemas.openxmlformats.org/drawingml/2006/main" xmlns:r="http://schemas.openxmlformats.org/officeDocument/2006/relationships" xmlns:p="http://schemas.openxmlformats.org/presentationml/2006/main">
   <p:cSld>
     <p:spTree>
       <p:nvGrpSpPr>
-        <p:cNvPr id="124" name="Shape 124"/>
+        <p:cNvPr id="1" name="Shape 124"/>
         <p:cNvGrpSpPr/>
         <p:nvPr/>
       </p:nvGrpSpPr>
@@ -12652,7 +13283,9 @@
       <p:sp>
         <p:nvSpPr>
           <p:cNvPr id="125" name="Google Shape;125;p5"/>
-          <p:cNvSpPr txBox="1"/>
+          <p:cNvSpPr txBox="1">
+            <a:spLocks noGrp="1"/>
+          </p:cNvSpPr>
           <p:nvPr>
             <p:ph type="title"/>
           </p:nvPr>
@@ -12671,12 +13304,12 @@
           </a:ln>
         </p:spPr>
         <p:txBody>
-          <a:bodyPr anchorCtr="0" anchor="b" bIns="45700" lIns="91425" spcFirstLastPara="1" rIns="91425" wrap="square" tIns="45700">
+          <a:bodyPr spcFirstLastPara="1" wrap="square" lIns="91425" tIns="45700" rIns="91425" bIns="45700" anchor="b" anchorCtr="0">
             <a:normAutofit/>
           </a:bodyPr>
           <a:lstStyle/>
           <a:p>
-            <a:pPr indent="0" lvl="0" marL="0" rtl="0" algn="l">
+            <a:pPr marL="0" lvl="0" indent="0" algn="l" rtl="0">
               <a:lnSpc>
                 <a:spcPct val="85000"/>
               </a:lnSpc>
@@ -12704,9 +13337,11 @@
       <p:sp>
         <p:nvSpPr>
           <p:cNvPr id="126" name="Google Shape;126;p5"/>
-          <p:cNvSpPr txBox="1"/>
+          <p:cNvSpPr txBox="1">
+            <a:spLocks noGrp="1"/>
+          </p:cNvSpPr>
           <p:nvPr>
-            <p:ph idx="1" type="body"/>
+            <p:ph type="body" idx="1"/>
           </p:nvPr>
         </p:nvSpPr>
         <p:spPr>
@@ -12723,12 +13358,12 @@
           </a:ln>
         </p:spPr>
         <p:txBody>
-          <a:bodyPr anchorCtr="0" anchor="t" bIns="45700" lIns="0" spcFirstLastPara="1" rIns="0" wrap="square" tIns="45700">
+          <a:bodyPr spcFirstLastPara="1" wrap="square" lIns="0" tIns="45700" rIns="0" bIns="45700" anchor="t" anchorCtr="0">
             <a:normAutofit/>
           </a:bodyPr>
           <a:lstStyle/>
           <a:p>
-            <a:pPr indent="-127000" lvl="0" marL="91440" rtl="0" algn="l">
+            <a:pPr marL="91440" lvl="0" indent="-127000" algn="l" rtl="0">
               <a:lnSpc>
                 <a:spcPct val="90000"/>
               </a:lnSpc>
@@ -12748,7 +13383,7 @@
             <a:endParaRPr/>
           </a:p>
           <a:p>
-            <a:pPr indent="-127000" lvl="0" marL="91440" rtl="0" algn="l">
+            <a:pPr marL="91440" lvl="0" indent="-127000" algn="l" rtl="0">
               <a:lnSpc>
                 <a:spcPct val="90000"/>
               </a:lnSpc>
@@ -12769,7 +13404,7 @@
             <a:endParaRPr/>
           </a:p>
           <a:p>
-            <a:pPr indent="-114300" lvl="0" marL="91440" rtl="0" algn="l">
+            <a:pPr marL="91440" lvl="0" indent="-114300" algn="l" rtl="0">
               <a:lnSpc>
                 <a:spcPct val="90000"/>
               </a:lnSpc>
@@ -12789,7 +13424,7 @@
             <a:endParaRPr/>
           </a:p>
           <a:p>
-            <a:pPr indent="-127000" lvl="0" marL="91440" rtl="0" algn="l">
+            <a:pPr marL="91440" lvl="0" indent="-127000" algn="l" rtl="0">
               <a:lnSpc>
                 <a:spcPct val="90000"/>
               </a:lnSpc>
@@ -12810,7 +13445,7 @@
             <a:endParaRPr/>
           </a:p>
           <a:p>
-            <a:pPr indent="-127000" lvl="0" marL="91440" rtl="0" algn="l">
+            <a:pPr marL="91440" lvl="0" indent="-127000" algn="l" rtl="0">
               <a:lnSpc>
                 <a:spcPct val="90000"/>
               </a:lnSpc>
@@ -12841,11 +13476,11 @@
 </file>
 
 <file path=ppt/slides/slide6.xml><?xml version="1.0" encoding="utf-8"?>
-<p:sld xmlns:a="http://schemas.openxmlformats.org/drawingml/2006/main" xmlns:r="http://schemas.openxmlformats.org/officeDocument/2006/relationships" xmlns:mc="http://schemas.openxmlformats.org/markup-compatibility/2006" xmlns:mv="urn:schemas-microsoft-com:mac:vml" xmlns:p="http://schemas.openxmlformats.org/presentationml/2006/main" xmlns:c="http://schemas.openxmlformats.org/drawingml/2006/chart" xmlns:dgm="http://schemas.openxmlformats.org/drawingml/2006/diagram" xmlns:o="urn:schemas-microsoft-com:office:office" xmlns:v="urn:schemas-microsoft-com:vml" xmlns:pvml="urn:schemas-microsoft-com:office:powerpoint" xmlns:com="http://schemas.openxmlformats.org/drawingml/2006/compatibility" xmlns:p14="http://schemas.microsoft.com/office/powerpoint/2010/main" xmlns:p15="http://schemas.microsoft.com/office/powerpoint/2012/main" xmlns:ahyp="http://schemas.microsoft.com/office/drawing/2018/hyperlinkcolor">
+<p:sld xmlns:a="http://schemas.openxmlformats.org/drawingml/2006/main" xmlns:r="http://schemas.openxmlformats.org/officeDocument/2006/relationships" xmlns:p="http://schemas.openxmlformats.org/presentationml/2006/main">
   <p:cSld>
     <p:spTree>
       <p:nvGrpSpPr>
-        <p:cNvPr id="130" name="Shape 130"/>
+        <p:cNvPr id="1" name="Shape 130"/>
         <p:cNvGrpSpPr/>
         <p:nvPr/>
       </p:nvGrpSpPr>
@@ -12860,7 +13495,9 @@
       <p:sp>
         <p:nvSpPr>
           <p:cNvPr id="131" name="Google Shape;131;p6"/>
-          <p:cNvSpPr txBox="1"/>
+          <p:cNvSpPr txBox="1">
+            <a:spLocks noGrp="1"/>
+          </p:cNvSpPr>
           <p:nvPr>
             <p:ph type="title"/>
           </p:nvPr>
@@ -12879,12 +13516,12 @@
           </a:ln>
         </p:spPr>
         <p:txBody>
-          <a:bodyPr anchorCtr="0" anchor="b" bIns="45700" lIns="91425" spcFirstLastPara="1" rIns="91425" wrap="square" tIns="45700">
+          <a:bodyPr spcFirstLastPara="1" wrap="square" lIns="91425" tIns="45700" rIns="91425" bIns="45700" anchor="b" anchorCtr="0">
             <a:normAutofit/>
           </a:bodyPr>
           <a:lstStyle/>
           <a:p>
-            <a:pPr indent="0" lvl="0" marL="0" rtl="0" algn="l">
+            <a:pPr marL="0" lvl="0" indent="0" algn="l" rtl="0">
               <a:lnSpc>
                 <a:spcPct val="85000"/>
               </a:lnSpc>
@@ -12912,9 +13549,11 @@
       <p:sp>
         <p:nvSpPr>
           <p:cNvPr id="132" name="Google Shape;132;p6"/>
-          <p:cNvSpPr txBox="1"/>
+          <p:cNvSpPr txBox="1">
+            <a:spLocks noGrp="1"/>
+          </p:cNvSpPr>
           <p:nvPr>
-            <p:ph idx="1" type="body"/>
+            <p:ph type="body" idx="1"/>
           </p:nvPr>
         </p:nvSpPr>
         <p:spPr>
@@ -12931,12 +13570,12 @@
           </a:ln>
         </p:spPr>
         <p:txBody>
-          <a:bodyPr anchorCtr="0" anchor="t" bIns="45700" lIns="0" spcFirstLastPara="1" rIns="0" wrap="square" tIns="45700">
+          <a:bodyPr spcFirstLastPara="1" wrap="square" lIns="0" tIns="45700" rIns="0" bIns="45700" anchor="t" anchorCtr="0">
             <a:normAutofit/>
           </a:bodyPr>
           <a:lstStyle/>
           <a:p>
-            <a:pPr indent="-127000" lvl="0" marL="91440" rtl="0" algn="l">
+            <a:pPr marL="91440" lvl="0" indent="-127000" algn="l" rtl="0">
               <a:lnSpc>
                 <a:spcPct val="90000"/>
               </a:lnSpc>
@@ -12951,10 +13590,98 @@
               <a:buChar char="•"/>
             </a:pPr>
             <a:r>
-              <a:rPr lang="en-US"/>
-              <a:t>Да се довършат описаните функционалности от бекенда</a:t>
+              <a:rPr lang="en-US" dirty="0" err="1"/>
+              <a:t>Да</a:t>
             </a:r>
-            <a:endParaRPr/>
+            <a:r>
+              <a:rPr lang="en-US" dirty="0"/>
+              <a:t> </a:t>
+            </a:r>
+            <a:r>
+              <a:rPr lang="en-US" dirty="0" err="1"/>
+              <a:t>се</a:t>
+            </a:r>
+            <a:r>
+              <a:rPr lang="en-US" dirty="0"/>
+              <a:t> </a:t>
+            </a:r>
+            <a:r>
+              <a:rPr lang="en-US" dirty="0" err="1"/>
+              <a:t>довършат</a:t>
+            </a:r>
+            <a:r>
+              <a:rPr lang="en-US" dirty="0"/>
+              <a:t> </a:t>
+            </a:r>
+            <a:r>
+              <a:rPr lang="en-US" dirty="0" err="1"/>
+              <a:t>описаните</a:t>
+            </a:r>
+            <a:r>
+              <a:rPr lang="en-US" dirty="0"/>
+              <a:t> </a:t>
+            </a:r>
+            <a:r>
+              <a:rPr lang="en-US" dirty="0" err="1"/>
+              <a:t>функционалности</a:t>
+            </a:r>
+            <a:r>
+              <a:rPr lang="en-US" dirty="0"/>
+              <a:t> </a:t>
+            </a:r>
+            <a:r>
+              <a:rPr lang="en-US" dirty="0" err="1"/>
+              <a:t>от</a:t>
+            </a:r>
+            <a:r>
+              <a:rPr lang="en-US" dirty="0"/>
+              <a:t> </a:t>
+            </a:r>
+            <a:r>
+              <a:rPr lang="en-US" dirty="0" err="1"/>
+              <a:t>бекенда</a:t>
+            </a:r>
+            <a:endParaRPr lang="en-US" dirty="0"/>
+          </a:p>
+          <a:p>
+            <a:pPr marL="91440" lvl="0" indent="-127000" algn="l" rtl="0">
+              <a:lnSpc>
+                <a:spcPct val="90000"/>
+              </a:lnSpc>
+              <a:spcBef>
+                <a:spcPts val="0"/>
+              </a:spcBef>
+              <a:spcAft>
+                <a:spcPts val="0"/>
+              </a:spcAft>
+              <a:buSzPts val="2000"/>
+              <a:buFont typeface="Arial"/>
+              <a:buChar char="•"/>
+            </a:pPr>
+            <a:r>
+              <a:rPr lang="en-US" dirty="0"/>
+              <a:t>CORS errors</a:t>
+            </a:r>
+          </a:p>
+          <a:p>
+            <a:pPr marL="91440" lvl="0" indent="-127000" algn="l" rtl="0">
+              <a:lnSpc>
+                <a:spcPct val="90000"/>
+              </a:lnSpc>
+              <a:spcBef>
+                <a:spcPts val="0"/>
+              </a:spcBef>
+              <a:spcAft>
+                <a:spcPts val="0"/>
+              </a:spcAft>
+              <a:buSzPts val="2000"/>
+              <a:buFont typeface="Arial"/>
+              <a:buChar char="•"/>
+            </a:pPr>
+            <a:r>
+              <a:rPr lang="en-US" dirty="0"/>
+              <a:t>Better error handling</a:t>
+            </a:r>
           </a:p>
         </p:txBody>
       </p:sp>
@@ -12967,7 +13694,7 @@
 </file>
 
 <file path=ppt/theme/theme1.xml><?xml version="1.0" encoding="utf-8"?>
-<a:theme xmlns:a="http://schemas.openxmlformats.org/drawingml/2006/main" xmlns:r="http://schemas.openxmlformats.org/officeDocument/2006/relationships" name="Retrospect">
+<a:theme xmlns:a="http://schemas.openxmlformats.org/drawingml/2006/main" name="Retrospect">
   <a:themeElements>
     <a:clrScheme name="Retrospect">
       <a:dk1>
@@ -13242,11 +13969,13 @@
       </a:bgFillStyleLst>
     </a:fmtScheme>
   </a:themeElements>
+  <a:objectDefaults/>
+  <a:extraClrSchemeLst/>
 </a:theme>
 </file>
 
 <file path=ppt/theme/theme2.xml><?xml version="1.0" encoding="utf-8"?>
-<a:theme xmlns:a="http://schemas.openxmlformats.org/drawingml/2006/main" xmlns:r="http://schemas.openxmlformats.org/officeDocument/2006/relationships">
+<a:theme xmlns:a="http://schemas.openxmlformats.org/drawingml/2006/main">
   <a:themeElements>
     <a:clrScheme name="Default">
       <a:dk1>
@@ -13521,5 +14250,7 @@
       </a:bgFillStyleLst>
     </a:fmtScheme>
   </a:themeElements>
+  <a:objectDefaults/>
+  <a:extraClrSchemeLst/>
 </a:theme>
 </file>